--- a/MyGame/企劃.pptx
+++ b/MyGame/企劃.pptx
@@ -5,7 +5,7 @@
     <p:sldMasterId id="2147483924" r:id="rId1"/>
   </p:sldMasterIdLst>
   <p:handoutMasterIdLst>
-    <p:handoutMasterId r:id="rId19"/>
+    <p:handoutMasterId r:id="rId25"/>
   </p:handoutMasterIdLst>
   <p:sldIdLst>
     <p:sldId id="256" r:id="rId2"/>
@@ -16,15 +16,21 @@
     <p:sldId id="284" r:id="rId7"/>
     <p:sldId id="286" r:id="rId8"/>
     <p:sldId id="287" r:id="rId9"/>
-    <p:sldId id="282" r:id="rId10"/>
-    <p:sldId id="296" r:id="rId11"/>
-    <p:sldId id="288" r:id="rId12"/>
-    <p:sldId id="292" r:id="rId13"/>
-    <p:sldId id="290" r:id="rId14"/>
-    <p:sldId id="289" r:id="rId15"/>
-    <p:sldId id="298" r:id="rId16"/>
-    <p:sldId id="293" r:id="rId17"/>
-    <p:sldId id="297" r:id="rId18"/>
+    <p:sldId id="302" r:id="rId10"/>
+    <p:sldId id="303" r:id="rId11"/>
+    <p:sldId id="304" r:id="rId12"/>
+    <p:sldId id="282" r:id="rId13"/>
+    <p:sldId id="296" r:id="rId14"/>
+    <p:sldId id="300" r:id="rId15"/>
+    <p:sldId id="299" r:id="rId16"/>
+    <p:sldId id="301" r:id="rId17"/>
+    <p:sldId id="288" r:id="rId18"/>
+    <p:sldId id="292" r:id="rId19"/>
+    <p:sldId id="290" r:id="rId20"/>
+    <p:sldId id="289" r:id="rId21"/>
+    <p:sldId id="298" r:id="rId22"/>
+    <p:sldId id="293" r:id="rId23"/>
+    <p:sldId id="297" r:id="rId24"/>
   </p:sldIdLst>
   <p:sldSz cx="9144000" cy="5143500" type="screen16x9"/>
   <p:notesSz cx="6858000" cy="9144000"/>
@@ -208,7 +214,8 @@
           <a:p>
             <a:fld id="{964AF926-E4AC-43CA-B9BE-670C0BF09E4F}" type="datetimeFigureOut">
               <a:rPr lang="zh-TW" altLang="en-US" smtClean="0"/>
-              <a:t>2021/7/4</a:t>
+              <a:pPr/>
+              <a:t>2021/7/6</a:t>
             </a:fld>
             <a:endParaRPr lang="zh-TW" altLang="en-US"/>
           </a:p>
@@ -274,6 +281,7 @@
           <a:p>
             <a:fld id="{46C842B3-AE72-4C3D-B67C-9402450CDAF0}" type="slidenum">
               <a:rPr lang="zh-TW" altLang="en-US" smtClean="0"/>
+              <a:pPr/>
               <a:t>‹#›</a:t>
             </a:fld>
             <a:endParaRPr lang="zh-TW" altLang="en-US"/>
@@ -398,7 +406,7 @@
             <a:fld id="{24D5CE51-E220-4B8E-8EBE-02A5839CD322}" type="datetimeFigureOut">
               <a:rPr lang="zh-TW" altLang="en-US" smtClean="0"/>
               <a:pPr/>
-              <a:t>2021/7/4</a:t>
+              <a:t>2021/7/6</a:t>
             </a:fld>
             <a:endParaRPr lang="zh-TW" altLang="en-US" dirty="0"/>
           </a:p>
@@ -697,7 +705,7 @@
             <a:fld id="{24D5CE51-E220-4B8E-8EBE-02A5839CD322}" type="datetimeFigureOut">
               <a:rPr lang="zh-TW" altLang="en-US" smtClean="0"/>
               <a:pPr/>
-              <a:t>2021/7/4</a:t>
+              <a:t>2021/7/6</a:t>
             </a:fld>
             <a:endParaRPr lang="zh-TW" altLang="en-US"/>
           </a:p>
@@ -874,7 +882,7 @@
             <a:fld id="{24D5CE51-E220-4B8E-8EBE-02A5839CD322}" type="datetimeFigureOut">
               <a:rPr lang="zh-TW" altLang="en-US" smtClean="0"/>
               <a:pPr/>
-              <a:t>2021/7/4</a:t>
+              <a:t>2021/7/6</a:t>
             </a:fld>
             <a:endParaRPr lang="zh-TW" altLang="en-US"/>
           </a:p>
@@ -1371,7 +1379,7 @@
             <a:fld id="{24D5CE51-E220-4B8E-8EBE-02A5839CD322}" type="datetimeFigureOut">
               <a:rPr lang="zh-TW" altLang="en-US" smtClean="0"/>
               <a:pPr/>
-              <a:t>2021/7/4</a:t>
+              <a:t>2021/7/6</a:t>
             </a:fld>
             <a:endParaRPr lang="zh-TW" altLang="en-US"/>
           </a:p>
@@ -1637,7 +1645,7 @@
             <a:fld id="{24D5CE51-E220-4B8E-8EBE-02A5839CD322}" type="datetimeFigureOut">
               <a:rPr lang="zh-TW" altLang="en-US" smtClean="0"/>
               <a:pPr/>
-              <a:t>2021/7/4</a:t>
+              <a:t>2021/7/6</a:t>
             </a:fld>
             <a:endParaRPr lang="zh-TW" altLang="en-US"/>
           </a:p>
@@ -2013,7 +2021,7 @@
             <a:fld id="{24D5CE51-E220-4B8E-8EBE-02A5839CD322}" type="datetimeFigureOut">
               <a:rPr lang="zh-TW" altLang="en-US" smtClean="0"/>
               <a:pPr/>
-              <a:t>2021/7/4</a:t>
+              <a:t>2021/7/6</a:t>
             </a:fld>
             <a:endParaRPr lang="zh-TW" altLang="en-US"/>
           </a:p>
@@ -2128,7 +2136,7 @@
             <a:fld id="{24D5CE51-E220-4B8E-8EBE-02A5839CD322}" type="datetimeFigureOut">
               <a:rPr lang="zh-TW" altLang="en-US" smtClean="0"/>
               <a:pPr/>
-              <a:t>2021/7/4</a:t>
+              <a:t>2021/7/6</a:t>
             </a:fld>
             <a:endParaRPr lang="zh-TW" altLang="en-US"/>
           </a:p>
@@ -2220,7 +2228,7 @@
             <a:fld id="{24D5CE51-E220-4B8E-8EBE-02A5839CD322}" type="datetimeFigureOut">
               <a:rPr lang="zh-TW" altLang="en-US" smtClean="0"/>
               <a:pPr/>
-              <a:t>2021/7/4</a:t>
+              <a:t>2021/7/6</a:t>
             </a:fld>
             <a:endParaRPr lang="zh-TW" altLang="en-US"/>
           </a:p>
@@ -2480,7 +2488,7 @@
             <a:fld id="{24D5CE51-E220-4B8E-8EBE-02A5839CD322}" type="datetimeFigureOut">
               <a:rPr lang="zh-TW" altLang="en-US" smtClean="0"/>
               <a:pPr/>
-              <a:t>2021/7/4</a:t>
+              <a:t>2021/7/6</a:t>
             </a:fld>
             <a:endParaRPr lang="zh-TW" altLang="en-US"/>
           </a:p>
@@ -2746,7 +2754,7 @@
             <a:fld id="{24D5CE51-E220-4B8E-8EBE-02A5839CD322}" type="datetimeFigureOut">
               <a:rPr lang="zh-TW" altLang="en-US" smtClean="0"/>
               <a:pPr/>
-              <a:t>2021/7/4</a:t>
+              <a:t>2021/7/6</a:t>
             </a:fld>
             <a:endParaRPr lang="zh-TW" altLang="en-US"/>
           </a:p>
@@ -2965,7 +2973,7 @@
             <a:fld id="{24D5CE51-E220-4B8E-8EBE-02A5839CD322}" type="datetimeFigureOut">
               <a:rPr lang="zh-TW" altLang="en-US" smtClean="0"/>
               <a:pPr/>
-              <a:t>2021/7/4</a:t>
+              <a:t>2021/7/6</a:t>
             </a:fld>
             <a:endParaRPr lang="zh-TW" altLang="en-US"/>
           </a:p>
@@ -3511,14 +3519,7 @@
                 <a:latin typeface="+mj-ea"/>
                 <a:ea typeface="+mj-ea"/>
               </a:rPr>
-              <a:t>by </a:t>
-            </a:r>
-            <a:r>
-              <a:rPr lang="en-US" altLang="zh-TW" dirty="0" smtClean="0">
-                <a:latin typeface="+mj-ea"/>
-                <a:ea typeface="+mj-ea"/>
-              </a:rPr>
-              <a:t>Sidney </a:t>
+              <a:t>by Sidney </a:t>
             </a:r>
             <a:r>
               <a:rPr lang="en-US" altLang="zh-TW" dirty="0" err="1" smtClean="0">
@@ -3571,14 +3572,12 @@
         </p:nvSpPr>
         <p:spPr/>
         <p:txBody>
-          <a:bodyPr>
-            <a:normAutofit/>
-          </a:bodyPr>
+          <a:bodyPr/>
           <a:lstStyle/>
           <a:p>
             <a:r>
               <a:rPr lang="en-US" altLang="zh-TW" dirty="0" smtClean="0"/>
-              <a:t>GAME SYSTEM</a:t>
+              <a:t>GAME UI</a:t>
             </a:r>
             <a:endParaRPr lang="zh-TW" altLang="en-US" dirty="0"/>
           </a:p>
@@ -3600,54 +3599,1174 @@
           <a:lstStyle/>
           <a:p>
             <a:r>
-              <a:rPr lang="en-US" altLang="zh-TW" dirty="0" smtClean="0"/>
-              <a:t>JRPG</a:t>
-            </a:r>
-          </a:p>
-          <a:p>
-            <a:r>
-              <a:rPr lang="en-US" altLang="zh-TW" dirty="0" smtClean="0"/>
-              <a:t>ARPG</a:t>
-            </a:r>
-          </a:p>
-          <a:p>
-            <a:r>
-              <a:rPr lang="en-US" altLang="zh-TW" dirty="0" smtClean="0"/>
-              <a:t>side-Scrolling</a:t>
-            </a:r>
-          </a:p>
-          <a:p>
-            <a:r>
-              <a:rPr lang="en-US" altLang="zh-TW" dirty="0" smtClean="0"/>
-              <a:t>SLG</a:t>
-            </a:r>
-          </a:p>
-          <a:p>
-            <a:r>
-              <a:rPr lang="en-US" altLang="zh-TW" dirty="0" smtClean="0"/>
-              <a:t>Business simulation</a:t>
-            </a:r>
-          </a:p>
-          <a:p>
-            <a:r>
-              <a:rPr lang="en-US" altLang="zh-TW" dirty="0" smtClean="0"/>
-              <a:t>Rogue-</a:t>
-            </a:r>
-            <a:r>
-              <a:rPr lang="en-US" altLang="zh-TW" dirty="0" err="1" smtClean="0"/>
-              <a:t>lite</a:t>
-            </a:r>
-            <a:endParaRPr lang="en-US" altLang="zh-TW" dirty="0" smtClean="0"/>
-          </a:p>
-          <a:p>
-            <a:pPr lvl="2"/>
-            <a:endParaRPr lang="en-US" altLang="zh-TW" dirty="0" smtClean="0"/>
-          </a:p>
-          <a:p>
+              <a:rPr lang="zh-TW" altLang="en-US" dirty="0" smtClean="0"/>
+              <a:t>簡化版屬性介面</a:t>
+            </a:r>
             <a:endParaRPr lang="zh-TW" altLang="en-US" dirty="0"/>
           </a:p>
         </p:txBody>
       </p:sp>
+      <p:sp>
+        <p:nvSpPr>
+          <p:cNvPr id="50" name="圓角矩形 49"/>
+          <p:cNvSpPr/>
+          <p:nvPr/>
+        </p:nvSpPr>
+        <p:spPr>
+          <a:xfrm>
+            <a:off x="1404205" y="1643056"/>
+            <a:ext cx="6168191" cy="1857388"/>
+          </a:xfrm>
+          <a:prstGeom prst="roundRect">
+            <a:avLst>
+              <a:gd name="adj" fmla="val 11558"/>
+            </a:avLst>
+          </a:prstGeom>
+          <a:solidFill>
+            <a:srgbClr val="321900"/>
+          </a:solidFill>
+          <a:ln>
+            <a:noFill/>
+          </a:ln>
+        </p:spPr>
+        <p:style>
+          <a:lnRef idx="2">
+            <a:schemeClr val="accent1">
+              <a:shade val="50000"/>
+            </a:schemeClr>
+          </a:lnRef>
+          <a:fillRef idx="1">
+            <a:schemeClr val="accent1"/>
+          </a:fillRef>
+          <a:effectRef idx="0">
+            <a:schemeClr val="accent1"/>
+          </a:effectRef>
+          <a:fontRef idx="minor">
+            <a:schemeClr val="lt1"/>
+          </a:fontRef>
+        </p:style>
+        <p:txBody>
+          <a:bodyPr rtlCol="0" anchor="ctr"/>
+          <a:lstStyle/>
+          <a:p>
+            <a:pPr algn="ctr"/>
+            <a:endParaRPr lang="zh-TW" altLang="en-US" sz="2000">
+              <a:latin typeface="+mj-ea"/>
+              <a:ea typeface="+mj-ea"/>
+            </a:endParaRPr>
+          </a:p>
+        </p:txBody>
+      </p:sp>
+      <p:pic>
+        <p:nvPicPr>
+          <p:cNvPr id="51" name="Picture 2"/>
+          <p:cNvPicPr>
+            <a:picLocks noChangeAspect="1" noChangeArrowheads="1"/>
+          </p:cNvPicPr>
+          <p:nvPr/>
+        </p:nvPicPr>
+        <p:blipFill>
+          <a:blip r:embed="rId2"/>
+          <a:srcRect/>
+          <a:stretch>
+            <a:fillRect/>
+          </a:stretch>
+        </p:blipFill>
+        <p:spPr bwMode="auto">
+          <a:xfrm>
+            <a:off x="1571604" y="1785932"/>
+            <a:ext cx="1643074" cy="1643074"/>
+          </a:xfrm>
+          <a:prstGeom prst="rect">
+            <a:avLst/>
+          </a:prstGeom>
+          <a:solidFill>
+            <a:srgbClr val="FFC000"/>
+          </a:solidFill>
+          <a:ln w="9525">
+            <a:noFill/>
+            <a:miter lim="800000"/>
+            <a:headEnd/>
+            <a:tailEnd/>
+          </a:ln>
+          <a:effectLst/>
+        </p:spPr>
+      </p:pic>
+      <p:sp>
+        <p:nvSpPr>
+          <p:cNvPr id="52" name="圓角矩形 51"/>
+          <p:cNvSpPr/>
+          <p:nvPr/>
+        </p:nvSpPr>
+        <p:spPr>
+          <a:xfrm>
+            <a:off x="3286116" y="3071816"/>
+            <a:ext cx="2214578" cy="357190"/>
+          </a:xfrm>
+          <a:prstGeom prst="roundRect">
+            <a:avLst/>
+          </a:prstGeom>
+          <a:solidFill>
+            <a:schemeClr val="tx1"/>
+          </a:solidFill>
+          <a:ln>
+            <a:noFill/>
+          </a:ln>
+        </p:spPr>
+        <p:style>
+          <a:lnRef idx="2">
+            <a:schemeClr val="accent1">
+              <a:shade val="50000"/>
+            </a:schemeClr>
+          </a:lnRef>
+          <a:fillRef idx="1">
+            <a:schemeClr val="accent1"/>
+          </a:fillRef>
+          <a:effectRef idx="0">
+            <a:schemeClr val="accent1"/>
+          </a:effectRef>
+          <a:fontRef idx="minor">
+            <a:schemeClr val="lt1"/>
+          </a:fontRef>
+        </p:style>
+        <p:txBody>
+          <a:bodyPr rtlCol="0" anchor="ctr"/>
+          <a:lstStyle/>
+          <a:p>
+            <a:pPr algn="ctr"/>
+            <a:endParaRPr lang="zh-TW" altLang="en-US" sz="2000">
+              <a:solidFill>
+                <a:schemeClr val="bg1"/>
+              </a:solidFill>
+              <a:latin typeface="+mj-ea"/>
+              <a:ea typeface="+mj-ea"/>
+            </a:endParaRPr>
+          </a:p>
+        </p:txBody>
+      </p:sp>
+      <p:sp>
+        <p:nvSpPr>
+          <p:cNvPr id="53" name="圓角矩形 52"/>
+          <p:cNvSpPr/>
+          <p:nvPr/>
+        </p:nvSpPr>
+        <p:spPr>
+          <a:xfrm>
+            <a:off x="3286116" y="2214560"/>
+            <a:ext cx="2214578" cy="357190"/>
+          </a:xfrm>
+          <a:prstGeom prst="roundRect">
+            <a:avLst/>
+          </a:prstGeom>
+          <a:solidFill>
+            <a:schemeClr val="tx1"/>
+          </a:solidFill>
+          <a:ln>
+            <a:noFill/>
+          </a:ln>
+        </p:spPr>
+        <p:style>
+          <a:lnRef idx="2">
+            <a:schemeClr val="accent1">
+              <a:shade val="50000"/>
+            </a:schemeClr>
+          </a:lnRef>
+          <a:fillRef idx="1">
+            <a:schemeClr val="accent1"/>
+          </a:fillRef>
+          <a:effectRef idx="0">
+            <a:schemeClr val="accent1"/>
+          </a:effectRef>
+          <a:fontRef idx="minor">
+            <a:schemeClr val="lt1"/>
+          </a:fontRef>
+        </p:style>
+        <p:txBody>
+          <a:bodyPr rtlCol="0" anchor="ctr"/>
+          <a:lstStyle/>
+          <a:p>
+            <a:pPr algn="ctr"/>
+            <a:endParaRPr lang="zh-TW" altLang="en-US" sz="2000">
+              <a:solidFill>
+                <a:schemeClr val="bg1"/>
+              </a:solidFill>
+              <a:latin typeface="+mj-ea"/>
+              <a:ea typeface="+mj-ea"/>
+            </a:endParaRPr>
+          </a:p>
+        </p:txBody>
+      </p:sp>
+      <p:sp>
+        <p:nvSpPr>
+          <p:cNvPr id="54" name="圓角矩形 53"/>
+          <p:cNvSpPr/>
+          <p:nvPr/>
+        </p:nvSpPr>
+        <p:spPr>
+          <a:xfrm>
+            <a:off x="3286116" y="2643188"/>
+            <a:ext cx="2214578" cy="357190"/>
+          </a:xfrm>
+          <a:prstGeom prst="roundRect">
+            <a:avLst/>
+          </a:prstGeom>
+          <a:solidFill>
+            <a:schemeClr val="tx1"/>
+          </a:solidFill>
+          <a:ln>
+            <a:noFill/>
+          </a:ln>
+        </p:spPr>
+        <p:style>
+          <a:lnRef idx="2">
+            <a:schemeClr val="accent1">
+              <a:shade val="50000"/>
+            </a:schemeClr>
+          </a:lnRef>
+          <a:fillRef idx="1">
+            <a:schemeClr val="accent1"/>
+          </a:fillRef>
+          <a:effectRef idx="0">
+            <a:schemeClr val="accent1"/>
+          </a:effectRef>
+          <a:fontRef idx="minor">
+            <a:schemeClr val="lt1"/>
+          </a:fontRef>
+        </p:style>
+        <p:txBody>
+          <a:bodyPr rtlCol="0" anchor="ctr"/>
+          <a:lstStyle/>
+          <a:p>
+            <a:pPr algn="ctr"/>
+            <a:endParaRPr lang="zh-TW" altLang="en-US" sz="2000">
+              <a:solidFill>
+                <a:schemeClr val="bg1"/>
+              </a:solidFill>
+              <a:latin typeface="+mj-ea"/>
+              <a:ea typeface="+mj-ea"/>
+            </a:endParaRPr>
+          </a:p>
+        </p:txBody>
+      </p:sp>
+      <p:sp>
+        <p:nvSpPr>
+          <p:cNvPr id="55" name="圓角矩形 54"/>
+          <p:cNvSpPr/>
+          <p:nvPr/>
+        </p:nvSpPr>
+        <p:spPr>
+          <a:xfrm>
+            <a:off x="3286116" y="2214560"/>
+            <a:ext cx="1456959" cy="357190"/>
+          </a:xfrm>
+          <a:prstGeom prst="roundRect">
+            <a:avLst/>
+          </a:prstGeom>
+          <a:solidFill>
+            <a:srgbClr val="FF0000"/>
+          </a:solidFill>
+          <a:ln>
+            <a:noFill/>
+          </a:ln>
+        </p:spPr>
+        <p:style>
+          <a:lnRef idx="2">
+            <a:schemeClr val="accent1">
+              <a:shade val="50000"/>
+            </a:schemeClr>
+          </a:lnRef>
+          <a:fillRef idx="1">
+            <a:schemeClr val="accent1"/>
+          </a:fillRef>
+          <a:effectRef idx="0">
+            <a:schemeClr val="accent1"/>
+          </a:effectRef>
+          <a:fontRef idx="minor">
+            <a:schemeClr val="lt1"/>
+          </a:fontRef>
+        </p:style>
+        <p:txBody>
+          <a:bodyPr rtlCol="0" anchor="ctr"/>
+          <a:lstStyle/>
+          <a:p>
+            <a:pPr algn="ctr"/>
+            <a:endParaRPr lang="zh-TW" altLang="en-US" sz="2000">
+              <a:solidFill>
+                <a:schemeClr val="bg1"/>
+              </a:solidFill>
+              <a:latin typeface="+mj-ea"/>
+              <a:ea typeface="+mj-ea"/>
+            </a:endParaRPr>
+          </a:p>
+        </p:txBody>
+      </p:sp>
+      <p:sp>
+        <p:nvSpPr>
+          <p:cNvPr id="56" name="圓角矩形 55"/>
+          <p:cNvSpPr/>
+          <p:nvPr/>
+        </p:nvSpPr>
+        <p:spPr>
+          <a:xfrm>
+            <a:off x="3286116" y="2643188"/>
+            <a:ext cx="1714512" cy="357190"/>
+          </a:xfrm>
+          <a:prstGeom prst="roundRect">
+            <a:avLst/>
+          </a:prstGeom>
+          <a:solidFill>
+            <a:srgbClr val="0070C0"/>
+          </a:solidFill>
+          <a:ln>
+            <a:noFill/>
+          </a:ln>
+        </p:spPr>
+        <p:style>
+          <a:lnRef idx="2">
+            <a:schemeClr val="accent1">
+              <a:shade val="50000"/>
+            </a:schemeClr>
+          </a:lnRef>
+          <a:fillRef idx="1">
+            <a:schemeClr val="accent1"/>
+          </a:fillRef>
+          <a:effectRef idx="0">
+            <a:schemeClr val="accent1"/>
+          </a:effectRef>
+          <a:fontRef idx="minor">
+            <a:schemeClr val="lt1"/>
+          </a:fontRef>
+        </p:style>
+        <p:txBody>
+          <a:bodyPr rtlCol="0" anchor="ctr"/>
+          <a:lstStyle/>
+          <a:p>
+            <a:pPr algn="ctr"/>
+            <a:endParaRPr lang="zh-TW" altLang="en-US" sz="2000">
+              <a:solidFill>
+                <a:schemeClr val="bg1"/>
+              </a:solidFill>
+              <a:latin typeface="+mj-ea"/>
+              <a:ea typeface="+mj-ea"/>
+            </a:endParaRPr>
+          </a:p>
+        </p:txBody>
+      </p:sp>
+      <p:sp>
+        <p:nvSpPr>
+          <p:cNvPr id="57" name="圓角矩形 56"/>
+          <p:cNvSpPr/>
+          <p:nvPr/>
+        </p:nvSpPr>
+        <p:spPr>
+          <a:xfrm>
+            <a:off x="3286116" y="3071816"/>
+            <a:ext cx="407949" cy="357190"/>
+          </a:xfrm>
+          <a:prstGeom prst="roundRect">
+            <a:avLst/>
+          </a:prstGeom>
+          <a:solidFill>
+            <a:srgbClr val="00B050"/>
+          </a:solidFill>
+          <a:ln>
+            <a:noFill/>
+          </a:ln>
+        </p:spPr>
+        <p:style>
+          <a:lnRef idx="2">
+            <a:schemeClr val="accent1">
+              <a:shade val="50000"/>
+            </a:schemeClr>
+          </a:lnRef>
+          <a:fillRef idx="1">
+            <a:schemeClr val="accent1"/>
+          </a:fillRef>
+          <a:effectRef idx="0">
+            <a:schemeClr val="accent1"/>
+          </a:effectRef>
+          <a:fontRef idx="minor">
+            <a:schemeClr val="lt1"/>
+          </a:fontRef>
+        </p:style>
+        <p:txBody>
+          <a:bodyPr rtlCol="0" anchor="ctr"/>
+          <a:lstStyle/>
+          <a:p>
+            <a:pPr algn="ctr"/>
+            <a:endParaRPr lang="zh-TW" altLang="en-US" sz="2000">
+              <a:solidFill>
+                <a:schemeClr val="bg1"/>
+              </a:solidFill>
+              <a:latin typeface="+mj-ea"/>
+              <a:ea typeface="+mj-ea"/>
+            </a:endParaRPr>
+          </a:p>
+        </p:txBody>
+      </p:sp>
+      <p:pic>
+        <p:nvPicPr>
+          <p:cNvPr id="58" name="Picture 3"/>
+          <p:cNvPicPr>
+            <a:picLocks noChangeAspect="1" noChangeArrowheads="1"/>
+          </p:cNvPicPr>
+          <p:nvPr/>
+        </p:nvPicPr>
+        <p:blipFill>
+          <a:blip r:embed="rId3"/>
+          <a:srcRect/>
+          <a:stretch>
+            <a:fillRect/>
+          </a:stretch>
+        </p:blipFill>
+        <p:spPr bwMode="auto">
+          <a:xfrm>
+            <a:off x="5500694" y="2214560"/>
+            <a:ext cx="442023" cy="388444"/>
+          </a:xfrm>
+          <a:prstGeom prst="rect">
+            <a:avLst/>
+          </a:prstGeom>
+          <a:noFill/>
+          <a:ln w="9525">
+            <a:noFill/>
+            <a:miter lim="800000"/>
+            <a:headEnd/>
+            <a:tailEnd/>
+          </a:ln>
+          <a:effectLst/>
+        </p:spPr>
+      </p:pic>
+      <p:pic>
+        <p:nvPicPr>
+          <p:cNvPr id="59" name="Picture 5"/>
+          <p:cNvPicPr>
+            <a:picLocks noChangeAspect="1" noChangeArrowheads="1"/>
+          </p:cNvPicPr>
+          <p:nvPr/>
+        </p:nvPicPr>
+        <p:blipFill>
+          <a:blip r:embed="rId4"/>
+          <a:srcRect l="8335"/>
+          <a:stretch>
+            <a:fillRect/>
+          </a:stretch>
+        </p:blipFill>
+        <p:spPr bwMode="auto">
+          <a:xfrm>
+            <a:off x="5511863" y="3000378"/>
+            <a:ext cx="417459" cy="428629"/>
+          </a:xfrm>
+          <a:prstGeom prst="rect">
+            <a:avLst/>
+          </a:prstGeom>
+          <a:noFill/>
+          <a:ln w="9525">
+            <a:noFill/>
+            <a:miter lim="800000"/>
+            <a:headEnd/>
+            <a:tailEnd/>
+          </a:ln>
+          <a:effectLst/>
+        </p:spPr>
+      </p:pic>
+      <p:sp>
+        <p:nvSpPr>
+          <p:cNvPr id="60" name="矩形 59"/>
+          <p:cNvSpPr/>
+          <p:nvPr/>
+        </p:nvSpPr>
+        <p:spPr>
+          <a:xfrm>
+            <a:off x="3286116" y="2214560"/>
+            <a:ext cx="2214578" cy="400110"/>
+          </a:xfrm>
+          <a:prstGeom prst="rect">
+            <a:avLst/>
+          </a:prstGeom>
+        </p:spPr>
+        <p:txBody>
+          <a:bodyPr wrap="square">
+            <a:spAutoFit/>
+          </a:bodyPr>
+          <a:lstStyle/>
+          <a:p>
+            <a:pPr algn="ctr">
+              <a:defRPr/>
+            </a:pPr>
+            <a:r>
+              <a:rPr lang="en-US" altLang="zh-TW" sz="2000" b="1" dirty="0" smtClean="0">
+                <a:solidFill>
+                  <a:schemeClr val="bg1"/>
+                </a:solidFill>
+                <a:latin typeface="+mj-ea"/>
+                <a:ea typeface="+mj-ea"/>
+              </a:rPr>
+              <a:t>550 / 750</a:t>
+            </a:r>
+            <a:endParaRPr lang="zh-TW" altLang="en-US" sz="2000" b="1" dirty="0">
+              <a:solidFill>
+                <a:schemeClr val="bg1"/>
+              </a:solidFill>
+              <a:latin typeface="+mj-ea"/>
+              <a:ea typeface="+mj-ea"/>
+            </a:endParaRPr>
+          </a:p>
+        </p:txBody>
+      </p:sp>
+      <p:sp>
+        <p:nvSpPr>
+          <p:cNvPr id="61" name="矩形 60"/>
+          <p:cNvSpPr/>
+          <p:nvPr/>
+        </p:nvSpPr>
+        <p:spPr>
+          <a:xfrm>
+            <a:off x="3286116" y="2643188"/>
+            <a:ext cx="2237137" cy="400110"/>
+          </a:xfrm>
+          <a:prstGeom prst="rect">
+            <a:avLst/>
+          </a:prstGeom>
+        </p:spPr>
+        <p:txBody>
+          <a:bodyPr wrap="square">
+            <a:spAutoFit/>
+          </a:bodyPr>
+          <a:lstStyle/>
+          <a:p>
+            <a:pPr algn="ctr">
+              <a:defRPr/>
+            </a:pPr>
+            <a:r>
+              <a:rPr lang="en-US" altLang="zh-TW" sz="2000" b="1" dirty="0" smtClean="0">
+                <a:solidFill>
+                  <a:schemeClr val="bg1"/>
+                </a:solidFill>
+                <a:latin typeface="+mj-ea"/>
+                <a:ea typeface="+mj-ea"/>
+              </a:rPr>
+              <a:t>300 / 330</a:t>
+            </a:r>
+            <a:endParaRPr lang="zh-TW" altLang="en-US" sz="2000" b="1" dirty="0">
+              <a:solidFill>
+                <a:schemeClr val="bg1"/>
+              </a:solidFill>
+              <a:latin typeface="+mj-ea"/>
+              <a:ea typeface="+mj-ea"/>
+            </a:endParaRPr>
+          </a:p>
+        </p:txBody>
+      </p:sp>
+      <p:sp>
+        <p:nvSpPr>
+          <p:cNvPr id="62" name="矩形 61"/>
+          <p:cNvSpPr/>
+          <p:nvPr/>
+        </p:nvSpPr>
+        <p:spPr>
+          <a:xfrm>
+            <a:off x="3286116" y="3071816"/>
+            <a:ext cx="2214578" cy="400110"/>
+          </a:xfrm>
+          <a:prstGeom prst="rect">
+            <a:avLst/>
+          </a:prstGeom>
+        </p:spPr>
+        <p:txBody>
+          <a:bodyPr wrap="square">
+            <a:spAutoFit/>
+          </a:bodyPr>
+          <a:lstStyle/>
+          <a:p>
+            <a:pPr algn="ctr">
+              <a:defRPr/>
+            </a:pPr>
+            <a:r>
+              <a:rPr lang="en-US" altLang="zh-TW" sz="2000" b="1" dirty="0" smtClean="0">
+                <a:solidFill>
+                  <a:schemeClr val="bg1"/>
+                </a:solidFill>
+                <a:latin typeface="+mj-ea"/>
+                <a:ea typeface="+mj-ea"/>
+              </a:rPr>
+              <a:t>  20 / 128</a:t>
+            </a:r>
+            <a:endParaRPr lang="zh-TW" altLang="en-US" sz="2000" b="1" dirty="0">
+              <a:solidFill>
+                <a:schemeClr val="bg1"/>
+              </a:solidFill>
+              <a:latin typeface="+mj-ea"/>
+              <a:ea typeface="+mj-ea"/>
+            </a:endParaRPr>
+          </a:p>
+        </p:txBody>
+      </p:sp>
+      <p:grpSp>
+        <p:nvGrpSpPr>
+          <p:cNvPr id="4" name="群組 62"/>
+          <p:cNvGrpSpPr/>
+          <p:nvPr/>
+        </p:nvGrpSpPr>
+        <p:grpSpPr>
+          <a:xfrm>
+            <a:off x="5966220" y="2643188"/>
+            <a:ext cx="1606176" cy="357190"/>
+            <a:chOff x="785794" y="6167446"/>
+            <a:chExt cx="1609736" cy="357190"/>
+          </a:xfrm>
+        </p:grpSpPr>
+        <p:sp>
+          <p:nvSpPr>
+            <p:cNvPr id="64" name="圓角矩形 63"/>
+            <p:cNvSpPr/>
+            <p:nvPr/>
+          </p:nvSpPr>
+          <p:spPr>
+            <a:xfrm>
+              <a:off x="785794" y="6167446"/>
+              <a:ext cx="1500198" cy="357190"/>
+            </a:xfrm>
+            <a:prstGeom prst="roundRect">
+              <a:avLst/>
+            </a:prstGeom>
+            <a:solidFill>
+              <a:schemeClr val="bg1"/>
+            </a:solidFill>
+            <a:ln>
+              <a:noFill/>
+            </a:ln>
+          </p:spPr>
+          <p:style>
+            <a:lnRef idx="2">
+              <a:schemeClr val="accent1">
+                <a:shade val="50000"/>
+              </a:schemeClr>
+            </a:lnRef>
+            <a:fillRef idx="1">
+              <a:schemeClr val="accent1"/>
+            </a:fillRef>
+            <a:effectRef idx="0">
+              <a:schemeClr val="accent1"/>
+            </a:effectRef>
+            <a:fontRef idx="minor">
+              <a:schemeClr val="lt1"/>
+            </a:fontRef>
+          </p:style>
+          <p:txBody>
+            <a:bodyPr rtlCol="0" anchor="ctr"/>
+            <a:lstStyle/>
+            <a:p>
+              <a:endParaRPr lang="zh-TW" altLang="en-US" sz="2000">
+                <a:latin typeface="+mj-ea"/>
+                <a:ea typeface="+mj-ea"/>
+              </a:endParaRPr>
+            </a:p>
+          </p:txBody>
+        </p:sp>
+        <p:sp>
+          <p:nvSpPr>
+            <p:cNvPr id="65" name="矩形 64"/>
+            <p:cNvSpPr/>
+            <p:nvPr/>
+          </p:nvSpPr>
+          <p:spPr>
+            <a:xfrm>
+              <a:off x="870524" y="6167446"/>
+              <a:ext cx="1525006" cy="294829"/>
+            </a:xfrm>
+            <a:prstGeom prst="rect">
+              <a:avLst/>
+            </a:prstGeom>
+          </p:spPr>
+          <p:txBody>
+            <a:bodyPr wrap="square">
+              <a:spAutoFit/>
+            </a:bodyPr>
+            <a:lstStyle/>
+            <a:p>
+              <a:pPr>
+                <a:defRPr/>
+              </a:pPr>
+              <a:r>
+                <a:rPr lang="zh-TW" altLang="en-US" sz="2000" b="1" dirty="0" smtClean="0">
+                  <a:latin typeface="+mj-ea"/>
+                  <a:ea typeface="+mj-ea"/>
+                </a:rPr>
+                <a:t>雙手巨斧</a:t>
+              </a:r>
+              <a:endParaRPr lang="zh-TW" altLang="en-US" sz="2000" b="1" dirty="0">
+                <a:latin typeface="+mj-ea"/>
+                <a:ea typeface="+mj-ea"/>
+              </a:endParaRPr>
+            </a:p>
+          </p:txBody>
+        </p:sp>
+      </p:grpSp>
+      <p:grpSp>
+        <p:nvGrpSpPr>
+          <p:cNvPr id="5" name="群組 65"/>
+          <p:cNvGrpSpPr/>
+          <p:nvPr/>
+        </p:nvGrpSpPr>
+        <p:grpSpPr>
+          <a:xfrm>
+            <a:off x="5966220" y="2245814"/>
+            <a:ext cx="1606176" cy="357190"/>
+            <a:chOff x="785794" y="6167446"/>
+            <a:chExt cx="1609736" cy="357190"/>
+          </a:xfrm>
+        </p:grpSpPr>
+        <p:sp>
+          <p:nvSpPr>
+            <p:cNvPr id="67" name="圓角矩形 66"/>
+            <p:cNvSpPr/>
+            <p:nvPr/>
+          </p:nvSpPr>
+          <p:spPr>
+            <a:xfrm>
+              <a:off x="785794" y="6167446"/>
+              <a:ext cx="1500198" cy="357190"/>
+            </a:xfrm>
+            <a:prstGeom prst="roundRect">
+              <a:avLst/>
+            </a:prstGeom>
+            <a:solidFill>
+              <a:schemeClr val="bg1"/>
+            </a:solidFill>
+            <a:ln>
+              <a:noFill/>
+            </a:ln>
+          </p:spPr>
+          <p:style>
+            <a:lnRef idx="2">
+              <a:schemeClr val="accent1">
+                <a:shade val="50000"/>
+              </a:schemeClr>
+            </a:lnRef>
+            <a:fillRef idx="1">
+              <a:schemeClr val="accent1"/>
+            </a:fillRef>
+            <a:effectRef idx="0">
+              <a:schemeClr val="accent1"/>
+            </a:effectRef>
+            <a:fontRef idx="minor">
+              <a:schemeClr val="lt1"/>
+            </a:fontRef>
+          </p:style>
+          <p:txBody>
+            <a:bodyPr rtlCol="0" anchor="ctr"/>
+            <a:lstStyle/>
+            <a:p>
+              <a:endParaRPr lang="zh-TW" altLang="en-US" sz="2000">
+                <a:latin typeface="+mj-ea"/>
+                <a:ea typeface="+mj-ea"/>
+              </a:endParaRPr>
+            </a:p>
+          </p:txBody>
+        </p:sp>
+        <p:sp>
+          <p:nvSpPr>
+            <p:cNvPr id="68" name="矩形 67"/>
+            <p:cNvSpPr/>
+            <p:nvPr/>
+          </p:nvSpPr>
+          <p:spPr>
+            <a:xfrm>
+              <a:off x="870524" y="6167446"/>
+              <a:ext cx="1525006" cy="294829"/>
+            </a:xfrm>
+            <a:prstGeom prst="rect">
+              <a:avLst/>
+            </a:prstGeom>
+          </p:spPr>
+          <p:txBody>
+            <a:bodyPr wrap="square">
+              <a:spAutoFit/>
+            </a:bodyPr>
+            <a:lstStyle/>
+            <a:p>
+              <a:pPr>
+                <a:defRPr/>
+              </a:pPr>
+              <a:r>
+                <a:rPr lang="zh-TW" altLang="en-US" sz="2000" b="1" dirty="0" smtClean="0">
+                  <a:latin typeface="+mj-ea"/>
+                  <a:ea typeface="+mj-ea"/>
+                </a:rPr>
+                <a:t>鎖子甲</a:t>
+              </a:r>
+              <a:endParaRPr lang="zh-TW" altLang="en-US" sz="2000" b="1" dirty="0">
+                <a:latin typeface="+mj-ea"/>
+                <a:ea typeface="+mj-ea"/>
+              </a:endParaRPr>
+            </a:p>
+          </p:txBody>
+        </p:sp>
+      </p:grpSp>
+      <p:grpSp>
+        <p:nvGrpSpPr>
+          <p:cNvPr id="6" name="群組 68"/>
+          <p:cNvGrpSpPr/>
+          <p:nvPr/>
+        </p:nvGrpSpPr>
+        <p:grpSpPr>
+          <a:xfrm>
+            <a:off x="5966220" y="3071816"/>
+            <a:ext cx="1606176" cy="357190"/>
+            <a:chOff x="785794" y="6167446"/>
+            <a:chExt cx="1609736" cy="357190"/>
+          </a:xfrm>
+        </p:grpSpPr>
+        <p:sp>
+          <p:nvSpPr>
+            <p:cNvPr id="70" name="圓角矩形 69"/>
+            <p:cNvSpPr/>
+            <p:nvPr/>
+          </p:nvSpPr>
+          <p:spPr>
+            <a:xfrm>
+              <a:off x="785794" y="6167446"/>
+              <a:ext cx="1500198" cy="357190"/>
+            </a:xfrm>
+            <a:prstGeom prst="roundRect">
+              <a:avLst/>
+            </a:prstGeom>
+            <a:solidFill>
+              <a:schemeClr val="bg1"/>
+            </a:solidFill>
+            <a:ln>
+              <a:noFill/>
+            </a:ln>
+          </p:spPr>
+          <p:style>
+            <a:lnRef idx="2">
+              <a:schemeClr val="accent1">
+                <a:shade val="50000"/>
+              </a:schemeClr>
+            </a:lnRef>
+            <a:fillRef idx="1">
+              <a:schemeClr val="accent1"/>
+            </a:fillRef>
+            <a:effectRef idx="0">
+              <a:schemeClr val="accent1"/>
+            </a:effectRef>
+            <a:fontRef idx="minor">
+              <a:schemeClr val="lt1"/>
+            </a:fontRef>
+          </p:style>
+          <p:txBody>
+            <a:bodyPr rtlCol="0" anchor="ctr"/>
+            <a:lstStyle/>
+            <a:p>
+              <a:endParaRPr lang="zh-TW" altLang="en-US" sz="2000">
+                <a:latin typeface="+mj-ea"/>
+                <a:ea typeface="+mj-ea"/>
+              </a:endParaRPr>
+            </a:p>
+          </p:txBody>
+        </p:sp>
+        <p:sp>
+          <p:nvSpPr>
+            <p:cNvPr id="71" name="矩形 70"/>
+            <p:cNvSpPr/>
+            <p:nvPr/>
+          </p:nvSpPr>
+          <p:spPr>
+            <a:xfrm>
+              <a:off x="879483" y="6167446"/>
+              <a:ext cx="1516047" cy="294829"/>
+            </a:xfrm>
+            <a:prstGeom prst="rect">
+              <a:avLst/>
+            </a:prstGeom>
+          </p:spPr>
+          <p:txBody>
+            <a:bodyPr wrap="square">
+              <a:spAutoFit/>
+            </a:bodyPr>
+            <a:lstStyle/>
+            <a:p>
+              <a:pPr>
+                <a:defRPr/>
+              </a:pPr>
+              <a:r>
+                <a:rPr lang="zh-TW" altLang="en-US" sz="2000" b="1" dirty="0" smtClean="0">
+                  <a:latin typeface="+mj-ea"/>
+                  <a:ea typeface="+mj-ea"/>
+                </a:rPr>
+                <a:t>傳送戒指</a:t>
+              </a:r>
+              <a:endParaRPr lang="zh-TW" altLang="en-US" sz="2000" b="1" dirty="0">
+                <a:latin typeface="+mj-ea"/>
+                <a:ea typeface="+mj-ea"/>
+              </a:endParaRPr>
+            </a:p>
+          </p:txBody>
+        </p:sp>
+      </p:grpSp>
+      <p:graphicFrame>
+        <p:nvGraphicFramePr>
+          <p:cNvPr id="72" name="表格 71"/>
+          <p:cNvGraphicFramePr>
+            <a:graphicFrameLocks noGrp="1"/>
+          </p:cNvGraphicFramePr>
+          <p:nvPr/>
+        </p:nvGraphicFramePr>
+        <p:xfrm>
+          <a:off x="3286150" y="1785932"/>
+          <a:ext cx="4143370" cy="396240"/>
+        </p:xfrm>
+        <a:graphic>
+          <a:graphicData uri="http://schemas.openxmlformats.org/drawingml/2006/table">
+            <a:tbl>
+              <a:tblPr firstRow="1" bandRow="1">
+                <a:tableStyleId>{5C22544A-7EE6-4342-B048-85BDC9FD1C3A}</a:tableStyleId>
+              </a:tblPr>
+              <a:tblGrid>
+                <a:gridCol w="1775710"/>
+                <a:gridCol w="986537"/>
+                <a:gridCol w="1381123"/>
+              </a:tblGrid>
+              <a:tr h="370840">
+                <a:tc>
+                  <a:txBody>
+                    <a:bodyPr/>
+                    <a:lstStyle/>
+                    <a:p>
+                      <a:pPr algn="ctr"/>
+                      <a:r>
+                        <a:rPr lang="zh-TW" altLang="en-US" sz="2000" b="1" dirty="0" smtClean="0">
+                          <a:latin typeface="+mj-ea"/>
+                          <a:ea typeface="+mj-ea"/>
+                        </a:rPr>
+                        <a:t>凱伊姆</a:t>
+                      </a:r>
+                      <a:r>
+                        <a:rPr kumimoji="0" lang="en-US" altLang="zh-TW" sz="2000" b="1" kern="1200" dirty="0" smtClean="0">
+                          <a:solidFill>
+                            <a:schemeClr val="lt1"/>
+                          </a:solidFill>
+                          <a:latin typeface="+mj-ea"/>
+                          <a:ea typeface="+mn-ea"/>
+                          <a:cs typeface="+mn-cs"/>
+                        </a:rPr>
+                        <a:t>‧</a:t>
+                      </a:r>
+                      <a:r>
+                        <a:rPr lang="zh-TW" altLang="en-US" sz="2000" b="1" dirty="0" smtClean="0">
+                          <a:latin typeface="+mj-ea"/>
+                          <a:ea typeface="+mj-ea"/>
+                        </a:rPr>
+                        <a:t>恩拉 </a:t>
+                      </a:r>
+                      <a:endParaRPr lang="zh-TW" altLang="en-US" sz="2000" dirty="0">
+                        <a:latin typeface="+mj-ea"/>
+                        <a:ea typeface="+mj-ea"/>
+                      </a:endParaRPr>
+                    </a:p>
+                  </a:txBody>
+                  <a:tcPr>
+                    <a:lnL w="12700" cmpd="sng">
+                      <a:noFill/>
+                    </a:lnL>
+                    <a:lnR w="12700" cmpd="sng">
+                      <a:noFill/>
+                    </a:lnR>
+                    <a:lnT w="12700" cmpd="sng">
+                      <a:noFill/>
+                    </a:lnT>
+                    <a:lnB w="38100" cmpd="sng">
+                      <a:noFill/>
+                    </a:lnB>
+                    <a:lnTlToBr w="12700" cmpd="sng">
+                      <a:noFill/>
+                      <a:prstDash val="solid"/>
+                    </a:lnTlToBr>
+                    <a:lnBlToTr w="12700" cmpd="sng">
+                      <a:noFill/>
+                      <a:prstDash val="solid"/>
+                    </a:lnBlToTr>
+                    <a:solidFill>
+                      <a:schemeClr val="bg1"/>
+                    </a:solidFill>
+                  </a:tcPr>
+                </a:tc>
+                <a:tc>
+                  <a:txBody>
+                    <a:bodyPr/>
+                    <a:lstStyle/>
+                    <a:p>
+                      <a:pPr marL="0" marR="0" indent="0" algn="ctr" defTabSz="914400" rtl="0" eaLnBrk="1" fontAlgn="auto" latinLnBrk="0" hangingPunct="1">
+                        <a:lnSpc>
+                          <a:spcPct val="100000"/>
+                        </a:lnSpc>
+                        <a:spcBef>
+                          <a:spcPts val="0"/>
+                        </a:spcBef>
+                        <a:spcAft>
+                          <a:spcPts val="0"/>
+                        </a:spcAft>
+                        <a:buClrTx/>
+                        <a:buSzTx/>
+                        <a:buFontTx/>
+                        <a:buNone/>
+                        <a:tabLst/>
+                        <a:defRPr/>
+                      </a:pPr>
+                      <a:r>
+                        <a:rPr kumimoji="0" lang="en-US" altLang="zh-TW" sz="2000" b="1" kern="1200" dirty="0" smtClean="0">
+                          <a:solidFill>
+                            <a:srgbClr val="FFFF00"/>
+                          </a:solidFill>
+                          <a:latin typeface="+mj-ea"/>
+                          <a:ea typeface="+mn-ea"/>
+                          <a:cs typeface="+mn-cs"/>
+                        </a:rPr>
+                        <a:t>Lv. 43</a:t>
+                      </a:r>
+                      <a:endParaRPr kumimoji="0" lang="zh-TW" altLang="en-US" sz="2000" b="1" kern="1200" dirty="0" smtClean="0">
+                        <a:solidFill>
+                          <a:srgbClr val="FFFF00"/>
+                        </a:solidFill>
+                        <a:latin typeface="+mj-ea"/>
+                        <a:ea typeface="+mn-ea"/>
+                        <a:cs typeface="+mn-cs"/>
+                      </a:endParaRPr>
+                    </a:p>
+                  </a:txBody>
+                  <a:tcPr>
+                    <a:lnL w="12700" cmpd="sng">
+                      <a:noFill/>
+                    </a:lnL>
+                    <a:lnR w="12700" cmpd="sng">
+                      <a:noFill/>
+                    </a:lnR>
+                    <a:lnT w="12700" cmpd="sng">
+                      <a:noFill/>
+                    </a:lnT>
+                    <a:lnB w="38100" cmpd="sng">
+                      <a:noFill/>
+                    </a:lnB>
+                    <a:lnTlToBr w="12700" cmpd="sng">
+                      <a:noFill/>
+                      <a:prstDash val="solid"/>
+                    </a:lnTlToBr>
+                    <a:lnBlToTr w="12700" cmpd="sng">
+                      <a:noFill/>
+                      <a:prstDash val="solid"/>
+                    </a:lnBlToTr>
+                    <a:solidFill>
+                      <a:schemeClr val="bg1"/>
+                    </a:solidFill>
+                  </a:tcPr>
+                </a:tc>
+                <a:tc>
+                  <a:txBody>
+                    <a:bodyPr/>
+                    <a:lstStyle/>
+                    <a:p>
+                      <a:pPr marL="0" marR="0" indent="0" algn="ctr" defTabSz="914400" rtl="0" eaLnBrk="1" fontAlgn="auto" latinLnBrk="0" hangingPunct="1">
+                        <a:lnSpc>
+                          <a:spcPct val="100000"/>
+                        </a:lnSpc>
+                        <a:spcBef>
+                          <a:spcPts val="0"/>
+                        </a:spcBef>
+                        <a:spcAft>
+                          <a:spcPts val="0"/>
+                        </a:spcAft>
+                        <a:buClrTx/>
+                        <a:buSzTx/>
+                        <a:buFontTx/>
+                        <a:buNone/>
+                        <a:tabLst/>
+                        <a:defRPr/>
+                      </a:pPr>
+                      <a:r>
+                        <a:rPr kumimoji="0" lang="zh-TW" altLang="en-US" sz="2000" b="1" kern="1200" dirty="0" smtClean="0">
+                          <a:solidFill>
+                            <a:srgbClr val="FF0000"/>
+                          </a:solidFill>
+                          <a:latin typeface="+mj-ea"/>
+                          <a:ea typeface="+mn-ea"/>
+                          <a:cs typeface="+mn-cs"/>
+                        </a:rPr>
+                        <a:t>矮人</a:t>
+                      </a:r>
+                      <a:endParaRPr lang="zh-TW" altLang="en-US" sz="2000" dirty="0">
+                        <a:solidFill>
+                          <a:srgbClr val="FFFF00"/>
+                        </a:solidFill>
+                        <a:latin typeface="+mj-ea"/>
+                        <a:ea typeface="+mj-ea"/>
+                      </a:endParaRPr>
+                    </a:p>
+                  </a:txBody>
+                  <a:tcPr>
+                    <a:lnL w="12700" cmpd="sng">
+                      <a:noFill/>
+                    </a:lnL>
+                    <a:lnR w="12700" cmpd="sng">
+                      <a:noFill/>
+                    </a:lnR>
+                    <a:lnT w="12700" cmpd="sng">
+                      <a:noFill/>
+                    </a:lnT>
+                    <a:lnB w="38100" cmpd="sng">
+                      <a:noFill/>
+                    </a:lnB>
+                    <a:lnTlToBr w="12700" cmpd="sng">
+                      <a:noFill/>
+                      <a:prstDash val="solid"/>
+                    </a:lnTlToBr>
+                    <a:lnBlToTr w="12700" cmpd="sng">
+                      <a:noFill/>
+                      <a:prstDash val="solid"/>
+                    </a:lnBlToTr>
+                    <a:solidFill>
+                      <a:schemeClr val="bg1"/>
+                    </a:solidFill>
+                  </a:tcPr>
+                </a:tc>
+              </a:tr>
+            </a:tbl>
+          </a:graphicData>
+        </a:graphic>
+      </p:graphicFrame>
+      <p:pic>
+        <p:nvPicPr>
+          <p:cNvPr id="73" name="Picture 9"/>
+          <p:cNvPicPr>
+            <a:picLocks noChangeAspect="1" noChangeArrowheads="1"/>
+          </p:cNvPicPr>
+          <p:nvPr/>
+        </p:nvPicPr>
+        <p:blipFill>
+          <a:blip r:embed="rId5"/>
+          <a:srcRect/>
+          <a:stretch>
+            <a:fillRect/>
+          </a:stretch>
+        </p:blipFill>
+        <p:spPr bwMode="auto">
+          <a:xfrm>
+            <a:off x="5500694" y="2571750"/>
+            <a:ext cx="442023" cy="428628"/>
+          </a:xfrm>
+          <a:prstGeom prst="rect">
+            <a:avLst/>
+          </a:prstGeom>
+          <a:noFill/>
+          <a:ln w="9525">
+            <a:noFill/>
+            <a:miter lim="800000"/>
+            <a:headEnd/>
+            <a:tailEnd/>
+          </a:ln>
+          <a:effectLst/>
+        </p:spPr>
+      </p:pic>
     </p:spTree>
   </p:cSld>
   <p:clrMapOvr>
@@ -3657,6 +4776,2267 @@
 </file>
 
 <file path=ppt/slides/slide11.xml><?xml version="1.0" encoding="utf-8"?>
+<p:sld xmlns:a="http://schemas.openxmlformats.org/drawingml/2006/main" xmlns:r="http://schemas.openxmlformats.org/officeDocument/2006/relationships" xmlns:p="http://schemas.openxmlformats.org/presentationml/2006/main">
+  <p:cSld>
+    <p:spTree>
+      <p:nvGrpSpPr>
+        <p:cNvPr id="1" name=""/>
+        <p:cNvGrpSpPr/>
+        <p:nvPr/>
+      </p:nvGrpSpPr>
+      <p:grpSpPr>
+        <a:xfrm>
+          <a:off x="0" y="0"/>
+          <a:ext cx="0" cy="0"/>
+          <a:chOff x="0" y="0"/>
+          <a:chExt cx="0" cy="0"/>
+        </a:xfrm>
+      </p:grpSpPr>
+      <p:sp>
+        <p:nvSpPr>
+          <p:cNvPr id="2" name="標題 1"/>
+          <p:cNvSpPr>
+            <a:spLocks noGrp="1"/>
+          </p:cNvSpPr>
+          <p:nvPr>
+            <p:ph type="title"/>
+          </p:nvPr>
+        </p:nvSpPr>
+        <p:spPr/>
+        <p:txBody>
+          <a:bodyPr/>
+          <a:lstStyle/>
+          <a:p>
+            <a:r>
+              <a:rPr lang="en-US" altLang="zh-TW" dirty="0" smtClean="0"/>
+              <a:t>GAME UI</a:t>
+            </a:r>
+            <a:endParaRPr lang="zh-TW" altLang="en-US" dirty="0"/>
+          </a:p>
+        </p:txBody>
+      </p:sp>
+      <p:sp>
+        <p:nvSpPr>
+          <p:cNvPr id="3" name="內容版面配置區 2"/>
+          <p:cNvSpPr>
+            <a:spLocks noGrp="1"/>
+          </p:cNvSpPr>
+          <p:nvPr>
+            <p:ph idx="1"/>
+          </p:nvPr>
+        </p:nvSpPr>
+        <p:spPr/>
+        <p:txBody>
+          <a:bodyPr/>
+          <a:lstStyle/>
+          <a:p>
+            <a:r>
+              <a:rPr lang="zh-TW" altLang="en-US" dirty="0" smtClean="0"/>
+              <a:t>極簡版屬性介面</a:t>
+            </a:r>
+            <a:endParaRPr lang="zh-TW" altLang="en-US" dirty="0"/>
+          </a:p>
+        </p:txBody>
+      </p:sp>
+      <p:sp>
+        <p:nvSpPr>
+          <p:cNvPr id="40" name="圓角矩形 39"/>
+          <p:cNvSpPr/>
+          <p:nvPr/>
+        </p:nvSpPr>
+        <p:spPr>
+          <a:xfrm>
+            <a:off x="1428728" y="1643056"/>
+            <a:ext cx="4643470" cy="1857388"/>
+          </a:xfrm>
+          <a:prstGeom prst="roundRect">
+            <a:avLst>
+              <a:gd name="adj" fmla="val 11558"/>
+            </a:avLst>
+          </a:prstGeom>
+          <a:solidFill>
+            <a:srgbClr val="321900"/>
+          </a:solidFill>
+          <a:ln>
+            <a:noFill/>
+          </a:ln>
+        </p:spPr>
+        <p:style>
+          <a:lnRef idx="2">
+            <a:schemeClr val="accent1">
+              <a:shade val="50000"/>
+            </a:schemeClr>
+          </a:lnRef>
+          <a:fillRef idx="1">
+            <a:schemeClr val="accent1"/>
+          </a:fillRef>
+          <a:effectRef idx="0">
+            <a:schemeClr val="accent1"/>
+          </a:effectRef>
+          <a:fontRef idx="minor">
+            <a:schemeClr val="lt1"/>
+          </a:fontRef>
+        </p:style>
+        <p:txBody>
+          <a:bodyPr rtlCol="0" anchor="ctr"/>
+          <a:lstStyle/>
+          <a:p>
+            <a:pPr algn="ctr"/>
+            <a:endParaRPr lang="zh-TW" altLang="en-US" sz="2000">
+              <a:latin typeface="+mj-ea"/>
+              <a:ea typeface="+mj-ea"/>
+            </a:endParaRPr>
+          </a:p>
+        </p:txBody>
+      </p:sp>
+      <p:pic>
+        <p:nvPicPr>
+          <p:cNvPr id="41" name="Picture 2"/>
+          <p:cNvPicPr>
+            <a:picLocks noChangeAspect="1" noChangeArrowheads="1"/>
+          </p:cNvPicPr>
+          <p:nvPr/>
+        </p:nvPicPr>
+        <p:blipFill>
+          <a:blip r:embed="rId2"/>
+          <a:srcRect/>
+          <a:stretch>
+            <a:fillRect/>
+          </a:stretch>
+        </p:blipFill>
+        <p:spPr bwMode="auto">
+          <a:xfrm>
+            <a:off x="1571604" y="1785932"/>
+            <a:ext cx="1643074" cy="1643074"/>
+          </a:xfrm>
+          <a:prstGeom prst="rect">
+            <a:avLst/>
+          </a:prstGeom>
+          <a:solidFill>
+            <a:srgbClr val="FFC000"/>
+          </a:solidFill>
+          <a:ln w="9525">
+            <a:noFill/>
+            <a:miter lim="800000"/>
+            <a:headEnd/>
+            <a:tailEnd/>
+          </a:ln>
+          <a:effectLst/>
+        </p:spPr>
+      </p:pic>
+      <p:sp>
+        <p:nvSpPr>
+          <p:cNvPr id="42" name="圓角矩形 41"/>
+          <p:cNvSpPr/>
+          <p:nvPr/>
+        </p:nvSpPr>
+        <p:spPr>
+          <a:xfrm>
+            <a:off x="3286116" y="3071816"/>
+            <a:ext cx="2643206" cy="357190"/>
+          </a:xfrm>
+          <a:prstGeom prst="roundRect">
+            <a:avLst/>
+          </a:prstGeom>
+          <a:solidFill>
+            <a:schemeClr val="tx1"/>
+          </a:solidFill>
+          <a:ln>
+            <a:noFill/>
+          </a:ln>
+        </p:spPr>
+        <p:style>
+          <a:lnRef idx="2">
+            <a:schemeClr val="accent1">
+              <a:shade val="50000"/>
+            </a:schemeClr>
+          </a:lnRef>
+          <a:fillRef idx="1">
+            <a:schemeClr val="accent1"/>
+          </a:fillRef>
+          <a:effectRef idx="0">
+            <a:schemeClr val="accent1"/>
+          </a:effectRef>
+          <a:fontRef idx="minor">
+            <a:schemeClr val="lt1"/>
+          </a:fontRef>
+        </p:style>
+        <p:txBody>
+          <a:bodyPr rtlCol="0" anchor="ctr"/>
+          <a:lstStyle/>
+          <a:p>
+            <a:pPr algn="ctr"/>
+            <a:endParaRPr lang="zh-TW" altLang="en-US" sz="2000">
+              <a:solidFill>
+                <a:schemeClr val="bg1"/>
+              </a:solidFill>
+              <a:latin typeface="+mj-ea"/>
+              <a:ea typeface="+mj-ea"/>
+            </a:endParaRPr>
+          </a:p>
+        </p:txBody>
+      </p:sp>
+      <p:sp>
+        <p:nvSpPr>
+          <p:cNvPr id="43" name="圓角矩形 42"/>
+          <p:cNvSpPr/>
+          <p:nvPr/>
+        </p:nvSpPr>
+        <p:spPr>
+          <a:xfrm>
+            <a:off x="3286116" y="2214560"/>
+            <a:ext cx="2643206" cy="357190"/>
+          </a:xfrm>
+          <a:prstGeom prst="roundRect">
+            <a:avLst/>
+          </a:prstGeom>
+          <a:solidFill>
+            <a:schemeClr val="tx1"/>
+          </a:solidFill>
+          <a:ln>
+            <a:noFill/>
+          </a:ln>
+        </p:spPr>
+        <p:style>
+          <a:lnRef idx="2">
+            <a:schemeClr val="accent1">
+              <a:shade val="50000"/>
+            </a:schemeClr>
+          </a:lnRef>
+          <a:fillRef idx="1">
+            <a:schemeClr val="accent1"/>
+          </a:fillRef>
+          <a:effectRef idx="0">
+            <a:schemeClr val="accent1"/>
+          </a:effectRef>
+          <a:fontRef idx="minor">
+            <a:schemeClr val="lt1"/>
+          </a:fontRef>
+        </p:style>
+        <p:txBody>
+          <a:bodyPr rtlCol="0" anchor="ctr"/>
+          <a:lstStyle/>
+          <a:p>
+            <a:pPr algn="ctr"/>
+            <a:endParaRPr lang="zh-TW" altLang="en-US" sz="2000">
+              <a:solidFill>
+                <a:schemeClr val="bg1"/>
+              </a:solidFill>
+              <a:latin typeface="+mj-ea"/>
+              <a:ea typeface="+mj-ea"/>
+            </a:endParaRPr>
+          </a:p>
+        </p:txBody>
+      </p:sp>
+      <p:sp>
+        <p:nvSpPr>
+          <p:cNvPr id="44" name="圓角矩形 43"/>
+          <p:cNvSpPr/>
+          <p:nvPr/>
+        </p:nvSpPr>
+        <p:spPr>
+          <a:xfrm>
+            <a:off x="3286116" y="2643188"/>
+            <a:ext cx="2643206" cy="357190"/>
+          </a:xfrm>
+          <a:prstGeom prst="roundRect">
+            <a:avLst/>
+          </a:prstGeom>
+          <a:solidFill>
+            <a:schemeClr val="tx1"/>
+          </a:solidFill>
+          <a:ln>
+            <a:noFill/>
+          </a:ln>
+        </p:spPr>
+        <p:style>
+          <a:lnRef idx="2">
+            <a:schemeClr val="accent1">
+              <a:shade val="50000"/>
+            </a:schemeClr>
+          </a:lnRef>
+          <a:fillRef idx="1">
+            <a:schemeClr val="accent1"/>
+          </a:fillRef>
+          <a:effectRef idx="0">
+            <a:schemeClr val="accent1"/>
+          </a:effectRef>
+          <a:fontRef idx="minor">
+            <a:schemeClr val="lt1"/>
+          </a:fontRef>
+        </p:style>
+        <p:txBody>
+          <a:bodyPr rtlCol="0" anchor="ctr"/>
+          <a:lstStyle/>
+          <a:p>
+            <a:pPr algn="ctr"/>
+            <a:endParaRPr lang="zh-TW" altLang="en-US" sz="2000">
+              <a:solidFill>
+                <a:schemeClr val="bg1"/>
+              </a:solidFill>
+              <a:latin typeface="+mj-ea"/>
+              <a:ea typeface="+mj-ea"/>
+            </a:endParaRPr>
+          </a:p>
+        </p:txBody>
+      </p:sp>
+      <p:sp>
+        <p:nvSpPr>
+          <p:cNvPr id="45" name="圓角矩形 44"/>
+          <p:cNvSpPr/>
+          <p:nvPr/>
+        </p:nvSpPr>
+        <p:spPr>
+          <a:xfrm>
+            <a:off x="3286116" y="2214560"/>
+            <a:ext cx="1738951" cy="357190"/>
+          </a:xfrm>
+          <a:prstGeom prst="roundRect">
+            <a:avLst/>
+          </a:prstGeom>
+          <a:solidFill>
+            <a:srgbClr val="FF0000"/>
+          </a:solidFill>
+          <a:ln>
+            <a:noFill/>
+          </a:ln>
+        </p:spPr>
+        <p:style>
+          <a:lnRef idx="2">
+            <a:schemeClr val="accent1">
+              <a:shade val="50000"/>
+            </a:schemeClr>
+          </a:lnRef>
+          <a:fillRef idx="1">
+            <a:schemeClr val="accent1"/>
+          </a:fillRef>
+          <a:effectRef idx="0">
+            <a:schemeClr val="accent1"/>
+          </a:effectRef>
+          <a:fontRef idx="minor">
+            <a:schemeClr val="lt1"/>
+          </a:fontRef>
+        </p:style>
+        <p:txBody>
+          <a:bodyPr rtlCol="0" anchor="ctr"/>
+          <a:lstStyle/>
+          <a:p>
+            <a:pPr algn="ctr"/>
+            <a:endParaRPr lang="zh-TW" altLang="en-US" sz="2000">
+              <a:solidFill>
+                <a:schemeClr val="bg1"/>
+              </a:solidFill>
+              <a:latin typeface="+mj-ea"/>
+              <a:ea typeface="+mj-ea"/>
+            </a:endParaRPr>
+          </a:p>
+        </p:txBody>
+      </p:sp>
+      <p:sp>
+        <p:nvSpPr>
+          <p:cNvPr id="46" name="圓角矩形 45"/>
+          <p:cNvSpPr/>
+          <p:nvPr/>
+        </p:nvSpPr>
+        <p:spPr>
+          <a:xfrm>
+            <a:off x="3286115" y="2643188"/>
+            <a:ext cx="2046353" cy="357190"/>
+          </a:xfrm>
+          <a:prstGeom prst="roundRect">
+            <a:avLst/>
+          </a:prstGeom>
+          <a:solidFill>
+            <a:srgbClr val="0070C0"/>
+          </a:solidFill>
+          <a:ln>
+            <a:noFill/>
+          </a:ln>
+        </p:spPr>
+        <p:style>
+          <a:lnRef idx="2">
+            <a:schemeClr val="accent1">
+              <a:shade val="50000"/>
+            </a:schemeClr>
+          </a:lnRef>
+          <a:fillRef idx="1">
+            <a:schemeClr val="accent1"/>
+          </a:fillRef>
+          <a:effectRef idx="0">
+            <a:schemeClr val="accent1"/>
+          </a:effectRef>
+          <a:fontRef idx="minor">
+            <a:schemeClr val="lt1"/>
+          </a:fontRef>
+        </p:style>
+        <p:txBody>
+          <a:bodyPr rtlCol="0" anchor="ctr"/>
+          <a:lstStyle/>
+          <a:p>
+            <a:pPr algn="ctr"/>
+            <a:endParaRPr lang="zh-TW" altLang="en-US" sz="2000">
+              <a:solidFill>
+                <a:schemeClr val="bg1"/>
+              </a:solidFill>
+              <a:latin typeface="+mj-ea"/>
+              <a:ea typeface="+mj-ea"/>
+            </a:endParaRPr>
+          </a:p>
+        </p:txBody>
+      </p:sp>
+      <p:sp>
+        <p:nvSpPr>
+          <p:cNvPr id="47" name="圓角矩形 46"/>
+          <p:cNvSpPr/>
+          <p:nvPr/>
+        </p:nvSpPr>
+        <p:spPr>
+          <a:xfrm>
+            <a:off x="3286116" y="3071816"/>
+            <a:ext cx="486907" cy="357190"/>
+          </a:xfrm>
+          <a:prstGeom prst="roundRect">
+            <a:avLst/>
+          </a:prstGeom>
+          <a:solidFill>
+            <a:srgbClr val="00B050"/>
+          </a:solidFill>
+          <a:ln>
+            <a:noFill/>
+          </a:ln>
+        </p:spPr>
+        <p:style>
+          <a:lnRef idx="2">
+            <a:schemeClr val="accent1">
+              <a:shade val="50000"/>
+            </a:schemeClr>
+          </a:lnRef>
+          <a:fillRef idx="1">
+            <a:schemeClr val="accent1"/>
+          </a:fillRef>
+          <a:effectRef idx="0">
+            <a:schemeClr val="accent1"/>
+          </a:effectRef>
+          <a:fontRef idx="minor">
+            <a:schemeClr val="lt1"/>
+          </a:fontRef>
+        </p:style>
+        <p:txBody>
+          <a:bodyPr rtlCol="0" anchor="ctr"/>
+          <a:lstStyle/>
+          <a:p>
+            <a:pPr algn="ctr"/>
+            <a:endParaRPr lang="zh-TW" altLang="en-US" sz="2000">
+              <a:solidFill>
+                <a:schemeClr val="bg1"/>
+              </a:solidFill>
+              <a:latin typeface="+mj-ea"/>
+              <a:ea typeface="+mj-ea"/>
+            </a:endParaRPr>
+          </a:p>
+        </p:txBody>
+      </p:sp>
+      <p:sp>
+        <p:nvSpPr>
+          <p:cNvPr id="48" name="矩形 47"/>
+          <p:cNvSpPr/>
+          <p:nvPr/>
+        </p:nvSpPr>
+        <p:spPr>
+          <a:xfrm>
+            <a:off x="3286116" y="2214560"/>
+            <a:ext cx="2643206" cy="400110"/>
+          </a:xfrm>
+          <a:prstGeom prst="rect">
+            <a:avLst/>
+          </a:prstGeom>
+        </p:spPr>
+        <p:txBody>
+          <a:bodyPr wrap="square">
+            <a:spAutoFit/>
+          </a:bodyPr>
+          <a:lstStyle/>
+          <a:p>
+            <a:pPr algn="ctr">
+              <a:defRPr/>
+            </a:pPr>
+            <a:r>
+              <a:rPr lang="en-US" altLang="zh-TW" sz="2000" b="1" dirty="0" smtClean="0">
+                <a:solidFill>
+                  <a:schemeClr val="bg1"/>
+                </a:solidFill>
+                <a:latin typeface="+mj-ea"/>
+                <a:ea typeface="+mj-ea"/>
+              </a:rPr>
+              <a:t>550 / 750</a:t>
+            </a:r>
+            <a:endParaRPr lang="zh-TW" altLang="en-US" sz="2000" b="1" dirty="0">
+              <a:solidFill>
+                <a:schemeClr val="bg1"/>
+              </a:solidFill>
+              <a:latin typeface="+mj-ea"/>
+              <a:ea typeface="+mj-ea"/>
+            </a:endParaRPr>
+          </a:p>
+        </p:txBody>
+      </p:sp>
+      <p:sp>
+        <p:nvSpPr>
+          <p:cNvPr id="49" name="矩形 48"/>
+          <p:cNvSpPr/>
+          <p:nvPr/>
+        </p:nvSpPr>
+        <p:spPr>
+          <a:xfrm>
+            <a:off x="3286116" y="2643188"/>
+            <a:ext cx="2670131" cy="400110"/>
+          </a:xfrm>
+          <a:prstGeom prst="rect">
+            <a:avLst/>
+          </a:prstGeom>
+        </p:spPr>
+        <p:txBody>
+          <a:bodyPr wrap="square">
+            <a:spAutoFit/>
+          </a:bodyPr>
+          <a:lstStyle/>
+          <a:p>
+            <a:pPr algn="ctr">
+              <a:defRPr/>
+            </a:pPr>
+            <a:r>
+              <a:rPr lang="en-US" altLang="zh-TW" sz="2000" b="1" dirty="0" smtClean="0">
+                <a:solidFill>
+                  <a:schemeClr val="bg1"/>
+                </a:solidFill>
+                <a:latin typeface="+mj-ea"/>
+                <a:ea typeface="+mj-ea"/>
+              </a:rPr>
+              <a:t>300 / 330</a:t>
+            </a:r>
+            <a:endParaRPr lang="zh-TW" altLang="en-US" sz="2000" b="1" dirty="0">
+              <a:solidFill>
+                <a:schemeClr val="bg1"/>
+              </a:solidFill>
+              <a:latin typeface="+mj-ea"/>
+              <a:ea typeface="+mj-ea"/>
+            </a:endParaRPr>
+          </a:p>
+        </p:txBody>
+      </p:sp>
+      <p:sp>
+        <p:nvSpPr>
+          <p:cNvPr id="63" name="矩形 62"/>
+          <p:cNvSpPr/>
+          <p:nvPr/>
+        </p:nvSpPr>
+        <p:spPr>
+          <a:xfrm>
+            <a:off x="3286116" y="3071816"/>
+            <a:ext cx="2643206" cy="400110"/>
+          </a:xfrm>
+          <a:prstGeom prst="rect">
+            <a:avLst/>
+          </a:prstGeom>
+        </p:spPr>
+        <p:txBody>
+          <a:bodyPr wrap="square">
+            <a:spAutoFit/>
+          </a:bodyPr>
+          <a:lstStyle/>
+          <a:p>
+            <a:pPr algn="ctr">
+              <a:defRPr/>
+            </a:pPr>
+            <a:r>
+              <a:rPr lang="en-US" altLang="zh-TW" sz="2000" b="1" dirty="0" smtClean="0">
+                <a:solidFill>
+                  <a:schemeClr val="bg1"/>
+                </a:solidFill>
+                <a:latin typeface="+mj-ea"/>
+                <a:ea typeface="+mj-ea"/>
+              </a:rPr>
+              <a:t>  20 / 128</a:t>
+            </a:r>
+            <a:endParaRPr lang="zh-TW" altLang="en-US" sz="2000" b="1" dirty="0">
+              <a:solidFill>
+                <a:schemeClr val="bg1"/>
+              </a:solidFill>
+              <a:latin typeface="+mj-ea"/>
+              <a:ea typeface="+mj-ea"/>
+            </a:endParaRPr>
+          </a:p>
+        </p:txBody>
+      </p:sp>
+      <p:graphicFrame>
+        <p:nvGraphicFramePr>
+          <p:cNvPr id="66" name="表格 65"/>
+          <p:cNvGraphicFramePr>
+            <a:graphicFrameLocks noGrp="1"/>
+          </p:cNvGraphicFramePr>
+          <p:nvPr/>
+        </p:nvGraphicFramePr>
+        <p:xfrm>
+          <a:off x="3286151" y="1785932"/>
+          <a:ext cx="2714609" cy="396240"/>
+        </p:xfrm>
+        <a:graphic>
+          <a:graphicData uri="http://schemas.openxmlformats.org/drawingml/2006/table">
+            <a:tbl>
+              <a:tblPr firstRow="1" bandRow="1">
+                <a:tableStyleId>{5C22544A-7EE6-4342-B048-85BDC9FD1C3A}</a:tableStyleId>
+              </a:tblPr>
+              <a:tblGrid>
+                <a:gridCol w="1789727"/>
+                <a:gridCol w="924882"/>
+              </a:tblGrid>
+              <a:tr h="370840">
+                <a:tc>
+                  <a:txBody>
+                    <a:bodyPr/>
+                    <a:lstStyle/>
+                    <a:p>
+                      <a:pPr algn="ctr"/>
+                      <a:r>
+                        <a:rPr lang="zh-TW" altLang="en-US" sz="2000" b="1" dirty="0" smtClean="0">
+                          <a:latin typeface="+mj-ea"/>
+                          <a:ea typeface="+mj-ea"/>
+                        </a:rPr>
+                        <a:t>凱伊姆</a:t>
+                      </a:r>
+                      <a:r>
+                        <a:rPr kumimoji="0" lang="en-US" altLang="zh-TW" sz="2000" b="1" kern="1200" dirty="0" smtClean="0">
+                          <a:solidFill>
+                            <a:schemeClr val="lt1"/>
+                          </a:solidFill>
+                          <a:latin typeface="+mj-ea"/>
+                          <a:ea typeface="+mn-ea"/>
+                          <a:cs typeface="+mn-cs"/>
+                        </a:rPr>
+                        <a:t>‧</a:t>
+                      </a:r>
+                      <a:r>
+                        <a:rPr lang="zh-TW" altLang="en-US" sz="2000" b="1" dirty="0" smtClean="0">
+                          <a:latin typeface="+mj-ea"/>
+                          <a:ea typeface="+mj-ea"/>
+                        </a:rPr>
+                        <a:t>恩拉 </a:t>
+                      </a:r>
+                      <a:endParaRPr lang="zh-TW" altLang="en-US" sz="2000" dirty="0">
+                        <a:latin typeface="+mj-ea"/>
+                        <a:ea typeface="+mj-ea"/>
+                      </a:endParaRPr>
+                    </a:p>
+                  </a:txBody>
+                  <a:tcPr>
+                    <a:lnL w="12700" cmpd="sng">
+                      <a:noFill/>
+                    </a:lnL>
+                    <a:lnR w="12700" cmpd="sng">
+                      <a:noFill/>
+                    </a:lnR>
+                    <a:lnT w="12700" cmpd="sng">
+                      <a:noFill/>
+                    </a:lnT>
+                    <a:lnB w="38100" cmpd="sng">
+                      <a:noFill/>
+                    </a:lnB>
+                    <a:lnTlToBr w="12700" cmpd="sng">
+                      <a:noFill/>
+                      <a:prstDash val="solid"/>
+                    </a:lnTlToBr>
+                    <a:lnBlToTr w="12700" cmpd="sng">
+                      <a:noFill/>
+                      <a:prstDash val="solid"/>
+                    </a:lnBlToTr>
+                    <a:solidFill>
+                      <a:schemeClr val="bg1"/>
+                    </a:solidFill>
+                  </a:tcPr>
+                </a:tc>
+                <a:tc>
+                  <a:txBody>
+                    <a:bodyPr/>
+                    <a:lstStyle/>
+                    <a:p>
+                      <a:pPr marL="0" marR="0" indent="0" algn="ctr" defTabSz="914400" rtl="0" eaLnBrk="1" fontAlgn="auto" latinLnBrk="0" hangingPunct="1">
+                        <a:lnSpc>
+                          <a:spcPct val="100000"/>
+                        </a:lnSpc>
+                        <a:spcBef>
+                          <a:spcPts val="0"/>
+                        </a:spcBef>
+                        <a:spcAft>
+                          <a:spcPts val="0"/>
+                        </a:spcAft>
+                        <a:buClrTx/>
+                        <a:buSzTx/>
+                        <a:buFontTx/>
+                        <a:buNone/>
+                        <a:tabLst/>
+                        <a:defRPr/>
+                      </a:pPr>
+                      <a:r>
+                        <a:rPr kumimoji="0" lang="en-US" altLang="zh-TW" sz="2000" b="1" kern="1200" dirty="0" smtClean="0">
+                          <a:solidFill>
+                            <a:srgbClr val="FFFF00"/>
+                          </a:solidFill>
+                          <a:latin typeface="+mj-ea"/>
+                          <a:ea typeface="+mn-ea"/>
+                          <a:cs typeface="+mn-cs"/>
+                        </a:rPr>
+                        <a:t>Lv. 43</a:t>
+                      </a:r>
+                      <a:endParaRPr kumimoji="0" lang="zh-TW" altLang="en-US" sz="2000" b="1" kern="1200" dirty="0" smtClean="0">
+                        <a:solidFill>
+                          <a:srgbClr val="FFFF00"/>
+                        </a:solidFill>
+                        <a:latin typeface="+mj-ea"/>
+                        <a:ea typeface="+mn-ea"/>
+                        <a:cs typeface="+mn-cs"/>
+                      </a:endParaRPr>
+                    </a:p>
+                  </a:txBody>
+                  <a:tcPr>
+                    <a:lnL w="12700" cmpd="sng">
+                      <a:noFill/>
+                    </a:lnL>
+                    <a:lnR w="12700" cmpd="sng">
+                      <a:noFill/>
+                    </a:lnR>
+                    <a:lnT w="12700" cmpd="sng">
+                      <a:noFill/>
+                    </a:lnT>
+                    <a:lnB w="38100" cmpd="sng">
+                      <a:noFill/>
+                    </a:lnB>
+                    <a:lnTlToBr w="12700" cmpd="sng">
+                      <a:noFill/>
+                      <a:prstDash val="solid"/>
+                    </a:lnTlToBr>
+                    <a:lnBlToTr w="12700" cmpd="sng">
+                      <a:noFill/>
+                      <a:prstDash val="solid"/>
+                    </a:lnBlToTr>
+                    <a:solidFill>
+                      <a:schemeClr val="bg1"/>
+                    </a:solidFill>
+                  </a:tcPr>
+                </a:tc>
+              </a:tr>
+            </a:tbl>
+          </a:graphicData>
+        </a:graphic>
+      </p:graphicFrame>
+    </p:spTree>
+  </p:cSld>
+  <p:clrMapOvr>
+    <a:masterClrMapping/>
+  </p:clrMapOvr>
+</p:sld>
+</file>
+
+<file path=ppt/slides/slide12.xml><?xml version="1.0" encoding="utf-8"?>
+<p:sld xmlns:a="http://schemas.openxmlformats.org/drawingml/2006/main" xmlns:r="http://schemas.openxmlformats.org/officeDocument/2006/relationships" xmlns:p="http://schemas.openxmlformats.org/presentationml/2006/main">
+  <p:cSld>
+    <p:spTree>
+      <p:nvGrpSpPr>
+        <p:cNvPr id="1" name=""/>
+        <p:cNvGrpSpPr/>
+        <p:nvPr/>
+      </p:nvGrpSpPr>
+      <p:grpSpPr>
+        <a:xfrm>
+          <a:off x="0" y="0"/>
+          <a:ext cx="0" cy="0"/>
+          <a:chOff x="0" y="0"/>
+          <a:chExt cx="0" cy="0"/>
+        </a:xfrm>
+      </p:grpSpPr>
+      <p:sp>
+        <p:nvSpPr>
+          <p:cNvPr id="2" name="標題 1"/>
+          <p:cNvSpPr>
+            <a:spLocks noGrp="1"/>
+          </p:cNvSpPr>
+          <p:nvPr>
+            <p:ph type="title"/>
+          </p:nvPr>
+        </p:nvSpPr>
+        <p:spPr/>
+        <p:txBody>
+          <a:bodyPr>
+            <a:normAutofit/>
+          </a:bodyPr>
+          <a:lstStyle/>
+          <a:p>
+            <a:r>
+              <a:rPr lang="en-US" altLang="zh-TW" dirty="0" smtClean="0"/>
+              <a:t>SPECIAL SYSTEM : ENTROPY</a:t>
+            </a:r>
+            <a:endParaRPr lang="zh-TW" altLang="en-US" dirty="0"/>
+          </a:p>
+        </p:txBody>
+      </p:sp>
+      <p:sp>
+        <p:nvSpPr>
+          <p:cNvPr id="3" name="內容版面配置區 2"/>
+          <p:cNvSpPr>
+            <a:spLocks noGrp="1"/>
+          </p:cNvSpPr>
+          <p:nvPr>
+            <p:ph idx="1"/>
+          </p:nvPr>
+        </p:nvSpPr>
+        <p:spPr/>
+        <p:txBody>
+          <a:bodyPr/>
+          <a:lstStyle/>
+          <a:p>
+            <a:r>
+              <a:rPr lang="zh-TW" altLang="en-US" dirty="0" smtClean="0"/>
+              <a:t>不同體系會增加環境的</a:t>
+            </a:r>
+            <a:r>
+              <a:rPr lang="en-US" altLang="zh-TW" dirty="0" smtClean="0"/>
+              <a:t>Entropy</a:t>
+            </a:r>
+            <a:r>
+              <a:rPr lang="zh-TW" altLang="en-US" dirty="0" smtClean="0"/>
+              <a:t>，當環境的</a:t>
+            </a:r>
+            <a:r>
+              <a:rPr lang="en-US" altLang="zh-TW" dirty="0" smtClean="0"/>
+              <a:t>Entropy</a:t>
+            </a:r>
+            <a:r>
+              <a:rPr lang="zh-TW" altLang="en-US" dirty="0" smtClean="0"/>
+              <a:t>越高，不同體系的施展程度越困難</a:t>
+            </a:r>
+            <a:r>
+              <a:rPr lang="en-US" altLang="zh-TW" dirty="0" smtClean="0"/>
+              <a:t>(MP</a:t>
+            </a:r>
+            <a:r>
+              <a:rPr lang="zh-TW" altLang="en-US" dirty="0" smtClean="0"/>
+              <a:t>需求上升</a:t>
+            </a:r>
+            <a:r>
+              <a:rPr lang="en-US" altLang="zh-TW" dirty="0" smtClean="0"/>
+              <a:t>)</a:t>
+            </a:r>
+          </a:p>
+          <a:p>
+            <a:endParaRPr lang="en-US" altLang="zh-TW" dirty="0" smtClean="0"/>
+          </a:p>
+          <a:p>
+            <a:r>
+              <a:rPr lang="zh-TW" altLang="en-US" dirty="0" smtClean="0"/>
+              <a:t>裝備有多重素質</a:t>
+            </a:r>
+            <a:r>
+              <a:rPr lang="en-US" altLang="zh-TW" dirty="0" smtClean="0"/>
+              <a:t>(prefix, suffix)</a:t>
+            </a:r>
+            <a:r>
+              <a:rPr lang="zh-TW" altLang="en-US" dirty="0" smtClean="0"/>
+              <a:t>，當多重技術的的素質共存會降低效果，在多特性但效果少還是單一特性效果的裝備中做出取捨</a:t>
+            </a:r>
+            <a:endParaRPr lang="en-US" altLang="zh-TW" dirty="0" smtClean="0"/>
+          </a:p>
+          <a:p>
+            <a:endParaRPr lang="en-US" altLang="zh-TW" dirty="0" smtClean="0"/>
+          </a:p>
+          <a:p>
+            <a:endParaRPr lang="en-US" altLang="zh-TW" dirty="0" smtClean="0"/>
+          </a:p>
+        </p:txBody>
+      </p:sp>
+    </p:spTree>
+  </p:cSld>
+  <p:clrMapOvr>
+    <a:masterClrMapping/>
+  </p:clrMapOvr>
+</p:sld>
+</file>
+
+<file path=ppt/slides/slide13.xml><?xml version="1.0" encoding="utf-8"?>
+<p:sld xmlns:a="http://schemas.openxmlformats.org/drawingml/2006/main" xmlns:r="http://schemas.openxmlformats.org/officeDocument/2006/relationships" xmlns:p="http://schemas.openxmlformats.org/presentationml/2006/main">
+  <p:cSld>
+    <p:spTree>
+      <p:nvGrpSpPr>
+        <p:cNvPr id="1" name=""/>
+        <p:cNvGrpSpPr/>
+        <p:nvPr/>
+      </p:nvGrpSpPr>
+      <p:grpSpPr>
+        <a:xfrm>
+          <a:off x="0" y="0"/>
+          <a:ext cx="0" cy="0"/>
+          <a:chOff x="0" y="0"/>
+          <a:chExt cx="0" cy="0"/>
+        </a:xfrm>
+      </p:grpSpPr>
+      <p:sp>
+        <p:nvSpPr>
+          <p:cNvPr id="2" name="標題 1"/>
+          <p:cNvSpPr>
+            <a:spLocks noGrp="1"/>
+          </p:cNvSpPr>
+          <p:nvPr>
+            <p:ph type="title"/>
+          </p:nvPr>
+        </p:nvSpPr>
+        <p:spPr/>
+        <p:txBody>
+          <a:bodyPr>
+            <a:normAutofit/>
+          </a:bodyPr>
+          <a:lstStyle/>
+          <a:p>
+            <a:r>
+              <a:rPr lang="en-US" altLang="zh-TW" dirty="0" smtClean="0"/>
+              <a:t>GAME SYSTEM</a:t>
+            </a:r>
+            <a:endParaRPr lang="zh-TW" altLang="en-US" dirty="0"/>
+          </a:p>
+        </p:txBody>
+      </p:sp>
+      <p:sp>
+        <p:nvSpPr>
+          <p:cNvPr id="3" name="內容版面配置區 2"/>
+          <p:cNvSpPr>
+            <a:spLocks noGrp="1"/>
+          </p:cNvSpPr>
+          <p:nvPr>
+            <p:ph idx="1"/>
+          </p:nvPr>
+        </p:nvSpPr>
+        <p:spPr/>
+        <p:txBody>
+          <a:bodyPr/>
+          <a:lstStyle/>
+          <a:p>
+            <a:r>
+              <a:rPr lang="en-US" altLang="zh-TW" dirty="0" smtClean="0"/>
+              <a:t>Overview</a:t>
+            </a:r>
+          </a:p>
+          <a:p>
+            <a:r>
+              <a:rPr lang="en-US" altLang="zh-TW" dirty="0" smtClean="0"/>
+              <a:t>JRPG</a:t>
+            </a:r>
+          </a:p>
+          <a:p>
+            <a:r>
+              <a:rPr lang="en-US" altLang="zh-TW" dirty="0" smtClean="0"/>
+              <a:t>ARPG</a:t>
+            </a:r>
+          </a:p>
+          <a:p>
+            <a:r>
+              <a:rPr lang="en-US" altLang="zh-TW" dirty="0" smtClean="0"/>
+              <a:t>side-Scrolling</a:t>
+            </a:r>
+          </a:p>
+          <a:p>
+            <a:r>
+              <a:rPr lang="en-US" altLang="zh-TW" dirty="0" smtClean="0"/>
+              <a:t>SLG</a:t>
+            </a:r>
+          </a:p>
+          <a:p>
+            <a:r>
+              <a:rPr lang="en-US" altLang="zh-TW" dirty="0" smtClean="0"/>
+              <a:t>Business simulation</a:t>
+            </a:r>
+          </a:p>
+          <a:p>
+            <a:r>
+              <a:rPr lang="en-US" altLang="zh-TW" dirty="0" smtClean="0"/>
+              <a:t>Rogue-</a:t>
+            </a:r>
+            <a:r>
+              <a:rPr lang="en-US" altLang="zh-TW" dirty="0" err="1" smtClean="0"/>
+              <a:t>lite</a:t>
+            </a:r>
+            <a:endParaRPr lang="en-US" altLang="zh-TW" dirty="0" smtClean="0"/>
+          </a:p>
+          <a:p>
+            <a:pPr lvl="2"/>
+            <a:endParaRPr lang="en-US" altLang="zh-TW" dirty="0" smtClean="0"/>
+          </a:p>
+          <a:p>
+            <a:endParaRPr lang="zh-TW" altLang="en-US" dirty="0"/>
+          </a:p>
+        </p:txBody>
+      </p:sp>
+    </p:spTree>
+  </p:cSld>
+  <p:clrMapOvr>
+    <a:masterClrMapping/>
+  </p:clrMapOvr>
+</p:sld>
+</file>
+
+<file path=ppt/slides/slide14.xml><?xml version="1.0" encoding="utf-8"?>
+<p:sld xmlns:a="http://schemas.openxmlformats.org/drawingml/2006/main" xmlns:r="http://schemas.openxmlformats.org/officeDocument/2006/relationships" xmlns:p="http://schemas.openxmlformats.org/presentationml/2006/main">
+  <p:cSld>
+    <p:spTree>
+      <p:nvGrpSpPr>
+        <p:cNvPr id="1" name=""/>
+        <p:cNvGrpSpPr/>
+        <p:nvPr/>
+      </p:nvGrpSpPr>
+      <p:grpSpPr>
+        <a:xfrm>
+          <a:off x="0" y="0"/>
+          <a:ext cx="0" cy="0"/>
+          <a:chOff x="0" y="0"/>
+          <a:chExt cx="0" cy="0"/>
+        </a:xfrm>
+      </p:grpSpPr>
+      <p:sp>
+        <p:nvSpPr>
+          <p:cNvPr id="2" name="標題 1"/>
+          <p:cNvSpPr>
+            <a:spLocks noGrp="1"/>
+          </p:cNvSpPr>
+          <p:nvPr>
+            <p:ph type="title"/>
+          </p:nvPr>
+        </p:nvSpPr>
+        <p:spPr/>
+        <p:txBody>
+          <a:bodyPr>
+            <a:normAutofit/>
+          </a:bodyPr>
+          <a:lstStyle/>
+          <a:p>
+            <a:pPr algn="l"/>
+            <a:r>
+              <a:rPr lang="en-US" altLang="zh-TW" dirty="0" smtClean="0"/>
+              <a:t>GAME SYSTEM - Overview</a:t>
+            </a:r>
+            <a:endParaRPr lang="zh-TW" altLang="en-US" dirty="0"/>
+          </a:p>
+        </p:txBody>
+      </p:sp>
+      <p:sp>
+        <p:nvSpPr>
+          <p:cNvPr id="3" name="內容版面配置區 2"/>
+          <p:cNvSpPr>
+            <a:spLocks noGrp="1"/>
+          </p:cNvSpPr>
+          <p:nvPr>
+            <p:ph idx="1"/>
+          </p:nvPr>
+        </p:nvSpPr>
+        <p:spPr/>
+        <p:txBody>
+          <a:bodyPr>
+            <a:normAutofit/>
+          </a:bodyPr>
+          <a:lstStyle/>
+          <a:p>
+            <a:r>
+              <a:rPr lang="zh-TW" altLang="en-US" dirty="0" smtClean="0"/>
+              <a:t>可繼承項目</a:t>
+            </a:r>
+            <a:endParaRPr lang="en-US" altLang="zh-TW" dirty="0" smtClean="0"/>
+          </a:p>
+          <a:p>
+            <a:pPr lvl="1"/>
+            <a:r>
+              <a:rPr lang="zh-TW" altLang="en-US" dirty="0" smtClean="0"/>
+              <a:t>物品、技能等級、人物素質狀態皆通用在不同系統</a:t>
+            </a:r>
+            <a:endParaRPr lang="en-US" altLang="zh-TW" dirty="0" smtClean="0"/>
+          </a:p>
+          <a:p>
+            <a:pPr lvl="1"/>
+            <a:endParaRPr lang="en-US" altLang="zh-TW" dirty="0" smtClean="0"/>
+          </a:p>
+          <a:p>
+            <a:pPr lvl="1"/>
+            <a:endParaRPr lang="zh-TW" altLang="en-US" dirty="0"/>
+          </a:p>
+        </p:txBody>
+      </p:sp>
+    </p:spTree>
+  </p:cSld>
+  <p:clrMapOvr>
+    <a:masterClrMapping/>
+  </p:clrMapOvr>
+</p:sld>
+</file>
+
+<file path=ppt/slides/slide15.xml><?xml version="1.0" encoding="utf-8"?>
+<p:sld xmlns:a="http://schemas.openxmlformats.org/drawingml/2006/main" xmlns:r="http://schemas.openxmlformats.org/officeDocument/2006/relationships" xmlns:p="http://schemas.openxmlformats.org/presentationml/2006/main">
+  <p:cSld>
+    <p:spTree>
+      <p:nvGrpSpPr>
+        <p:cNvPr id="1" name=""/>
+        <p:cNvGrpSpPr/>
+        <p:nvPr/>
+      </p:nvGrpSpPr>
+      <p:grpSpPr>
+        <a:xfrm>
+          <a:off x="0" y="0"/>
+          <a:ext cx="0" cy="0"/>
+          <a:chOff x="0" y="0"/>
+          <a:chExt cx="0" cy="0"/>
+        </a:xfrm>
+      </p:grpSpPr>
+      <p:sp>
+        <p:nvSpPr>
+          <p:cNvPr id="2" name="標題 1"/>
+          <p:cNvSpPr>
+            <a:spLocks noGrp="1"/>
+          </p:cNvSpPr>
+          <p:nvPr>
+            <p:ph type="title"/>
+          </p:nvPr>
+        </p:nvSpPr>
+        <p:spPr/>
+        <p:txBody>
+          <a:bodyPr>
+            <a:normAutofit/>
+          </a:bodyPr>
+          <a:lstStyle/>
+          <a:p>
+            <a:pPr algn="l"/>
+            <a:r>
+              <a:rPr lang="en-US" altLang="zh-TW" dirty="0" smtClean="0"/>
+              <a:t>GAME SYSTEM - Overview</a:t>
+            </a:r>
+            <a:endParaRPr lang="zh-TW" altLang="en-US" dirty="0"/>
+          </a:p>
+        </p:txBody>
+      </p:sp>
+      <p:sp>
+        <p:nvSpPr>
+          <p:cNvPr id="3" name="內容版面配置區 2"/>
+          <p:cNvSpPr>
+            <a:spLocks noGrp="1"/>
+          </p:cNvSpPr>
+          <p:nvPr>
+            <p:ph idx="1"/>
+          </p:nvPr>
+        </p:nvSpPr>
+        <p:spPr/>
+        <p:txBody>
+          <a:bodyPr>
+            <a:normAutofit/>
+          </a:bodyPr>
+          <a:lstStyle/>
+          <a:p>
+            <a:r>
+              <a:rPr lang="en-US" altLang="zh-TW" dirty="0" smtClean="0"/>
+              <a:t>Camera</a:t>
+            </a:r>
+          </a:p>
+          <a:p>
+            <a:pPr lvl="1"/>
+            <a:r>
+              <a:rPr lang="zh-TW" altLang="en-US" dirty="0" smtClean="0"/>
+              <a:t>位置和運動根據不同模式，會有不同的軌跡，強化不同系統操作上的直覺</a:t>
+            </a:r>
+            <a:endParaRPr lang="en-US" altLang="zh-TW" dirty="0" smtClean="0"/>
+          </a:p>
+        </p:txBody>
+      </p:sp>
+      <p:graphicFrame>
+        <p:nvGraphicFramePr>
+          <p:cNvPr id="23" name="表格 22"/>
+          <p:cNvGraphicFramePr>
+            <a:graphicFrameLocks noGrp="1"/>
+          </p:cNvGraphicFramePr>
+          <p:nvPr/>
+        </p:nvGraphicFramePr>
+        <p:xfrm>
+          <a:off x="1071538" y="2428874"/>
+          <a:ext cx="6628402" cy="1854200"/>
+        </p:xfrm>
+        <a:graphic>
+          <a:graphicData uri="http://schemas.openxmlformats.org/drawingml/2006/table">
+            <a:tbl>
+              <a:tblPr firstRow="1" bandRow="1">
+                <a:tableStyleId>{5C22544A-7EE6-4342-B048-85BDC9FD1C3A}</a:tableStyleId>
+              </a:tblPr>
+              <a:tblGrid>
+                <a:gridCol w="1608455"/>
+                <a:gridCol w="1611630"/>
+                <a:gridCol w="1383030"/>
+                <a:gridCol w="1154430"/>
+                <a:gridCol w="870857"/>
+              </a:tblGrid>
+              <a:tr h="370840">
+                <a:tc>
+                  <a:txBody>
+                    <a:bodyPr/>
+                    <a:lstStyle/>
+                    <a:p>
+                      <a:r>
+                        <a:rPr lang="en-US" altLang="zh-TW" dirty="0" smtClean="0"/>
+                        <a:t>Mode</a:t>
+                      </a:r>
+                      <a:endParaRPr lang="zh-TW" altLang="en-US" dirty="0"/>
+                    </a:p>
+                  </a:txBody>
+                  <a:tcPr/>
+                </a:tc>
+                <a:tc>
+                  <a:txBody>
+                    <a:bodyPr/>
+                    <a:lstStyle/>
+                    <a:p>
+                      <a:pPr algn="ctr"/>
+                      <a:r>
+                        <a:rPr lang="en-US" altLang="zh-TW" dirty="0" smtClean="0"/>
+                        <a:t>Camera</a:t>
+                      </a:r>
+                      <a:r>
+                        <a:rPr lang="zh-TW" altLang="en-US" dirty="0" smtClean="0"/>
+                        <a:t>中心</a:t>
+                      </a:r>
+                      <a:endParaRPr lang="zh-TW" altLang="en-US" dirty="0"/>
+                    </a:p>
+                  </a:txBody>
+                  <a:tcPr/>
+                </a:tc>
+                <a:tc>
+                  <a:txBody>
+                    <a:bodyPr/>
+                    <a:lstStyle/>
+                    <a:p>
+                      <a:pPr algn="ctr"/>
+                      <a:r>
+                        <a:rPr lang="zh-TW" altLang="en-US" dirty="0" smtClean="0"/>
+                        <a:t>地圖內移動</a:t>
+                      </a:r>
+                      <a:endParaRPr lang="zh-TW" altLang="en-US" dirty="0"/>
+                    </a:p>
+                  </a:txBody>
+                  <a:tcPr/>
+                </a:tc>
+                <a:tc>
+                  <a:txBody>
+                    <a:bodyPr/>
+                    <a:lstStyle/>
+                    <a:p>
+                      <a:pPr algn="ctr"/>
+                      <a:r>
+                        <a:rPr lang="zh-TW" altLang="en-US" dirty="0" smtClean="0"/>
+                        <a:t>人物面向</a:t>
+                      </a:r>
+                      <a:endParaRPr lang="zh-TW" altLang="en-US" dirty="0"/>
+                    </a:p>
+                  </a:txBody>
+                  <a:tcPr/>
+                </a:tc>
+                <a:tc>
+                  <a:txBody>
+                    <a:bodyPr/>
+                    <a:lstStyle/>
+                    <a:p>
+                      <a:pPr algn="ctr"/>
+                      <a:endParaRPr lang="zh-TW" altLang="en-US" dirty="0"/>
+                    </a:p>
+                  </a:txBody>
+                  <a:tcPr/>
+                </a:tc>
+              </a:tr>
+              <a:tr h="370840">
+                <a:tc>
+                  <a:txBody>
+                    <a:bodyPr/>
+                    <a:lstStyle/>
+                    <a:p>
+                      <a:r>
+                        <a:rPr lang="en-US" altLang="zh-TW" dirty="0" smtClean="0"/>
+                        <a:t>JRPG</a:t>
+                      </a:r>
+                      <a:endParaRPr lang="zh-TW" altLang="en-US" dirty="0"/>
+                    </a:p>
+                  </a:txBody>
+                  <a:tcPr/>
+                </a:tc>
+                <a:tc>
+                  <a:txBody>
+                    <a:bodyPr/>
+                    <a:lstStyle/>
+                    <a:p>
+                      <a:pPr algn="ctr"/>
+                      <a:r>
+                        <a:rPr lang="zh-TW" altLang="en-US" dirty="0" smtClean="0"/>
+                        <a:t>固定不動</a:t>
+                      </a:r>
+                      <a:endParaRPr lang="zh-TW" altLang="en-US" dirty="0"/>
+                    </a:p>
+                  </a:txBody>
+                  <a:tcPr/>
+                </a:tc>
+                <a:tc>
+                  <a:txBody>
+                    <a:bodyPr/>
+                    <a:lstStyle/>
+                    <a:p>
+                      <a:pPr algn="ctr"/>
+                      <a:r>
+                        <a:rPr lang="zh-TW" altLang="en-US" dirty="0" smtClean="0"/>
+                        <a:t>切換區域</a:t>
+                      </a:r>
+                      <a:endParaRPr lang="zh-TW" altLang="en-US" dirty="0"/>
+                    </a:p>
+                  </a:txBody>
+                  <a:tcPr/>
+                </a:tc>
+                <a:tc>
+                  <a:txBody>
+                    <a:bodyPr/>
+                    <a:lstStyle/>
+                    <a:p>
+                      <a:pPr algn="ctr"/>
+                      <a:r>
+                        <a:rPr lang="zh-TW" altLang="en-US" dirty="0" smtClean="0"/>
+                        <a:t>上下左右</a:t>
+                      </a:r>
+                      <a:endParaRPr lang="zh-TW" altLang="en-US" dirty="0"/>
+                    </a:p>
+                  </a:txBody>
+                  <a:tcPr/>
+                </a:tc>
+                <a:tc>
+                  <a:txBody>
+                    <a:bodyPr/>
+                    <a:lstStyle/>
+                    <a:p>
+                      <a:pPr algn="ctr"/>
+                      <a:endParaRPr lang="zh-TW" altLang="en-US"/>
+                    </a:p>
+                  </a:txBody>
+                  <a:tcPr/>
+                </a:tc>
+              </a:tr>
+              <a:tr h="370840">
+                <a:tc>
+                  <a:txBody>
+                    <a:bodyPr/>
+                    <a:lstStyle/>
+                    <a:p>
+                      <a:r>
+                        <a:rPr lang="en-US" altLang="zh-TW" dirty="0" smtClean="0"/>
+                        <a:t>APRG</a:t>
+                      </a:r>
+                      <a:endParaRPr lang="zh-TW" altLang="en-US" dirty="0"/>
+                    </a:p>
+                  </a:txBody>
+                  <a:tcPr/>
+                </a:tc>
+                <a:tc>
+                  <a:txBody>
+                    <a:bodyPr/>
+                    <a:lstStyle/>
+                    <a:p>
+                      <a:pPr algn="ctr"/>
+                      <a:r>
+                        <a:rPr lang="zh-TW" altLang="en-US" dirty="0" smtClean="0"/>
+                        <a:t>跟著玩家</a:t>
+                      </a:r>
+                      <a:endParaRPr lang="zh-TW" altLang="en-US" dirty="0"/>
+                    </a:p>
+                  </a:txBody>
+                  <a:tcPr/>
+                </a:tc>
+                <a:tc>
+                  <a:txBody>
+                    <a:bodyPr/>
+                    <a:lstStyle/>
+                    <a:p>
+                      <a:pPr algn="ctr"/>
+                      <a:r>
+                        <a:rPr lang="zh-TW" altLang="en-US" dirty="0" smtClean="0"/>
+                        <a:t>無縫移動</a:t>
+                      </a:r>
+                      <a:endParaRPr lang="zh-TW" altLang="en-US" dirty="0"/>
+                    </a:p>
+                  </a:txBody>
+                  <a:tcPr/>
+                </a:tc>
+                <a:tc>
+                  <a:txBody>
+                    <a:bodyPr/>
+                    <a:lstStyle/>
+                    <a:p>
+                      <a:pPr marL="0" marR="0" indent="0" algn="ctr" defTabSz="914400" rtl="0" eaLnBrk="1" fontAlgn="auto" latinLnBrk="0" hangingPunct="1">
+                        <a:lnSpc>
+                          <a:spcPct val="100000"/>
+                        </a:lnSpc>
+                        <a:spcBef>
+                          <a:spcPts val="0"/>
+                        </a:spcBef>
+                        <a:spcAft>
+                          <a:spcPts val="0"/>
+                        </a:spcAft>
+                        <a:buClrTx/>
+                        <a:buSzTx/>
+                        <a:buFontTx/>
+                        <a:buNone/>
+                        <a:tabLst/>
+                        <a:defRPr/>
+                      </a:pPr>
+                      <a:r>
+                        <a:rPr lang="zh-TW" altLang="en-US" dirty="0" smtClean="0"/>
+                        <a:t>上下左右</a:t>
+                      </a:r>
+                    </a:p>
+                  </a:txBody>
+                  <a:tcPr/>
+                </a:tc>
+                <a:tc>
+                  <a:txBody>
+                    <a:bodyPr/>
+                    <a:lstStyle/>
+                    <a:p>
+                      <a:pPr algn="ctr"/>
+                      <a:endParaRPr lang="zh-TW" altLang="en-US"/>
+                    </a:p>
+                  </a:txBody>
+                  <a:tcPr/>
+                </a:tc>
+              </a:tr>
+              <a:tr h="370840">
+                <a:tc>
+                  <a:txBody>
+                    <a:bodyPr/>
+                    <a:lstStyle/>
+                    <a:p>
+                      <a:pPr marL="0" marR="0" lvl="1" indent="0" algn="l" defTabSz="914400" rtl="0" eaLnBrk="1" fontAlgn="auto" latinLnBrk="0" hangingPunct="1">
+                        <a:lnSpc>
+                          <a:spcPct val="100000"/>
+                        </a:lnSpc>
+                        <a:spcBef>
+                          <a:spcPts val="0"/>
+                        </a:spcBef>
+                        <a:spcAft>
+                          <a:spcPts val="0"/>
+                        </a:spcAft>
+                        <a:buClrTx/>
+                        <a:buSzTx/>
+                        <a:buFontTx/>
+                        <a:buNone/>
+                        <a:tabLst/>
+                        <a:defRPr/>
+                      </a:pPr>
+                      <a:r>
+                        <a:rPr lang="en-US" altLang="zh-TW" dirty="0" smtClean="0"/>
+                        <a:t>Side scrolling</a:t>
+                      </a:r>
+                    </a:p>
+                  </a:txBody>
+                  <a:tcPr/>
+                </a:tc>
+                <a:tc>
+                  <a:txBody>
+                    <a:bodyPr/>
+                    <a:lstStyle/>
+                    <a:p>
+                      <a:pPr algn="ctr"/>
+                      <a:r>
+                        <a:rPr lang="zh-TW" altLang="en-US" dirty="0" smtClean="0"/>
+                        <a:t>跟著戰鬥區域</a:t>
+                      </a:r>
+                      <a:endParaRPr lang="zh-TW" altLang="en-US" dirty="0"/>
+                    </a:p>
+                  </a:txBody>
+                  <a:tcPr/>
+                </a:tc>
+                <a:tc>
+                  <a:txBody>
+                    <a:bodyPr/>
+                    <a:lstStyle/>
+                    <a:p>
+                      <a:pPr algn="ctr"/>
+                      <a:r>
+                        <a:rPr lang="zh-TW" altLang="en-US" dirty="0" smtClean="0"/>
+                        <a:t>無縫移動</a:t>
+                      </a:r>
+                      <a:endParaRPr lang="zh-TW" altLang="en-US" dirty="0"/>
+                    </a:p>
+                  </a:txBody>
+                  <a:tcPr/>
+                </a:tc>
+                <a:tc>
+                  <a:txBody>
+                    <a:bodyPr/>
+                    <a:lstStyle/>
+                    <a:p>
+                      <a:pPr marL="0" marR="0" indent="0" algn="ctr" defTabSz="914400" rtl="0" eaLnBrk="1" fontAlgn="auto" latinLnBrk="0" hangingPunct="1">
+                        <a:lnSpc>
+                          <a:spcPct val="100000"/>
+                        </a:lnSpc>
+                        <a:spcBef>
+                          <a:spcPts val="0"/>
+                        </a:spcBef>
+                        <a:spcAft>
+                          <a:spcPts val="0"/>
+                        </a:spcAft>
+                        <a:buClrTx/>
+                        <a:buSzTx/>
+                        <a:buFontTx/>
+                        <a:buNone/>
+                        <a:tabLst/>
+                        <a:defRPr/>
+                      </a:pPr>
+                      <a:r>
+                        <a:rPr lang="zh-TW" altLang="en-US" dirty="0" smtClean="0"/>
+                        <a:t>左右</a:t>
+                      </a:r>
+                    </a:p>
+                  </a:txBody>
+                  <a:tcPr/>
+                </a:tc>
+                <a:tc>
+                  <a:txBody>
+                    <a:bodyPr/>
+                    <a:lstStyle/>
+                    <a:p>
+                      <a:pPr algn="ctr"/>
+                      <a:endParaRPr lang="zh-TW" altLang="en-US" dirty="0"/>
+                    </a:p>
+                  </a:txBody>
+                  <a:tcPr/>
+                </a:tc>
+              </a:tr>
+              <a:tr h="370840">
+                <a:tc>
+                  <a:txBody>
+                    <a:bodyPr/>
+                    <a:lstStyle/>
+                    <a:p>
+                      <a:r>
+                        <a:rPr lang="en-US" altLang="zh-TW" dirty="0" smtClean="0"/>
+                        <a:t>SLG</a:t>
+                      </a:r>
+                      <a:endParaRPr lang="zh-TW" altLang="en-US" dirty="0"/>
+                    </a:p>
+                  </a:txBody>
+                  <a:tcPr/>
+                </a:tc>
+                <a:tc>
+                  <a:txBody>
+                    <a:bodyPr/>
+                    <a:lstStyle/>
+                    <a:p>
+                      <a:pPr algn="ctr"/>
+                      <a:r>
+                        <a:rPr lang="zh-TW" altLang="en-US" dirty="0" smtClean="0"/>
+                        <a:t>跟著游標</a:t>
+                      </a:r>
+                      <a:endParaRPr lang="zh-TW" altLang="en-US" dirty="0"/>
+                    </a:p>
+                  </a:txBody>
+                  <a:tcPr/>
+                </a:tc>
+                <a:tc>
+                  <a:txBody>
+                    <a:bodyPr/>
+                    <a:lstStyle/>
+                    <a:p>
+                      <a:pPr algn="ctr"/>
+                      <a:r>
+                        <a:rPr lang="zh-TW" altLang="en-US" dirty="0" smtClean="0"/>
+                        <a:t>無縫移動</a:t>
+                      </a:r>
+                      <a:endParaRPr lang="zh-TW" altLang="en-US" dirty="0"/>
+                    </a:p>
+                  </a:txBody>
+                  <a:tcPr/>
+                </a:tc>
+                <a:tc>
+                  <a:txBody>
+                    <a:bodyPr/>
+                    <a:lstStyle/>
+                    <a:p>
+                      <a:pPr marL="0" marR="0" indent="0" algn="ctr" defTabSz="914400" rtl="0" eaLnBrk="1" fontAlgn="auto" latinLnBrk="0" hangingPunct="1">
+                        <a:lnSpc>
+                          <a:spcPct val="100000"/>
+                        </a:lnSpc>
+                        <a:spcBef>
+                          <a:spcPts val="0"/>
+                        </a:spcBef>
+                        <a:spcAft>
+                          <a:spcPts val="0"/>
+                        </a:spcAft>
+                        <a:buClrTx/>
+                        <a:buSzTx/>
+                        <a:buFontTx/>
+                        <a:buNone/>
+                        <a:tabLst/>
+                        <a:defRPr/>
+                      </a:pPr>
+                      <a:r>
+                        <a:rPr lang="zh-TW" altLang="en-US" dirty="0" smtClean="0"/>
+                        <a:t>上下左右</a:t>
+                      </a:r>
+                    </a:p>
+                  </a:txBody>
+                  <a:tcPr/>
+                </a:tc>
+                <a:tc>
+                  <a:txBody>
+                    <a:bodyPr/>
+                    <a:lstStyle/>
+                    <a:p>
+                      <a:pPr algn="ctr"/>
+                      <a:endParaRPr lang="zh-TW" altLang="en-US" dirty="0"/>
+                    </a:p>
+                  </a:txBody>
+                  <a:tcPr/>
+                </a:tc>
+              </a:tr>
+            </a:tbl>
+          </a:graphicData>
+        </a:graphic>
+      </p:graphicFrame>
+    </p:spTree>
+  </p:cSld>
+  <p:clrMapOvr>
+    <a:masterClrMapping/>
+  </p:clrMapOvr>
+</p:sld>
+</file>
+
+<file path=ppt/slides/slide16.xml><?xml version="1.0" encoding="utf-8"?>
+<p:sld xmlns:a="http://schemas.openxmlformats.org/drawingml/2006/main" xmlns:r="http://schemas.openxmlformats.org/officeDocument/2006/relationships" xmlns:p="http://schemas.openxmlformats.org/presentationml/2006/main">
+  <p:cSld>
+    <p:spTree>
+      <p:nvGrpSpPr>
+        <p:cNvPr id="1" name=""/>
+        <p:cNvGrpSpPr/>
+        <p:nvPr/>
+      </p:nvGrpSpPr>
+      <p:grpSpPr>
+        <a:xfrm>
+          <a:off x="0" y="0"/>
+          <a:ext cx="0" cy="0"/>
+          <a:chOff x="0" y="0"/>
+          <a:chExt cx="0" cy="0"/>
+        </a:xfrm>
+      </p:grpSpPr>
+      <p:sp>
+        <p:nvSpPr>
+          <p:cNvPr id="2" name="標題 1"/>
+          <p:cNvSpPr>
+            <a:spLocks noGrp="1"/>
+          </p:cNvSpPr>
+          <p:nvPr>
+            <p:ph type="title"/>
+          </p:nvPr>
+        </p:nvSpPr>
+        <p:spPr/>
+        <p:txBody>
+          <a:bodyPr>
+            <a:normAutofit/>
+          </a:bodyPr>
+          <a:lstStyle/>
+          <a:p>
+            <a:pPr algn="l"/>
+            <a:r>
+              <a:rPr lang="en-US" altLang="zh-TW" dirty="0" smtClean="0"/>
+              <a:t>GAME SYSTEM - Overview</a:t>
+            </a:r>
+            <a:endParaRPr lang="zh-TW" altLang="en-US" dirty="0"/>
+          </a:p>
+        </p:txBody>
+      </p:sp>
+      <p:sp>
+        <p:nvSpPr>
+          <p:cNvPr id="3" name="內容版面配置區 2"/>
+          <p:cNvSpPr>
+            <a:spLocks noGrp="1"/>
+          </p:cNvSpPr>
+          <p:nvPr>
+            <p:ph idx="1"/>
+          </p:nvPr>
+        </p:nvSpPr>
+        <p:spPr/>
+        <p:txBody>
+          <a:bodyPr>
+            <a:normAutofit/>
+          </a:bodyPr>
+          <a:lstStyle/>
+          <a:p>
+            <a:r>
+              <a:rPr lang="zh-TW" altLang="en-US" dirty="0" smtClean="0"/>
+              <a:t>角色狀態</a:t>
+            </a:r>
+            <a:endParaRPr lang="en-US" altLang="zh-TW" dirty="0" smtClean="0"/>
+          </a:p>
+          <a:p>
+            <a:pPr lvl="1"/>
+            <a:r>
+              <a:rPr lang="zh-TW" altLang="en-US" dirty="0" smtClean="0"/>
+              <a:t>具有特殊屬性的角色能有額外行動能力</a:t>
+            </a:r>
+            <a:endParaRPr lang="en-US" altLang="zh-TW" dirty="0" smtClean="0"/>
+          </a:p>
+        </p:txBody>
+      </p:sp>
+      <p:graphicFrame>
+        <p:nvGraphicFramePr>
+          <p:cNvPr id="23" name="表格 22"/>
+          <p:cNvGraphicFramePr>
+            <a:graphicFrameLocks noGrp="1"/>
+          </p:cNvGraphicFramePr>
+          <p:nvPr/>
+        </p:nvGraphicFramePr>
+        <p:xfrm>
+          <a:off x="1071538" y="2428874"/>
+          <a:ext cx="7314202" cy="1854200"/>
+        </p:xfrm>
+        <a:graphic>
+          <a:graphicData uri="http://schemas.openxmlformats.org/drawingml/2006/table">
+            <a:tbl>
+              <a:tblPr firstRow="1" bandRow="1">
+                <a:tableStyleId>{5C22544A-7EE6-4342-B048-85BDC9FD1C3A}</a:tableStyleId>
+              </a:tblPr>
+              <a:tblGrid>
+                <a:gridCol w="1608455"/>
+                <a:gridCol w="1611630"/>
+                <a:gridCol w="1611630"/>
+                <a:gridCol w="1611630"/>
+                <a:gridCol w="870857"/>
+              </a:tblGrid>
+              <a:tr h="370840">
+                <a:tc>
+                  <a:txBody>
+                    <a:bodyPr/>
+                    <a:lstStyle/>
+                    <a:p>
+                      <a:r>
+                        <a:rPr lang="en-US" altLang="zh-TW" dirty="0" smtClean="0"/>
+                        <a:t>Mode</a:t>
+                      </a:r>
+                      <a:endParaRPr lang="zh-TW" altLang="en-US" dirty="0"/>
+                    </a:p>
+                  </a:txBody>
+                  <a:tcPr/>
+                </a:tc>
+                <a:tc>
+                  <a:txBody>
+                    <a:bodyPr/>
+                    <a:lstStyle/>
+                    <a:p>
+                      <a:pPr algn="ctr"/>
+                      <a:r>
+                        <a:rPr lang="zh-TW" altLang="en-US" dirty="0" smtClean="0"/>
+                        <a:t>飛行</a:t>
+                      </a:r>
+                      <a:endParaRPr lang="zh-TW" altLang="en-US" dirty="0"/>
+                    </a:p>
+                  </a:txBody>
+                  <a:tcPr/>
+                </a:tc>
+                <a:tc>
+                  <a:txBody>
+                    <a:bodyPr/>
+                    <a:lstStyle/>
+                    <a:p>
+                      <a:pPr algn="ctr"/>
+                      <a:r>
+                        <a:rPr lang="zh-TW" altLang="en-US" dirty="0" smtClean="0"/>
+                        <a:t>穿透</a:t>
+                      </a:r>
+                      <a:endParaRPr lang="zh-TW" altLang="en-US" dirty="0"/>
+                    </a:p>
+                  </a:txBody>
+                  <a:tcPr/>
+                </a:tc>
+                <a:tc>
+                  <a:txBody>
+                    <a:bodyPr/>
+                    <a:lstStyle/>
+                    <a:p>
+                      <a:pPr algn="ctr"/>
+                      <a:r>
+                        <a:rPr lang="zh-TW" altLang="en-US" dirty="0" smtClean="0"/>
+                        <a:t>潛水</a:t>
+                      </a:r>
+                      <a:endParaRPr lang="zh-TW" altLang="en-US" dirty="0"/>
+                    </a:p>
+                  </a:txBody>
+                  <a:tcPr/>
+                </a:tc>
+                <a:tc>
+                  <a:txBody>
+                    <a:bodyPr/>
+                    <a:lstStyle/>
+                    <a:p>
+                      <a:pPr algn="ctr"/>
+                      <a:endParaRPr lang="zh-TW" altLang="en-US" dirty="0"/>
+                    </a:p>
+                  </a:txBody>
+                  <a:tcPr/>
+                </a:tc>
+              </a:tr>
+              <a:tr h="370840">
+                <a:tc>
+                  <a:txBody>
+                    <a:bodyPr/>
+                    <a:lstStyle/>
+                    <a:p>
+                      <a:r>
+                        <a:rPr lang="en-US" altLang="zh-TW" dirty="0" smtClean="0"/>
+                        <a:t>JRPG</a:t>
+                      </a:r>
+                      <a:endParaRPr lang="zh-TW" altLang="en-US" dirty="0"/>
+                    </a:p>
+                  </a:txBody>
+                  <a:tcPr/>
+                </a:tc>
+                <a:tc>
+                  <a:txBody>
+                    <a:bodyPr/>
+                    <a:lstStyle/>
+                    <a:p>
+                      <a:pPr algn="ctr"/>
+                      <a:r>
+                        <a:rPr lang="zh-TW" altLang="en-US" dirty="0" smtClean="0"/>
+                        <a:t>不受高地阻擋</a:t>
+                      </a:r>
+                      <a:endParaRPr lang="zh-TW" altLang="en-US" dirty="0"/>
+                    </a:p>
+                  </a:txBody>
+                  <a:tcPr/>
+                </a:tc>
+                <a:tc>
+                  <a:txBody>
+                    <a:bodyPr/>
+                    <a:lstStyle/>
+                    <a:p>
+                      <a:pPr marL="0" marR="0" indent="0" algn="ctr" defTabSz="914400" rtl="0" eaLnBrk="1" fontAlgn="auto" latinLnBrk="0" hangingPunct="1">
+                        <a:lnSpc>
+                          <a:spcPct val="100000"/>
+                        </a:lnSpc>
+                        <a:spcBef>
+                          <a:spcPts val="0"/>
+                        </a:spcBef>
+                        <a:spcAft>
+                          <a:spcPts val="0"/>
+                        </a:spcAft>
+                        <a:buClrTx/>
+                        <a:buSzTx/>
+                        <a:buFontTx/>
+                        <a:buNone/>
+                        <a:tabLst/>
+                        <a:defRPr/>
+                      </a:pPr>
+                      <a:r>
+                        <a:rPr lang="zh-TW" altLang="en-US" dirty="0" smtClean="0"/>
+                        <a:t>不受牆壁阻擋</a:t>
+                      </a:r>
+                      <a:endParaRPr lang="zh-TW" altLang="en-US" dirty="0"/>
+                    </a:p>
+                  </a:txBody>
+                  <a:tcPr/>
+                </a:tc>
+                <a:tc>
+                  <a:txBody>
+                    <a:bodyPr/>
+                    <a:lstStyle/>
+                    <a:p>
+                      <a:pPr marL="0" marR="0" indent="0" algn="ctr" defTabSz="914400" rtl="0" eaLnBrk="1" fontAlgn="auto" latinLnBrk="0" hangingPunct="1">
+                        <a:lnSpc>
+                          <a:spcPct val="100000"/>
+                        </a:lnSpc>
+                        <a:spcBef>
+                          <a:spcPts val="0"/>
+                        </a:spcBef>
+                        <a:spcAft>
+                          <a:spcPts val="0"/>
+                        </a:spcAft>
+                        <a:buClrTx/>
+                        <a:buSzTx/>
+                        <a:buFontTx/>
+                        <a:buNone/>
+                        <a:tabLst/>
+                        <a:defRPr/>
+                      </a:pPr>
+                      <a:r>
+                        <a:rPr lang="zh-TW" altLang="en-US" dirty="0" smtClean="0"/>
+                        <a:t>可在水面行走</a:t>
+                      </a:r>
+                    </a:p>
+                  </a:txBody>
+                  <a:tcPr/>
+                </a:tc>
+                <a:tc>
+                  <a:txBody>
+                    <a:bodyPr/>
+                    <a:lstStyle/>
+                    <a:p>
+                      <a:pPr algn="ctr"/>
+                      <a:endParaRPr lang="zh-TW" altLang="en-US"/>
+                    </a:p>
+                  </a:txBody>
+                  <a:tcPr/>
+                </a:tc>
+              </a:tr>
+              <a:tr h="370840">
+                <a:tc>
+                  <a:txBody>
+                    <a:bodyPr/>
+                    <a:lstStyle/>
+                    <a:p>
+                      <a:r>
+                        <a:rPr lang="en-US" altLang="zh-TW" dirty="0" smtClean="0"/>
+                        <a:t>APRG</a:t>
+                      </a:r>
+                      <a:endParaRPr lang="zh-TW" altLang="en-US" dirty="0"/>
+                    </a:p>
+                  </a:txBody>
+                  <a:tcPr/>
+                </a:tc>
+                <a:tc>
+                  <a:txBody>
+                    <a:bodyPr/>
+                    <a:lstStyle/>
+                    <a:p>
+                      <a:pPr algn="ctr"/>
+                      <a:r>
+                        <a:rPr lang="zh-TW" altLang="en-US" dirty="0" smtClean="0"/>
+                        <a:t>不受高地阻擋</a:t>
+                      </a:r>
+                      <a:endParaRPr lang="zh-TW" altLang="en-US" dirty="0"/>
+                    </a:p>
+                  </a:txBody>
+                  <a:tcPr/>
+                </a:tc>
+                <a:tc>
+                  <a:txBody>
+                    <a:bodyPr/>
+                    <a:lstStyle/>
+                    <a:p>
+                      <a:pPr marL="0" marR="0" indent="0" algn="ctr" defTabSz="914400" rtl="0" eaLnBrk="1" fontAlgn="auto" latinLnBrk="0" hangingPunct="1">
+                        <a:lnSpc>
+                          <a:spcPct val="100000"/>
+                        </a:lnSpc>
+                        <a:spcBef>
+                          <a:spcPts val="0"/>
+                        </a:spcBef>
+                        <a:spcAft>
+                          <a:spcPts val="0"/>
+                        </a:spcAft>
+                        <a:buClrTx/>
+                        <a:buSzTx/>
+                        <a:buFontTx/>
+                        <a:buNone/>
+                        <a:tabLst/>
+                        <a:defRPr/>
+                      </a:pPr>
+                      <a:r>
+                        <a:rPr lang="zh-TW" altLang="en-US" dirty="0" smtClean="0"/>
+                        <a:t>不受牆壁阻擋</a:t>
+                      </a:r>
+                    </a:p>
+                  </a:txBody>
+                  <a:tcPr/>
+                </a:tc>
+                <a:tc>
+                  <a:txBody>
+                    <a:bodyPr/>
+                    <a:lstStyle/>
+                    <a:p>
+                      <a:pPr marL="0" marR="0" indent="0" algn="ctr" defTabSz="914400" rtl="0" eaLnBrk="1" fontAlgn="auto" latinLnBrk="0" hangingPunct="1">
+                        <a:lnSpc>
+                          <a:spcPct val="100000"/>
+                        </a:lnSpc>
+                        <a:spcBef>
+                          <a:spcPts val="0"/>
+                        </a:spcBef>
+                        <a:spcAft>
+                          <a:spcPts val="0"/>
+                        </a:spcAft>
+                        <a:buClrTx/>
+                        <a:buSzTx/>
+                        <a:buFontTx/>
+                        <a:buNone/>
+                        <a:tabLst/>
+                        <a:defRPr/>
+                      </a:pPr>
+                      <a:r>
+                        <a:rPr lang="zh-TW" altLang="en-US" dirty="0" smtClean="0"/>
+                        <a:t>可在水面行走</a:t>
+                      </a:r>
+                    </a:p>
+                  </a:txBody>
+                  <a:tcPr/>
+                </a:tc>
+                <a:tc>
+                  <a:txBody>
+                    <a:bodyPr/>
+                    <a:lstStyle/>
+                    <a:p>
+                      <a:pPr algn="ctr"/>
+                      <a:endParaRPr lang="zh-TW" altLang="en-US"/>
+                    </a:p>
+                  </a:txBody>
+                  <a:tcPr/>
+                </a:tc>
+              </a:tr>
+              <a:tr h="370840">
+                <a:tc>
+                  <a:txBody>
+                    <a:bodyPr/>
+                    <a:lstStyle/>
+                    <a:p>
+                      <a:pPr marL="0" marR="0" lvl="1" indent="0" algn="l" defTabSz="914400" rtl="0" eaLnBrk="1" fontAlgn="auto" latinLnBrk="0" hangingPunct="1">
+                        <a:lnSpc>
+                          <a:spcPct val="100000"/>
+                        </a:lnSpc>
+                        <a:spcBef>
+                          <a:spcPts val="0"/>
+                        </a:spcBef>
+                        <a:spcAft>
+                          <a:spcPts val="0"/>
+                        </a:spcAft>
+                        <a:buClrTx/>
+                        <a:buSzTx/>
+                        <a:buFontTx/>
+                        <a:buNone/>
+                        <a:tabLst/>
+                        <a:defRPr/>
+                      </a:pPr>
+                      <a:r>
+                        <a:rPr lang="en-US" altLang="zh-TW" dirty="0" smtClean="0"/>
+                        <a:t>Side scrolling</a:t>
+                      </a:r>
+                    </a:p>
+                  </a:txBody>
+                  <a:tcPr/>
+                </a:tc>
+                <a:tc>
+                  <a:txBody>
+                    <a:bodyPr/>
+                    <a:lstStyle/>
+                    <a:p>
+                      <a:pPr algn="ctr"/>
+                      <a:r>
+                        <a:rPr lang="zh-TW" altLang="en-US" dirty="0" smtClean="0"/>
+                        <a:t>不受重力</a:t>
+                      </a:r>
+                      <a:endParaRPr lang="zh-TW" altLang="en-US" dirty="0"/>
+                    </a:p>
+                  </a:txBody>
+                  <a:tcPr/>
+                </a:tc>
+                <a:tc>
+                  <a:txBody>
+                    <a:bodyPr/>
+                    <a:lstStyle/>
+                    <a:p>
+                      <a:pPr marL="0" marR="0" indent="0" algn="ctr" defTabSz="914400" rtl="0" eaLnBrk="1" fontAlgn="auto" latinLnBrk="0" hangingPunct="1">
+                        <a:lnSpc>
+                          <a:spcPct val="100000"/>
+                        </a:lnSpc>
+                        <a:spcBef>
+                          <a:spcPts val="0"/>
+                        </a:spcBef>
+                        <a:spcAft>
+                          <a:spcPts val="0"/>
+                        </a:spcAft>
+                        <a:buClrTx/>
+                        <a:buSzTx/>
+                        <a:buFontTx/>
+                        <a:buNone/>
+                        <a:tabLst/>
+                        <a:defRPr/>
+                      </a:pPr>
+                      <a:r>
+                        <a:rPr lang="zh-TW" altLang="en-US" dirty="0" smtClean="0"/>
+                        <a:t>不受牆壁阻擋</a:t>
+                      </a:r>
+                      <a:endParaRPr lang="zh-TW" altLang="en-US" dirty="0"/>
+                    </a:p>
+                  </a:txBody>
+                  <a:tcPr/>
+                </a:tc>
+                <a:tc>
+                  <a:txBody>
+                    <a:bodyPr/>
+                    <a:lstStyle/>
+                    <a:p>
+                      <a:pPr marL="0" marR="0" indent="0" algn="ctr" defTabSz="914400" rtl="0" eaLnBrk="1" fontAlgn="auto" latinLnBrk="0" hangingPunct="1">
+                        <a:lnSpc>
+                          <a:spcPct val="100000"/>
+                        </a:lnSpc>
+                        <a:spcBef>
+                          <a:spcPts val="0"/>
+                        </a:spcBef>
+                        <a:spcAft>
+                          <a:spcPts val="0"/>
+                        </a:spcAft>
+                        <a:buClrTx/>
+                        <a:buSzTx/>
+                        <a:buFontTx/>
+                        <a:buNone/>
+                        <a:tabLst/>
+                        <a:defRPr/>
+                      </a:pPr>
+                      <a:r>
+                        <a:rPr lang="zh-TW" altLang="en-US" dirty="0" smtClean="0"/>
+                        <a:t>可在水下移動</a:t>
+                      </a:r>
+                    </a:p>
+                  </a:txBody>
+                  <a:tcPr/>
+                </a:tc>
+                <a:tc>
+                  <a:txBody>
+                    <a:bodyPr/>
+                    <a:lstStyle/>
+                    <a:p>
+                      <a:pPr algn="ctr"/>
+                      <a:endParaRPr lang="zh-TW" altLang="en-US" dirty="0"/>
+                    </a:p>
+                  </a:txBody>
+                  <a:tcPr/>
+                </a:tc>
+              </a:tr>
+              <a:tr h="370840">
+                <a:tc>
+                  <a:txBody>
+                    <a:bodyPr/>
+                    <a:lstStyle/>
+                    <a:p>
+                      <a:r>
+                        <a:rPr lang="en-US" altLang="zh-TW" dirty="0" smtClean="0"/>
+                        <a:t>SLG</a:t>
+                      </a:r>
+                      <a:endParaRPr lang="zh-TW" altLang="en-US" dirty="0"/>
+                    </a:p>
+                  </a:txBody>
+                  <a:tcPr/>
+                </a:tc>
+                <a:tc>
+                  <a:txBody>
+                    <a:bodyPr/>
+                    <a:lstStyle/>
+                    <a:p>
+                      <a:pPr marL="0" marR="0" indent="0" algn="ctr" defTabSz="914400" rtl="0" eaLnBrk="1" fontAlgn="auto" latinLnBrk="0" hangingPunct="1">
+                        <a:lnSpc>
+                          <a:spcPct val="100000"/>
+                        </a:lnSpc>
+                        <a:spcBef>
+                          <a:spcPts val="0"/>
+                        </a:spcBef>
+                        <a:spcAft>
+                          <a:spcPts val="0"/>
+                        </a:spcAft>
+                        <a:buClrTx/>
+                        <a:buSzTx/>
+                        <a:buFontTx/>
+                        <a:buNone/>
+                        <a:tabLst/>
+                        <a:defRPr/>
+                      </a:pPr>
+                      <a:r>
+                        <a:rPr lang="zh-TW" altLang="en-US" dirty="0" smtClean="0"/>
+                        <a:t>不受高地阻擋</a:t>
+                      </a:r>
+                      <a:endParaRPr lang="zh-TW" altLang="en-US" dirty="0"/>
+                    </a:p>
+                  </a:txBody>
+                  <a:tcPr/>
+                </a:tc>
+                <a:tc>
+                  <a:txBody>
+                    <a:bodyPr/>
+                    <a:lstStyle/>
+                    <a:p>
+                      <a:pPr marL="0" marR="0" indent="0" algn="ctr" defTabSz="914400" rtl="0" eaLnBrk="1" fontAlgn="auto" latinLnBrk="0" hangingPunct="1">
+                        <a:lnSpc>
+                          <a:spcPct val="100000"/>
+                        </a:lnSpc>
+                        <a:spcBef>
+                          <a:spcPts val="0"/>
+                        </a:spcBef>
+                        <a:spcAft>
+                          <a:spcPts val="0"/>
+                        </a:spcAft>
+                        <a:buClrTx/>
+                        <a:buSzTx/>
+                        <a:buFontTx/>
+                        <a:buNone/>
+                        <a:tabLst/>
+                        <a:defRPr/>
+                      </a:pPr>
+                      <a:r>
+                        <a:rPr lang="zh-TW" altLang="en-US" dirty="0" smtClean="0"/>
+                        <a:t>不受牆壁阻擋</a:t>
+                      </a:r>
+                    </a:p>
+                  </a:txBody>
+                  <a:tcPr/>
+                </a:tc>
+                <a:tc>
+                  <a:txBody>
+                    <a:bodyPr/>
+                    <a:lstStyle/>
+                    <a:p>
+                      <a:pPr marL="0" marR="0" indent="0" algn="ctr" defTabSz="914400" rtl="0" eaLnBrk="1" fontAlgn="auto" latinLnBrk="0" hangingPunct="1">
+                        <a:lnSpc>
+                          <a:spcPct val="100000"/>
+                        </a:lnSpc>
+                        <a:spcBef>
+                          <a:spcPts val="0"/>
+                        </a:spcBef>
+                        <a:spcAft>
+                          <a:spcPts val="0"/>
+                        </a:spcAft>
+                        <a:buClrTx/>
+                        <a:buSzTx/>
+                        <a:buFontTx/>
+                        <a:buNone/>
+                        <a:tabLst/>
+                        <a:defRPr/>
+                      </a:pPr>
+                      <a:r>
+                        <a:rPr lang="zh-TW" altLang="en-US" dirty="0" smtClean="0"/>
+                        <a:t>可在水面行走</a:t>
+                      </a:r>
+                    </a:p>
+                  </a:txBody>
+                  <a:tcPr/>
+                </a:tc>
+                <a:tc>
+                  <a:txBody>
+                    <a:bodyPr/>
+                    <a:lstStyle/>
+                    <a:p>
+                      <a:pPr algn="ctr"/>
+                      <a:endParaRPr lang="zh-TW" altLang="en-US" dirty="0"/>
+                    </a:p>
+                  </a:txBody>
+                  <a:tcPr/>
+                </a:tc>
+              </a:tr>
+            </a:tbl>
+          </a:graphicData>
+        </a:graphic>
+      </p:graphicFrame>
+    </p:spTree>
+  </p:cSld>
+  <p:clrMapOvr>
+    <a:masterClrMapping/>
+  </p:clrMapOvr>
+</p:sld>
+</file>
+
+<file path=ppt/slides/slide17.xml><?xml version="1.0" encoding="utf-8"?>
 <p:sld xmlns:a="http://schemas.openxmlformats.org/drawingml/2006/main" xmlns:r="http://schemas.openxmlformats.org/officeDocument/2006/relationships" xmlns:p="http://schemas.openxmlformats.org/presentationml/2006/main">
   <p:cSld>
     <p:spTree>
@@ -4366,7 +7746,7 @@
 </p:sld>
 </file>
 
-<file path=ppt/slides/slide12.xml><?xml version="1.0" encoding="utf-8"?>
+<file path=ppt/slides/slide18.xml><?xml version="1.0" encoding="utf-8"?>
 <p:sld xmlns:a="http://schemas.openxmlformats.org/drawingml/2006/main" xmlns:r="http://schemas.openxmlformats.org/officeDocument/2006/relationships" xmlns:p="http://schemas.openxmlformats.org/presentationml/2006/main">
   <p:cSld>
     <p:spTree>
@@ -5088,7 +8468,7 @@
 </p:sld>
 </file>
 
-<file path=ppt/slides/slide13.xml><?xml version="1.0" encoding="utf-8"?>
+<file path=ppt/slides/slide19.xml><?xml version="1.0" encoding="utf-8"?>
 <p:sld xmlns:a="http://schemas.openxmlformats.org/drawingml/2006/main" xmlns:r="http://schemas.openxmlformats.org/officeDocument/2006/relationships" xmlns:p="http://schemas.openxmlformats.org/presentationml/2006/main">
   <p:cSld>
     <p:spTree>
@@ -5837,7 +9217,115 @@
 </p:sld>
 </file>
 
-<file path=ppt/slides/slide14.xml><?xml version="1.0" encoding="utf-8"?>
+<file path=ppt/slides/slide2.xml><?xml version="1.0" encoding="utf-8"?>
+<p:sld xmlns:a="http://schemas.openxmlformats.org/drawingml/2006/main" xmlns:r="http://schemas.openxmlformats.org/officeDocument/2006/relationships" xmlns:p="http://schemas.openxmlformats.org/presentationml/2006/main">
+  <p:cSld>
+    <p:spTree>
+      <p:nvGrpSpPr>
+        <p:cNvPr id="1" name=""/>
+        <p:cNvGrpSpPr/>
+        <p:nvPr/>
+      </p:nvGrpSpPr>
+      <p:grpSpPr>
+        <a:xfrm>
+          <a:off x="0" y="0"/>
+          <a:ext cx="0" cy="0"/>
+          <a:chOff x="0" y="0"/>
+          <a:chExt cx="0" cy="0"/>
+        </a:xfrm>
+      </p:grpSpPr>
+      <p:sp>
+        <p:nvSpPr>
+          <p:cNvPr id="2" name="標題 1"/>
+          <p:cNvSpPr>
+            <a:spLocks noGrp="1"/>
+          </p:cNvSpPr>
+          <p:nvPr>
+            <p:ph type="title"/>
+          </p:nvPr>
+        </p:nvSpPr>
+        <p:spPr/>
+        <p:txBody>
+          <a:bodyPr>
+            <a:normAutofit/>
+          </a:bodyPr>
+          <a:lstStyle/>
+          <a:p>
+            <a:r>
+              <a:rPr lang="en-US" altLang="zh-TW" dirty="0" smtClean="0"/>
+              <a:t>OUTLINES</a:t>
+            </a:r>
+            <a:endParaRPr lang="zh-TW" altLang="en-US" dirty="0"/>
+          </a:p>
+        </p:txBody>
+      </p:sp>
+      <p:sp>
+        <p:nvSpPr>
+          <p:cNvPr id="3" name="內容版面配置區 2"/>
+          <p:cNvSpPr>
+            <a:spLocks noGrp="1"/>
+          </p:cNvSpPr>
+          <p:nvPr>
+            <p:ph idx="1"/>
+          </p:nvPr>
+        </p:nvSpPr>
+        <p:spPr/>
+        <p:txBody>
+          <a:bodyPr/>
+          <a:lstStyle/>
+          <a:p>
+            <a:r>
+              <a:rPr lang="en-US" altLang="zh-TW" dirty="0" smtClean="0"/>
+              <a:t>OVERVIEW</a:t>
+            </a:r>
+          </a:p>
+          <a:p>
+            <a:r>
+              <a:rPr lang="en-US" altLang="zh-TW" dirty="0" smtClean="0"/>
+              <a:t>GAME UI</a:t>
+            </a:r>
+          </a:p>
+          <a:p>
+            <a:r>
+              <a:rPr lang="en-US" altLang="zh-TW" dirty="0" smtClean="0"/>
+              <a:t>SPECIAL SYSTEM : ENTROPY</a:t>
+            </a:r>
+          </a:p>
+          <a:p>
+            <a:r>
+              <a:rPr lang="en-US" altLang="zh-TW" dirty="0" smtClean="0"/>
+              <a:t>GAME SYSTEM</a:t>
+            </a:r>
+          </a:p>
+          <a:p>
+            <a:r>
+              <a:rPr lang="en-US" altLang="zh-TW" dirty="0" smtClean="0"/>
+              <a:t>WORLD SETTING</a:t>
+            </a:r>
+          </a:p>
+          <a:p>
+            <a:r>
+              <a:rPr lang="en-US" altLang="zh-TW" dirty="0" smtClean="0"/>
+              <a:t>CHARTPER STORIES</a:t>
+            </a:r>
+          </a:p>
+          <a:p>
+            <a:endParaRPr lang="en-US" altLang="zh-TW" dirty="0" smtClean="0"/>
+          </a:p>
+          <a:p>
+            <a:endParaRPr lang="zh-TW" altLang="en-US" dirty="0"/>
+          </a:p>
+        </p:txBody>
+      </p:sp>
+    </p:spTree>
+  </p:cSld>
+  <p:clrMapOvr>
+    <a:masterClrMapping/>
+  </p:clrMapOvr>
+</p:sld>
+</file>
+
+<file path=ppt/slides/slide20.xml><?xml version="1.0" encoding="utf-8"?>
 <p:sld xmlns:a="http://schemas.openxmlformats.org/drawingml/2006/main" xmlns:r="http://schemas.openxmlformats.org/officeDocument/2006/relationships" xmlns:p="http://schemas.openxmlformats.org/presentationml/2006/main">
   <p:cSld>
     <p:spTree>
@@ -5986,14 +9474,6 @@
               <a:t>進入橫向卷軸戰鬥的時候，上鍵轉成跳躍，下鍵轉成跳到下一層</a:t>
             </a:r>
             <a:endParaRPr lang="en-US" altLang="zh-TW" dirty="0" smtClean="0"/>
-          </a:p>
-          <a:p>
-            <a:pPr lvl="1"/>
-            <a:r>
-              <a:rPr lang="zh-TW" altLang="en-US" dirty="0" smtClean="0"/>
-              <a:t>所有怪物和人物面相只剩左和右，無法面向上下以表達橫向卷軸</a:t>
-            </a:r>
-            <a:endParaRPr lang="zh-TW" altLang="en-US" dirty="0"/>
           </a:p>
         </p:txBody>
       </p:sp>
@@ -7051,7 +10531,7 @@
 </p:sld>
 </file>
 
-<file path=ppt/slides/slide15.xml><?xml version="1.0" encoding="utf-8"?>
+<file path=ppt/slides/slide21.xml><?xml version="1.0" encoding="utf-8"?>
 <p:sld xmlns:a="http://schemas.openxmlformats.org/drawingml/2006/main" xmlns:r="http://schemas.openxmlformats.org/officeDocument/2006/relationships" xmlns:p="http://schemas.openxmlformats.org/presentationml/2006/main">
   <p:cSld>
     <p:spTree>
@@ -7768,7 +11248,7 @@
 </p:sld>
 </file>
 
-<file path=ppt/slides/slide16.xml><?xml version="1.0" encoding="utf-8"?>
+<file path=ppt/slides/slide22.xml><?xml version="1.0" encoding="utf-8"?>
 <p:sld xmlns:a="http://schemas.openxmlformats.org/drawingml/2006/main" xmlns:r="http://schemas.openxmlformats.org/officeDocument/2006/relationships" xmlns:p="http://schemas.openxmlformats.org/presentationml/2006/main">
   <p:cSld>
     <p:spTree>
@@ -7934,7 +11414,7 @@
 </p:sld>
 </file>
 
-<file path=ppt/slides/slide17.xml><?xml version="1.0" encoding="utf-8"?>
+<file path=ppt/slides/slide23.xml><?xml version="1.0" encoding="utf-8"?>
 <p:sld xmlns:a="http://schemas.openxmlformats.org/drawingml/2006/main" xmlns:r="http://schemas.openxmlformats.org/officeDocument/2006/relationships" xmlns:p="http://schemas.openxmlformats.org/presentationml/2006/main">
   <p:cSld>
     <p:spTree>
@@ -8096,114 +11576,6 @@
               <a:rPr lang="zh-TW" altLang="en-US" dirty="0" smtClean="0"/>
               <a:t>之下，隊友不會升級，需要每次升級之後去冒險者旅館找同伴，冒險者旅館中冒險者等級會與玩家一樣，所學技能隨機，所有擁有裝備也是隨機，有機會遇到爆人品或者黑臉隊友。</a:t>
             </a:r>
-            <a:endParaRPr lang="zh-TW" altLang="en-US" dirty="0"/>
-          </a:p>
-        </p:txBody>
-      </p:sp>
-    </p:spTree>
-  </p:cSld>
-  <p:clrMapOvr>
-    <a:masterClrMapping/>
-  </p:clrMapOvr>
-</p:sld>
-</file>
-
-<file path=ppt/slides/slide2.xml><?xml version="1.0" encoding="utf-8"?>
-<p:sld xmlns:a="http://schemas.openxmlformats.org/drawingml/2006/main" xmlns:r="http://schemas.openxmlformats.org/officeDocument/2006/relationships" xmlns:p="http://schemas.openxmlformats.org/presentationml/2006/main">
-  <p:cSld>
-    <p:spTree>
-      <p:nvGrpSpPr>
-        <p:cNvPr id="1" name=""/>
-        <p:cNvGrpSpPr/>
-        <p:nvPr/>
-      </p:nvGrpSpPr>
-      <p:grpSpPr>
-        <a:xfrm>
-          <a:off x="0" y="0"/>
-          <a:ext cx="0" cy="0"/>
-          <a:chOff x="0" y="0"/>
-          <a:chExt cx="0" cy="0"/>
-        </a:xfrm>
-      </p:grpSpPr>
-      <p:sp>
-        <p:nvSpPr>
-          <p:cNvPr id="2" name="標題 1"/>
-          <p:cNvSpPr>
-            <a:spLocks noGrp="1"/>
-          </p:cNvSpPr>
-          <p:nvPr>
-            <p:ph type="title"/>
-          </p:nvPr>
-        </p:nvSpPr>
-        <p:spPr/>
-        <p:txBody>
-          <a:bodyPr>
-            <a:normAutofit/>
-          </a:bodyPr>
-          <a:lstStyle/>
-          <a:p>
-            <a:r>
-              <a:rPr lang="en-US" altLang="zh-TW" dirty="0" smtClean="0"/>
-              <a:t>OUTLINES</a:t>
-            </a:r>
-            <a:endParaRPr lang="zh-TW" altLang="en-US" dirty="0"/>
-          </a:p>
-        </p:txBody>
-      </p:sp>
-      <p:sp>
-        <p:nvSpPr>
-          <p:cNvPr id="3" name="內容版面配置區 2"/>
-          <p:cNvSpPr>
-            <a:spLocks noGrp="1"/>
-          </p:cNvSpPr>
-          <p:nvPr>
-            <p:ph idx="1"/>
-          </p:nvPr>
-        </p:nvSpPr>
-        <p:spPr/>
-        <p:txBody>
-          <a:bodyPr/>
-          <a:lstStyle/>
-          <a:p>
-            <a:r>
-              <a:rPr lang="en-US" altLang="zh-TW" dirty="0" smtClean="0"/>
-              <a:t>OVERVIEW</a:t>
-            </a:r>
-          </a:p>
-          <a:p>
-            <a:r>
-              <a:rPr lang="en-US" altLang="zh-TW" dirty="0" smtClean="0"/>
-              <a:t>GAME UI</a:t>
-            </a:r>
-          </a:p>
-          <a:p>
-            <a:r>
-              <a:rPr lang="en-US" altLang="zh-TW" dirty="0" smtClean="0"/>
-              <a:t>SPECIAL SYSTEM : ENTROPY</a:t>
-            </a:r>
-          </a:p>
-          <a:p>
-            <a:r>
-              <a:rPr lang="en-US" altLang="zh-TW" dirty="0" smtClean="0"/>
-              <a:t>GAME SYSTEM</a:t>
-            </a:r>
-          </a:p>
-          <a:p>
-            <a:r>
-              <a:rPr lang="en-US" altLang="zh-TW" dirty="0" smtClean="0"/>
-              <a:t>WORLD SETTING</a:t>
-            </a:r>
-          </a:p>
-          <a:p>
-            <a:r>
-              <a:rPr lang="en-US" altLang="zh-TW" dirty="0" smtClean="0"/>
-              <a:t>CHARTPER STORIES</a:t>
-            </a:r>
-          </a:p>
-          <a:p>
-            <a:endParaRPr lang="en-US" altLang="zh-TW" dirty="0" smtClean="0"/>
-          </a:p>
-          <a:p>
             <a:endParaRPr lang="zh-TW" altLang="en-US" dirty="0"/>
           </a:p>
         </p:txBody>
@@ -8290,11 +11662,7 @@
             </a:r>
             <a:r>
               <a:rPr lang="zh-TW" altLang="en-US" dirty="0" smtClean="0"/>
-              <a:t>的世界觀在</a:t>
-            </a:r>
-            <a:r>
-              <a:rPr lang="zh-TW" altLang="en-US" dirty="0" smtClean="0"/>
-              <a:t>多種遊戲類型中，以多週目方式體驗不同角色視角劇情故事</a:t>
+              <a:t>的世界觀在多種遊戲類型中，以多週目方式體驗不同角色視角劇情故事</a:t>
             </a:r>
             <a:endParaRPr lang="en-US" altLang="zh-TW" dirty="0" smtClean="0"/>
           </a:p>
@@ -15821,14 +19189,12 @@
         </p:nvSpPr>
         <p:spPr/>
         <p:txBody>
-          <a:bodyPr>
-            <a:normAutofit/>
-          </a:bodyPr>
+          <a:bodyPr/>
           <a:lstStyle/>
           <a:p>
             <a:r>
               <a:rPr lang="en-US" altLang="zh-TW" dirty="0" smtClean="0"/>
-              <a:t>SPECIAL SYSTEM : ENTROPY</a:t>
+              <a:t>GAME UI</a:t>
             </a:r>
             <a:endParaRPr lang="zh-TW" altLang="en-US" dirty="0"/>
           </a:p>
@@ -15851,63 +19217,1994 @@
           <a:p>
             <a:r>
               <a:rPr lang="zh-TW" altLang="en-US" dirty="0" smtClean="0"/>
-              <a:t>不同體系會增加環境的</a:t>
-            </a:r>
-            <a:r>
-              <a:rPr lang="en-US" altLang="zh-TW" dirty="0" smtClean="0"/>
-              <a:t>Entropy</a:t>
-            </a:r>
-            <a:r>
-              <a:rPr lang="zh-TW" altLang="en-US" dirty="0" smtClean="0"/>
-              <a:t>，當環境的</a:t>
-            </a:r>
-            <a:r>
-              <a:rPr lang="en-US" altLang="zh-TW" dirty="0" smtClean="0"/>
-              <a:t>Entropy</a:t>
-            </a:r>
-            <a:r>
-              <a:rPr lang="zh-TW" altLang="en-US" dirty="0" smtClean="0"/>
-              <a:t>越高，不同體系的施展程度越困難</a:t>
-            </a:r>
-            <a:r>
-              <a:rPr lang="en-US" altLang="zh-TW" dirty="0" smtClean="0"/>
-              <a:t>(MP</a:t>
-            </a:r>
-            <a:r>
-              <a:rPr lang="zh-TW" altLang="en-US" dirty="0" smtClean="0"/>
-              <a:t>需求上升</a:t>
-            </a:r>
-            <a:r>
-              <a:rPr lang="en-US" altLang="zh-TW" dirty="0" smtClean="0"/>
-              <a:t>)</a:t>
-            </a:r>
-          </a:p>
-          <a:p>
-            <a:endParaRPr lang="en-US" altLang="zh-TW" dirty="0" smtClean="0"/>
-          </a:p>
-          <a:p>
-            <a:r>
-              <a:rPr lang="zh-TW" altLang="en-US" dirty="0" smtClean="0"/>
-              <a:t>裝備有多重素質</a:t>
-            </a:r>
-            <a:r>
-              <a:rPr lang="en-US" altLang="zh-TW" dirty="0" smtClean="0"/>
-              <a:t>(prefix, suffix)</a:t>
-            </a:r>
-            <a:r>
-              <a:rPr lang="zh-TW" altLang="en-US" dirty="0" smtClean="0"/>
-              <a:t>，當多重技術的的素質共存會降低效果，在多特性但效果少還是單一特性效果的裝備中做出取捨</a:t>
-            </a:r>
-            <a:endParaRPr lang="en-US" altLang="zh-TW" dirty="0" smtClean="0"/>
-          </a:p>
-          <a:p>
-            <a:endParaRPr lang="en-US" altLang="zh-TW" dirty="0" smtClean="0"/>
-          </a:p>
-          <a:p>
-            <a:endParaRPr lang="en-US" altLang="zh-TW" dirty="0" smtClean="0"/>
-          </a:p>
-        </p:txBody>
-      </p:sp>
+              <a:t>完整版屬性介面</a:t>
+            </a:r>
+            <a:endParaRPr lang="zh-TW" altLang="en-US" dirty="0"/>
+          </a:p>
+        </p:txBody>
+      </p:sp>
+      <p:sp>
+        <p:nvSpPr>
+          <p:cNvPr id="4" name="圓角矩形 3"/>
+          <p:cNvSpPr/>
+          <p:nvPr/>
+        </p:nvSpPr>
+        <p:spPr>
+          <a:xfrm>
+            <a:off x="1357290" y="1643056"/>
+            <a:ext cx="6215106" cy="3071834"/>
+          </a:xfrm>
+          <a:prstGeom prst="roundRect">
+            <a:avLst>
+              <a:gd name="adj" fmla="val 11558"/>
+            </a:avLst>
+          </a:prstGeom>
+          <a:solidFill>
+            <a:srgbClr val="321900"/>
+          </a:solidFill>
+          <a:ln>
+            <a:noFill/>
+          </a:ln>
+        </p:spPr>
+        <p:style>
+          <a:lnRef idx="2">
+            <a:schemeClr val="accent1">
+              <a:shade val="50000"/>
+            </a:schemeClr>
+          </a:lnRef>
+          <a:fillRef idx="1">
+            <a:schemeClr val="accent1"/>
+          </a:fillRef>
+          <a:effectRef idx="0">
+            <a:schemeClr val="accent1"/>
+          </a:effectRef>
+          <a:fontRef idx="minor">
+            <a:schemeClr val="lt1"/>
+          </a:fontRef>
+        </p:style>
+        <p:txBody>
+          <a:bodyPr rtlCol="0" anchor="ctr"/>
+          <a:lstStyle/>
+          <a:p>
+            <a:pPr algn="ctr"/>
+            <a:endParaRPr lang="zh-TW" altLang="en-US" sz="2000">
+              <a:latin typeface="+mj-ea"/>
+              <a:ea typeface="+mj-ea"/>
+            </a:endParaRPr>
+          </a:p>
+        </p:txBody>
+      </p:sp>
+      <p:pic>
+        <p:nvPicPr>
+          <p:cNvPr id="5" name="Picture 2"/>
+          <p:cNvPicPr>
+            <a:picLocks noChangeAspect="1" noChangeArrowheads="1"/>
+          </p:cNvPicPr>
+          <p:nvPr/>
+        </p:nvPicPr>
+        <p:blipFill>
+          <a:blip r:embed="rId2"/>
+          <a:srcRect/>
+          <a:stretch>
+            <a:fillRect/>
+          </a:stretch>
+        </p:blipFill>
+        <p:spPr bwMode="auto">
+          <a:xfrm>
+            <a:off x="1571604" y="1785932"/>
+            <a:ext cx="1643074" cy="1643074"/>
+          </a:xfrm>
+          <a:prstGeom prst="rect">
+            <a:avLst/>
+          </a:prstGeom>
+          <a:solidFill>
+            <a:srgbClr val="FFC000"/>
+          </a:solidFill>
+          <a:ln w="9525">
+            <a:noFill/>
+            <a:miter lim="800000"/>
+            <a:headEnd/>
+            <a:tailEnd/>
+          </a:ln>
+          <a:effectLst/>
+        </p:spPr>
+      </p:pic>
+      <p:grpSp>
+        <p:nvGrpSpPr>
+          <p:cNvPr id="6" name="群組 5"/>
+          <p:cNvGrpSpPr/>
+          <p:nvPr/>
+        </p:nvGrpSpPr>
+        <p:grpSpPr>
+          <a:xfrm>
+            <a:off x="1961611" y="3500444"/>
+            <a:ext cx="824439" cy="714380"/>
+            <a:chOff x="747694" y="4738686"/>
+            <a:chExt cx="1236658" cy="1071570"/>
+          </a:xfrm>
+        </p:grpSpPr>
+        <p:pic>
+          <p:nvPicPr>
+            <p:cNvPr id="7" name="Picture 8"/>
+            <p:cNvPicPr>
+              <a:picLocks noChangeAspect="1" noChangeArrowheads="1"/>
+            </p:cNvPicPr>
+            <p:nvPr/>
+          </p:nvPicPr>
+          <p:blipFill>
+            <a:blip r:embed="rId3"/>
+            <a:srcRect/>
+            <a:stretch>
+              <a:fillRect/>
+            </a:stretch>
+          </p:blipFill>
+          <p:spPr bwMode="auto">
+            <a:xfrm flipH="1">
+              <a:off x="747694" y="4738686"/>
+              <a:ext cx="1236658" cy="1071570"/>
+            </a:xfrm>
+            <a:prstGeom prst="rect">
+              <a:avLst/>
+            </a:prstGeom>
+            <a:noFill/>
+            <a:ln w="9525">
+              <a:noFill/>
+              <a:miter lim="800000"/>
+              <a:headEnd/>
+              <a:tailEnd/>
+            </a:ln>
+            <a:effectLst/>
+          </p:spPr>
+        </p:pic>
+        <p:sp>
+          <p:nvSpPr>
+            <p:cNvPr id="8" name="橢圓 7"/>
+            <p:cNvSpPr/>
+            <p:nvPr/>
+          </p:nvSpPr>
+          <p:spPr>
+            <a:xfrm>
+              <a:off x="1211198" y="5024438"/>
+              <a:ext cx="108000" cy="108000"/>
+            </a:xfrm>
+            <a:prstGeom prst="ellipse">
+              <a:avLst/>
+            </a:prstGeom>
+            <a:solidFill>
+              <a:schemeClr val="tx1"/>
+            </a:solidFill>
+            <a:ln w="12700">
+              <a:solidFill>
+                <a:schemeClr val="bg1"/>
+              </a:solidFill>
+            </a:ln>
+          </p:spPr>
+          <p:style>
+            <a:lnRef idx="2">
+              <a:schemeClr val="accent1">
+                <a:shade val="50000"/>
+              </a:schemeClr>
+            </a:lnRef>
+            <a:fillRef idx="1">
+              <a:schemeClr val="accent1"/>
+            </a:fillRef>
+            <a:effectRef idx="0">
+              <a:schemeClr val="accent1"/>
+            </a:effectRef>
+            <a:fontRef idx="minor">
+              <a:schemeClr val="lt1"/>
+            </a:fontRef>
+          </p:style>
+          <p:txBody>
+            <a:bodyPr rtlCol="0" anchor="ctr"/>
+            <a:lstStyle/>
+            <a:p>
+              <a:pPr algn="ctr"/>
+              <a:endParaRPr lang="zh-TW" altLang="en-US" sz="2000">
+                <a:latin typeface="+mj-ea"/>
+                <a:ea typeface="+mj-ea"/>
+              </a:endParaRPr>
+            </a:p>
+          </p:txBody>
+        </p:sp>
+      </p:grpSp>
+      <p:grpSp>
+        <p:nvGrpSpPr>
+          <p:cNvPr id="9" name="群組 8"/>
+          <p:cNvGrpSpPr/>
+          <p:nvPr/>
+        </p:nvGrpSpPr>
+        <p:grpSpPr>
+          <a:xfrm>
+            <a:off x="3214678" y="3571882"/>
+            <a:ext cx="1357322" cy="500066"/>
+            <a:chOff x="2285992" y="4667248"/>
+            <a:chExt cx="1357322" cy="500066"/>
+          </a:xfrm>
+        </p:grpSpPr>
+        <p:sp>
+          <p:nvSpPr>
+            <p:cNvPr id="10" name="矩形 9"/>
+            <p:cNvSpPr/>
+            <p:nvPr/>
+          </p:nvSpPr>
+          <p:spPr>
+            <a:xfrm>
+              <a:off x="2285992" y="4738686"/>
+              <a:ext cx="697627" cy="400110"/>
+            </a:xfrm>
+            <a:prstGeom prst="rect">
+              <a:avLst/>
+            </a:prstGeom>
+          </p:spPr>
+          <p:txBody>
+            <a:bodyPr wrap="none">
+              <a:spAutoFit/>
+            </a:bodyPr>
+            <a:lstStyle/>
+            <a:p>
+              <a:pPr algn="ctr">
+                <a:defRPr/>
+              </a:pPr>
+              <a:r>
+                <a:rPr lang="zh-TW" altLang="en-US" sz="2000" b="1" dirty="0" smtClean="0">
+                  <a:solidFill>
+                    <a:srgbClr val="C00000"/>
+                  </a:solidFill>
+                  <a:latin typeface="+mj-ea"/>
+                  <a:ea typeface="+mj-ea"/>
+                </a:rPr>
+                <a:t>體質</a:t>
+              </a:r>
+              <a:endParaRPr lang="zh-TW" altLang="en-US" sz="2000" b="1" dirty="0">
+                <a:solidFill>
+                  <a:srgbClr val="C00000"/>
+                </a:solidFill>
+                <a:latin typeface="+mj-ea"/>
+                <a:ea typeface="+mj-ea"/>
+              </a:endParaRPr>
+            </a:p>
+          </p:txBody>
+        </p:sp>
+        <p:sp>
+          <p:nvSpPr>
+            <p:cNvPr id="11" name="橢圓 10"/>
+            <p:cNvSpPr/>
+            <p:nvPr/>
+          </p:nvSpPr>
+          <p:spPr>
+            <a:xfrm>
+              <a:off x="2932323" y="4667248"/>
+              <a:ext cx="710991" cy="500066"/>
+            </a:xfrm>
+            <a:prstGeom prst="ellipse">
+              <a:avLst/>
+            </a:prstGeom>
+            <a:solidFill>
+              <a:schemeClr val="bg1"/>
+            </a:solidFill>
+            <a:ln>
+              <a:noFill/>
+            </a:ln>
+          </p:spPr>
+          <p:style>
+            <a:lnRef idx="2">
+              <a:schemeClr val="accent1">
+                <a:shade val="50000"/>
+              </a:schemeClr>
+            </a:lnRef>
+            <a:fillRef idx="1">
+              <a:schemeClr val="accent1"/>
+            </a:fillRef>
+            <a:effectRef idx="0">
+              <a:schemeClr val="accent1"/>
+            </a:effectRef>
+            <a:fontRef idx="minor">
+              <a:schemeClr val="lt1"/>
+            </a:fontRef>
+          </p:style>
+          <p:txBody>
+            <a:bodyPr rtlCol="0" anchor="ctr"/>
+            <a:lstStyle/>
+            <a:p>
+              <a:pPr algn="ctr"/>
+              <a:endParaRPr lang="zh-TW" altLang="en-US" sz="2000">
+                <a:latin typeface="+mj-ea"/>
+                <a:ea typeface="+mj-ea"/>
+              </a:endParaRPr>
+            </a:p>
+          </p:txBody>
+        </p:sp>
+        <p:sp>
+          <p:nvSpPr>
+            <p:cNvPr id="12" name="矩形 11"/>
+            <p:cNvSpPr/>
+            <p:nvPr/>
+          </p:nvSpPr>
+          <p:spPr>
+            <a:xfrm>
+              <a:off x="2962272" y="4738686"/>
+              <a:ext cx="646331" cy="400110"/>
+            </a:xfrm>
+            <a:prstGeom prst="rect">
+              <a:avLst/>
+            </a:prstGeom>
+          </p:spPr>
+          <p:txBody>
+            <a:bodyPr wrap="square">
+              <a:spAutoFit/>
+            </a:bodyPr>
+            <a:lstStyle/>
+            <a:p>
+              <a:pPr algn="ctr">
+                <a:defRPr/>
+              </a:pPr>
+              <a:r>
+                <a:rPr lang="en-US" altLang="zh-TW" sz="2000" b="1" dirty="0" smtClean="0">
+                  <a:latin typeface="+mj-ea"/>
+                  <a:ea typeface="+mj-ea"/>
+                </a:rPr>
+                <a:t>303</a:t>
+              </a:r>
+              <a:endParaRPr lang="zh-TW" altLang="en-US" sz="2000" b="1" dirty="0">
+                <a:latin typeface="+mj-ea"/>
+                <a:ea typeface="+mj-ea"/>
+              </a:endParaRPr>
+            </a:p>
+          </p:txBody>
+        </p:sp>
+      </p:grpSp>
+      <p:grpSp>
+        <p:nvGrpSpPr>
+          <p:cNvPr id="13" name="群組 12"/>
+          <p:cNvGrpSpPr/>
+          <p:nvPr/>
+        </p:nvGrpSpPr>
+        <p:grpSpPr>
+          <a:xfrm>
+            <a:off x="4572000" y="4071948"/>
+            <a:ext cx="1357322" cy="500066"/>
+            <a:chOff x="2285992" y="4667248"/>
+            <a:chExt cx="1357322" cy="500066"/>
+          </a:xfrm>
+        </p:grpSpPr>
+        <p:sp>
+          <p:nvSpPr>
+            <p:cNvPr id="14" name="矩形 13"/>
+            <p:cNvSpPr/>
+            <p:nvPr/>
+          </p:nvSpPr>
+          <p:spPr>
+            <a:xfrm>
+              <a:off x="2285992" y="4738686"/>
+              <a:ext cx="697627" cy="400110"/>
+            </a:xfrm>
+            <a:prstGeom prst="rect">
+              <a:avLst/>
+            </a:prstGeom>
+          </p:spPr>
+          <p:txBody>
+            <a:bodyPr wrap="none">
+              <a:spAutoFit/>
+            </a:bodyPr>
+            <a:lstStyle/>
+            <a:p>
+              <a:pPr algn="ctr">
+                <a:defRPr/>
+              </a:pPr>
+              <a:r>
+                <a:rPr lang="zh-TW" altLang="en-US" sz="2000" b="1" dirty="0" smtClean="0">
+                  <a:solidFill>
+                    <a:srgbClr val="FFC000"/>
+                  </a:solidFill>
+                  <a:latin typeface="+mj-ea"/>
+                  <a:ea typeface="+mj-ea"/>
+                </a:rPr>
+                <a:t>談吐</a:t>
+              </a:r>
+              <a:endParaRPr lang="zh-TW" altLang="en-US" sz="2000" b="1" dirty="0">
+                <a:solidFill>
+                  <a:srgbClr val="00B050"/>
+                </a:solidFill>
+                <a:latin typeface="+mj-ea"/>
+                <a:ea typeface="+mj-ea"/>
+              </a:endParaRPr>
+            </a:p>
+          </p:txBody>
+        </p:sp>
+        <p:sp>
+          <p:nvSpPr>
+            <p:cNvPr id="15" name="橢圓 14"/>
+            <p:cNvSpPr/>
+            <p:nvPr/>
+          </p:nvSpPr>
+          <p:spPr>
+            <a:xfrm>
+              <a:off x="2932323" y="4667248"/>
+              <a:ext cx="710991" cy="500066"/>
+            </a:xfrm>
+            <a:prstGeom prst="ellipse">
+              <a:avLst/>
+            </a:prstGeom>
+            <a:solidFill>
+              <a:schemeClr val="bg1"/>
+            </a:solidFill>
+            <a:ln>
+              <a:noFill/>
+            </a:ln>
+          </p:spPr>
+          <p:style>
+            <a:lnRef idx="2">
+              <a:schemeClr val="accent1">
+                <a:shade val="50000"/>
+              </a:schemeClr>
+            </a:lnRef>
+            <a:fillRef idx="1">
+              <a:schemeClr val="accent1"/>
+            </a:fillRef>
+            <a:effectRef idx="0">
+              <a:schemeClr val="accent1"/>
+            </a:effectRef>
+            <a:fontRef idx="minor">
+              <a:schemeClr val="lt1"/>
+            </a:fontRef>
+          </p:style>
+          <p:txBody>
+            <a:bodyPr rtlCol="0" anchor="ctr"/>
+            <a:lstStyle/>
+            <a:p>
+              <a:pPr algn="ctr"/>
+              <a:endParaRPr lang="zh-TW" altLang="en-US" sz="2000">
+                <a:latin typeface="+mj-ea"/>
+                <a:ea typeface="+mj-ea"/>
+              </a:endParaRPr>
+            </a:p>
+          </p:txBody>
+        </p:sp>
+        <p:sp>
+          <p:nvSpPr>
+            <p:cNvPr id="16" name="矩形 15"/>
+            <p:cNvSpPr/>
+            <p:nvPr/>
+          </p:nvSpPr>
+          <p:spPr>
+            <a:xfrm>
+              <a:off x="2962272" y="4738686"/>
+              <a:ext cx="646331" cy="400110"/>
+            </a:xfrm>
+            <a:prstGeom prst="rect">
+              <a:avLst/>
+            </a:prstGeom>
+          </p:spPr>
+          <p:txBody>
+            <a:bodyPr wrap="square">
+              <a:spAutoFit/>
+            </a:bodyPr>
+            <a:lstStyle/>
+            <a:p>
+              <a:pPr algn="ctr">
+                <a:defRPr/>
+              </a:pPr>
+              <a:r>
+                <a:rPr lang="en-US" altLang="zh-TW" sz="2000" b="1" dirty="0" smtClean="0">
+                  <a:latin typeface="+mj-ea"/>
+                  <a:ea typeface="+mj-ea"/>
+                </a:rPr>
+                <a:t>100</a:t>
+              </a:r>
+              <a:endParaRPr lang="zh-TW" altLang="en-US" sz="2000" b="1" dirty="0">
+                <a:latin typeface="+mj-ea"/>
+                <a:ea typeface="+mj-ea"/>
+              </a:endParaRPr>
+            </a:p>
+          </p:txBody>
+        </p:sp>
+      </p:grpSp>
+      <p:grpSp>
+        <p:nvGrpSpPr>
+          <p:cNvPr id="17" name="群組 16"/>
+          <p:cNvGrpSpPr/>
+          <p:nvPr/>
+        </p:nvGrpSpPr>
+        <p:grpSpPr>
+          <a:xfrm>
+            <a:off x="4572000" y="3571882"/>
+            <a:ext cx="1357322" cy="500066"/>
+            <a:chOff x="2285992" y="4667248"/>
+            <a:chExt cx="1357322" cy="500066"/>
+          </a:xfrm>
+        </p:grpSpPr>
+        <p:sp>
+          <p:nvSpPr>
+            <p:cNvPr id="18" name="矩形 17"/>
+            <p:cNvSpPr/>
+            <p:nvPr/>
+          </p:nvSpPr>
+          <p:spPr>
+            <a:xfrm>
+              <a:off x="2285992" y="4738686"/>
+              <a:ext cx="697627" cy="400110"/>
+            </a:xfrm>
+            <a:prstGeom prst="rect">
+              <a:avLst/>
+            </a:prstGeom>
+          </p:spPr>
+          <p:txBody>
+            <a:bodyPr wrap="none">
+              <a:spAutoFit/>
+            </a:bodyPr>
+            <a:lstStyle/>
+            <a:p>
+              <a:pPr algn="ctr">
+                <a:defRPr/>
+              </a:pPr>
+              <a:r>
+                <a:rPr lang="zh-TW" altLang="en-US" sz="2000" b="1" dirty="0" smtClean="0">
+                  <a:solidFill>
+                    <a:srgbClr val="00B0F0"/>
+                  </a:solidFill>
+                  <a:latin typeface="+mj-ea"/>
+                  <a:ea typeface="+mj-ea"/>
+                </a:rPr>
+                <a:t>感知</a:t>
+              </a:r>
+              <a:endParaRPr lang="zh-TW" altLang="en-US" sz="2000" b="1" dirty="0">
+                <a:solidFill>
+                  <a:srgbClr val="00B0F0"/>
+                </a:solidFill>
+                <a:latin typeface="+mj-ea"/>
+                <a:ea typeface="+mj-ea"/>
+              </a:endParaRPr>
+            </a:p>
+          </p:txBody>
+        </p:sp>
+        <p:sp>
+          <p:nvSpPr>
+            <p:cNvPr id="19" name="橢圓 18"/>
+            <p:cNvSpPr/>
+            <p:nvPr/>
+          </p:nvSpPr>
+          <p:spPr>
+            <a:xfrm>
+              <a:off x="2932323" y="4667248"/>
+              <a:ext cx="710991" cy="500066"/>
+            </a:xfrm>
+            <a:prstGeom prst="ellipse">
+              <a:avLst/>
+            </a:prstGeom>
+            <a:solidFill>
+              <a:schemeClr val="bg1"/>
+            </a:solidFill>
+            <a:ln>
+              <a:noFill/>
+            </a:ln>
+          </p:spPr>
+          <p:style>
+            <a:lnRef idx="2">
+              <a:schemeClr val="accent1">
+                <a:shade val="50000"/>
+              </a:schemeClr>
+            </a:lnRef>
+            <a:fillRef idx="1">
+              <a:schemeClr val="accent1"/>
+            </a:fillRef>
+            <a:effectRef idx="0">
+              <a:schemeClr val="accent1"/>
+            </a:effectRef>
+            <a:fontRef idx="minor">
+              <a:schemeClr val="lt1"/>
+            </a:fontRef>
+          </p:style>
+          <p:txBody>
+            <a:bodyPr rtlCol="0" anchor="ctr"/>
+            <a:lstStyle/>
+            <a:p>
+              <a:pPr algn="ctr"/>
+              <a:endParaRPr lang="zh-TW" altLang="en-US" sz="2000">
+                <a:latin typeface="+mj-ea"/>
+                <a:ea typeface="+mj-ea"/>
+              </a:endParaRPr>
+            </a:p>
+          </p:txBody>
+        </p:sp>
+        <p:sp>
+          <p:nvSpPr>
+            <p:cNvPr id="20" name="矩形 19"/>
+            <p:cNvSpPr/>
+            <p:nvPr/>
+          </p:nvSpPr>
+          <p:spPr>
+            <a:xfrm>
+              <a:off x="2928934" y="4738686"/>
+              <a:ext cx="646331" cy="400110"/>
+            </a:xfrm>
+            <a:prstGeom prst="rect">
+              <a:avLst/>
+            </a:prstGeom>
+          </p:spPr>
+          <p:txBody>
+            <a:bodyPr wrap="square">
+              <a:spAutoFit/>
+            </a:bodyPr>
+            <a:lstStyle/>
+            <a:p>
+              <a:pPr algn="ctr">
+                <a:defRPr/>
+              </a:pPr>
+              <a:r>
+                <a:rPr lang="en-US" altLang="zh-TW" sz="2000" b="1" dirty="0" smtClean="0">
+                  <a:latin typeface="+mj-ea"/>
+                  <a:ea typeface="+mj-ea"/>
+                </a:rPr>
+                <a:t>224</a:t>
+              </a:r>
+              <a:endParaRPr lang="zh-TW" altLang="en-US" sz="2000" b="1" dirty="0">
+                <a:latin typeface="+mj-ea"/>
+                <a:ea typeface="+mj-ea"/>
+              </a:endParaRPr>
+            </a:p>
+          </p:txBody>
+        </p:sp>
+      </p:grpSp>
+      <p:grpSp>
+        <p:nvGrpSpPr>
+          <p:cNvPr id="21" name="群組 20"/>
+          <p:cNvGrpSpPr/>
+          <p:nvPr/>
+        </p:nvGrpSpPr>
+        <p:grpSpPr>
+          <a:xfrm>
+            <a:off x="3214678" y="4071948"/>
+            <a:ext cx="1357322" cy="500066"/>
+            <a:chOff x="2285992" y="4667248"/>
+            <a:chExt cx="1357322" cy="500066"/>
+          </a:xfrm>
+        </p:grpSpPr>
+        <p:sp>
+          <p:nvSpPr>
+            <p:cNvPr id="22" name="矩形 21"/>
+            <p:cNvSpPr/>
+            <p:nvPr/>
+          </p:nvSpPr>
+          <p:spPr>
+            <a:xfrm>
+              <a:off x="2285992" y="4738686"/>
+              <a:ext cx="697627" cy="400110"/>
+            </a:xfrm>
+            <a:prstGeom prst="rect">
+              <a:avLst/>
+            </a:prstGeom>
+          </p:spPr>
+          <p:txBody>
+            <a:bodyPr wrap="none">
+              <a:spAutoFit/>
+            </a:bodyPr>
+            <a:lstStyle/>
+            <a:p>
+              <a:pPr algn="ctr">
+                <a:defRPr/>
+              </a:pPr>
+              <a:r>
+                <a:rPr lang="zh-TW" altLang="en-US" sz="2000" b="1" dirty="0" smtClean="0">
+                  <a:solidFill>
+                    <a:srgbClr val="00B050"/>
+                  </a:solidFill>
+                  <a:latin typeface="+mj-ea"/>
+                  <a:ea typeface="+mj-ea"/>
+                </a:rPr>
+                <a:t>毅力</a:t>
+              </a:r>
+              <a:endParaRPr lang="zh-TW" altLang="en-US" sz="2000" b="1" dirty="0">
+                <a:solidFill>
+                  <a:srgbClr val="00B050"/>
+                </a:solidFill>
+                <a:latin typeface="+mj-ea"/>
+                <a:ea typeface="+mj-ea"/>
+              </a:endParaRPr>
+            </a:p>
+          </p:txBody>
+        </p:sp>
+        <p:sp>
+          <p:nvSpPr>
+            <p:cNvPr id="23" name="橢圓 22"/>
+            <p:cNvSpPr/>
+            <p:nvPr/>
+          </p:nvSpPr>
+          <p:spPr>
+            <a:xfrm>
+              <a:off x="2932323" y="4667248"/>
+              <a:ext cx="710991" cy="500066"/>
+            </a:xfrm>
+            <a:prstGeom prst="ellipse">
+              <a:avLst/>
+            </a:prstGeom>
+            <a:solidFill>
+              <a:schemeClr val="bg1"/>
+            </a:solidFill>
+            <a:ln>
+              <a:noFill/>
+            </a:ln>
+          </p:spPr>
+          <p:style>
+            <a:lnRef idx="2">
+              <a:schemeClr val="accent1">
+                <a:shade val="50000"/>
+              </a:schemeClr>
+            </a:lnRef>
+            <a:fillRef idx="1">
+              <a:schemeClr val="accent1"/>
+            </a:fillRef>
+            <a:effectRef idx="0">
+              <a:schemeClr val="accent1"/>
+            </a:effectRef>
+            <a:fontRef idx="minor">
+              <a:schemeClr val="lt1"/>
+            </a:fontRef>
+          </p:style>
+          <p:txBody>
+            <a:bodyPr rtlCol="0" anchor="ctr"/>
+            <a:lstStyle/>
+            <a:p>
+              <a:pPr algn="ctr"/>
+              <a:endParaRPr lang="zh-TW" altLang="en-US" sz="2000">
+                <a:latin typeface="+mj-ea"/>
+                <a:ea typeface="+mj-ea"/>
+              </a:endParaRPr>
+            </a:p>
+          </p:txBody>
+        </p:sp>
+        <p:sp>
+          <p:nvSpPr>
+            <p:cNvPr id="24" name="矩形 23"/>
+            <p:cNvSpPr/>
+            <p:nvPr/>
+          </p:nvSpPr>
+          <p:spPr>
+            <a:xfrm>
+              <a:off x="2962272" y="4738686"/>
+              <a:ext cx="646331" cy="400110"/>
+            </a:xfrm>
+            <a:prstGeom prst="rect">
+              <a:avLst/>
+            </a:prstGeom>
+          </p:spPr>
+          <p:txBody>
+            <a:bodyPr wrap="square">
+              <a:spAutoFit/>
+            </a:bodyPr>
+            <a:lstStyle/>
+            <a:p>
+              <a:pPr algn="ctr">
+                <a:defRPr/>
+              </a:pPr>
+              <a:r>
+                <a:rPr lang="en-US" altLang="zh-TW" sz="2000" b="1" dirty="0" smtClean="0">
+                  <a:latin typeface="+mj-ea"/>
+                  <a:ea typeface="+mj-ea"/>
+                </a:rPr>
+                <a:t>180</a:t>
+              </a:r>
+              <a:endParaRPr lang="zh-TW" altLang="en-US" sz="2000" b="1" dirty="0">
+                <a:latin typeface="+mj-ea"/>
+                <a:ea typeface="+mj-ea"/>
+              </a:endParaRPr>
+            </a:p>
+          </p:txBody>
+        </p:sp>
+      </p:grpSp>
+      <p:grpSp>
+        <p:nvGrpSpPr>
+          <p:cNvPr id="25" name="群組 24"/>
+          <p:cNvGrpSpPr/>
+          <p:nvPr/>
+        </p:nvGrpSpPr>
+        <p:grpSpPr>
+          <a:xfrm>
+            <a:off x="1500166" y="4243342"/>
+            <a:ext cx="1714512" cy="400110"/>
+            <a:chOff x="681018" y="6167446"/>
+            <a:chExt cx="1714512" cy="400110"/>
+          </a:xfrm>
+        </p:grpSpPr>
+        <p:sp>
+          <p:nvSpPr>
+            <p:cNvPr id="26" name="圓角矩形 25"/>
+            <p:cNvSpPr/>
+            <p:nvPr/>
+          </p:nvSpPr>
+          <p:spPr>
+            <a:xfrm>
+              <a:off x="785794" y="6167446"/>
+              <a:ext cx="1500198" cy="357190"/>
+            </a:xfrm>
+            <a:prstGeom prst="roundRect">
+              <a:avLst/>
+            </a:prstGeom>
+            <a:solidFill>
+              <a:schemeClr val="bg1"/>
+            </a:solidFill>
+            <a:ln>
+              <a:noFill/>
+            </a:ln>
+          </p:spPr>
+          <p:style>
+            <a:lnRef idx="2">
+              <a:schemeClr val="accent1">
+                <a:shade val="50000"/>
+              </a:schemeClr>
+            </a:lnRef>
+            <a:fillRef idx="1">
+              <a:schemeClr val="accent1"/>
+            </a:fillRef>
+            <a:effectRef idx="0">
+              <a:schemeClr val="accent1"/>
+            </a:effectRef>
+            <a:fontRef idx="minor">
+              <a:schemeClr val="lt1"/>
+            </a:fontRef>
+          </p:style>
+          <p:txBody>
+            <a:bodyPr rtlCol="0" anchor="ctr"/>
+            <a:lstStyle/>
+            <a:p>
+              <a:pPr algn="ctr"/>
+              <a:endParaRPr lang="zh-TW" altLang="en-US" sz="2000">
+                <a:latin typeface="+mj-ea"/>
+                <a:ea typeface="+mj-ea"/>
+              </a:endParaRPr>
+            </a:p>
+          </p:txBody>
+        </p:sp>
+        <p:sp>
+          <p:nvSpPr>
+            <p:cNvPr id="27" name="矩形 26"/>
+            <p:cNvSpPr/>
+            <p:nvPr/>
+          </p:nvSpPr>
+          <p:spPr>
+            <a:xfrm>
+              <a:off x="681018" y="6167446"/>
+              <a:ext cx="1714512" cy="400110"/>
+            </a:xfrm>
+            <a:prstGeom prst="rect">
+              <a:avLst/>
+            </a:prstGeom>
+          </p:spPr>
+          <p:txBody>
+            <a:bodyPr wrap="square">
+              <a:spAutoFit/>
+            </a:bodyPr>
+            <a:lstStyle/>
+            <a:p>
+              <a:pPr algn="ctr">
+                <a:defRPr/>
+              </a:pPr>
+              <a:r>
+                <a:rPr lang="en-US" altLang="zh-TW" sz="2000" b="1" dirty="0" smtClean="0">
+                  <a:solidFill>
+                    <a:srgbClr val="00B0F0"/>
+                  </a:solidFill>
+                  <a:latin typeface="+mj-ea"/>
+                  <a:ea typeface="+mj-ea"/>
+                </a:rPr>
+                <a:t>0.3</a:t>
+              </a:r>
+              <a:r>
+                <a:rPr lang="en-US" altLang="zh-TW" sz="2000" b="1" dirty="0" smtClean="0">
+                  <a:latin typeface="+mj-ea"/>
+                  <a:ea typeface="+mj-ea"/>
+                </a:rPr>
+                <a:t>  </a:t>
+              </a:r>
+              <a:r>
+                <a:rPr lang="en-US" altLang="zh-TW" sz="2000" b="1" dirty="0" smtClean="0">
+                  <a:solidFill>
+                    <a:srgbClr val="FF99FF"/>
+                  </a:solidFill>
+                  <a:latin typeface="+mj-ea"/>
+                  <a:ea typeface="+mj-ea"/>
+                </a:rPr>
+                <a:t>0.6</a:t>
+              </a:r>
+              <a:r>
+                <a:rPr lang="en-US" altLang="zh-TW" sz="2000" b="1" dirty="0" smtClean="0">
+                  <a:latin typeface="+mj-ea"/>
+                  <a:ea typeface="+mj-ea"/>
+                </a:rPr>
+                <a:t>  </a:t>
+              </a:r>
+              <a:r>
+                <a:rPr lang="en-US" altLang="zh-TW" sz="2000" b="1" dirty="0" smtClean="0">
+                  <a:solidFill>
+                    <a:srgbClr val="92D050"/>
+                  </a:solidFill>
+                  <a:latin typeface="+mj-ea"/>
+                  <a:ea typeface="+mj-ea"/>
+                </a:rPr>
+                <a:t>0.1</a:t>
+              </a:r>
+              <a:endParaRPr lang="zh-TW" altLang="en-US" sz="2000" b="1" dirty="0">
+                <a:solidFill>
+                  <a:srgbClr val="92D050"/>
+                </a:solidFill>
+                <a:latin typeface="+mj-ea"/>
+                <a:ea typeface="+mj-ea"/>
+              </a:endParaRPr>
+            </a:p>
+          </p:txBody>
+        </p:sp>
+      </p:grpSp>
+      <p:sp>
+        <p:nvSpPr>
+          <p:cNvPr id="28" name="圓角矩形 27"/>
+          <p:cNvSpPr/>
+          <p:nvPr/>
+        </p:nvSpPr>
+        <p:spPr>
+          <a:xfrm>
+            <a:off x="3286116" y="3071816"/>
+            <a:ext cx="2214578" cy="357190"/>
+          </a:xfrm>
+          <a:prstGeom prst="roundRect">
+            <a:avLst/>
+          </a:prstGeom>
+          <a:solidFill>
+            <a:schemeClr val="tx1"/>
+          </a:solidFill>
+          <a:ln>
+            <a:noFill/>
+          </a:ln>
+        </p:spPr>
+        <p:style>
+          <a:lnRef idx="2">
+            <a:schemeClr val="accent1">
+              <a:shade val="50000"/>
+            </a:schemeClr>
+          </a:lnRef>
+          <a:fillRef idx="1">
+            <a:schemeClr val="accent1"/>
+          </a:fillRef>
+          <a:effectRef idx="0">
+            <a:schemeClr val="accent1"/>
+          </a:effectRef>
+          <a:fontRef idx="minor">
+            <a:schemeClr val="lt1"/>
+          </a:fontRef>
+        </p:style>
+        <p:txBody>
+          <a:bodyPr rtlCol="0" anchor="ctr"/>
+          <a:lstStyle/>
+          <a:p>
+            <a:pPr algn="ctr"/>
+            <a:endParaRPr lang="zh-TW" altLang="en-US" sz="2000">
+              <a:solidFill>
+                <a:schemeClr val="bg1"/>
+              </a:solidFill>
+              <a:latin typeface="+mj-ea"/>
+              <a:ea typeface="+mj-ea"/>
+            </a:endParaRPr>
+          </a:p>
+        </p:txBody>
+      </p:sp>
+      <p:sp>
+        <p:nvSpPr>
+          <p:cNvPr id="29" name="圓角矩形 28"/>
+          <p:cNvSpPr/>
+          <p:nvPr/>
+        </p:nvSpPr>
+        <p:spPr>
+          <a:xfrm>
+            <a:off x="3286116" y="2214560"/>
+            <a:ext cx="2214578" cy="357190"/>
+          </a:xfrm>
+          <a:prstGeom prst="roundRect">
+            <a:avLst/>
+          </a:prstGeom>
+          <a:solidFill>
+            <a:schemeClr val="tx1"/>
+          </a:solidFill>
+          <a:ln>
+            <a:noFill/>
+          </a:ln>
+        </p:spPr>
+        <p:style>
+          <a:lnRef idx="2">
+            <a:schemeClr val="accent1">
+              <a:shade val="50000"/>
+            </a:schemeClr>
+          </a:lnRef>
+          <a:fillRef idx="1">
+            <a:schemeClr val="accent1"/>
+          </a:fillRef>
+          <a:effectRef idx="0">
+            <a:schemeClr val="accent1"/>
+          </a:effectRef>
+          <a:fontRef idx="minor">
+            <a:schemeClr val="lt1"/>
+          </a:fontRef>
+        </p:style>
+        <p:txBody>
+          <a:bodyPr rtlCol="0" anchor="ctr"/>
+          <a:lstStyle/>
+          <a:p>
+            <a:pPr algn="ctr"/>
+            <a:endParaRPr lang="zh-TW" altLang="en-US" sz="2000">
+              <a:solidFill>
+                <a:schemeClr val="bg1"/>
+              </a:solidFill>
+              <a:latin typeface="+mj-ea"/>
+              <a:ea typeface="+mj-ea"/>
+            </a:endParaRPr>
+          </a:p>
+        </p:txBody>
+      </p:sp>
+      <p:sp>
+        <p:nvSpPr>
+          <p:cNvPr id="30" name="圓角矩形 29"/>
+          <p:cNvSpPr/>
+          <p:nvPr/>
+        </p:nvSpPr>
+        <p:spPr>
+          <a:xfrm>
+            <a:off x="3286116" y="2643188"/>
+            <a:ext cx="2214578" cy="357190"/>
+          </a:xfrm>
+          <a:prstGeom prst="roundRect">
+            <a:avLst/>
+          </a:prstGeom>
+          <a:solidFill>
+            <a:schemeClr val="tx1"/>
+          </a:solidFill>
+          <a:ln>
+            <a:noFill/>
+          </a:ln>
+        </p:spPr>
+        <p:style>
+          <a:lnRef idx="2">
+            <a:schemeClr val="accent1">
+              <a:shade val="50000"/>
+            </a:schemeClr>
+          </a:lnRef>
+          <a:fillRef idx="1">
+            <a:schemeClr val="accent1"/>
+          </a:fillRef>
+          <a:effectRef idx="0">
+            <a:schemeClr val="accent1"/>
+          </a:effectRef>
+          <a:fontRef idx="minor">
+            <a:schemeClr val="lt1"/>
+          </a:fontRef>
+        </p:style>
+        <p:txBody>
+          <a:bodyPr rtlCol="0" anchor="ctr"/>
+          <a:lstStyle/>
+          <a:p>
+            <a:pPr algn="ctr"/>
+            <a:endParaRPr lang="zh-TW" altLang="en-US" sz="2000">
+              <a:solidFill>
+                <a:schemeClr val="bg1"/>
+              </a:solidFill>
+              <a:latin typeface="+mj-ea"/>
+              <a:ea typeface="+mj-ea"/>
+            </a:endParaRPr>
+          </a:p>
+        </p:txBody>
+      </p:sp>
+      <p:sp>
+        <p:nvSpPr>
+          <p:cNvPr id="31" name="圓角矩形 30"/>
+          <p:cNvSpPr/>
+          <p:nvPr/>
+        </p:nvSpPr>
+        <p:spPr>
+          <a:xfrm>
+            <a:off x="3286116" y="2214560"/>
+            <a:ext cx="1456959" cy="357190"/>
+          </a:xfrm>
+          <a:prstGeom prst="roundRect">
+            <a:avLst/>
+          </a:prstGeom>
+          <a:solidFill>
+            <a:srgbClr val="FF0000"/>
+          </a:solidFill>
+          <a:ln>
+            <a:noFill/>
+          </a:ln>
+        </p:spPr>
+        <p:style>
+          <a:lnRef idx="2">
+            <a:schemeClr val="accent1">
+              <a:shade val="50000"/>
+            </a:schemeClr>
+          </a:lnRef>
+          <a:fillRef idx="1">
+            <a:schemeClr val="accent1"/>
+          </a:fillRef>
+          <a:effectRef idx="0">
+            <a:schemeClr val="accent1"/>
+          </a:effectRef>
+          <a:fontRef idx="minor">
+            <a:schemeClr val="lt1"/>
+          </a:fontRef>
+        </p:style>
+        <p:txBody>
+          <a:bodyPr rtlCol="0" anchor="ctr"/>
+          <a:lstStyle/>
+          <a:p>
+            <a:pPr algn="ctr"/>
+            <a:endParaRPr lang="zh-TW" altLang="en-US" sz="2000">
+              <a:solidFill>
+                <a:schemeClr val="bg1"/>
+              </a:solidFill>
+              <a:latin typeface="+mj-ea"/>
+              <a:ea typeface="+mj-ea"/>
+            </a:endParaRPr>
+          </a:p>
+        </p:txBody>
+      </p:sp>
+      <p:sp>
+        <p:nvSpPr>
+          <p:cNvPr id="32" name="圓角矩形 31"/>
+          <p:cNvSpPr/>
+          <p:nvPr/>
+        </p:nvSpPr>
+        <p:spPr>
+          <a:xfrm>
+            <a:off x="3286116" y="2643188"/>
+            <a:ext cx="1714512" cy="357190"/>
+          </a:xfrm>
+          <a:prstGeom prst="roundRect">
+            <a:avLst/>
+          </a:prstGeom>
+          <a:solidFill>
+            <a:srgbClr val="0070C0"/>
+          </a:solidFill>
+          <a:ln>
+            <a:noFill/>
+          </a:ln>
+        </p:spPr>
+        <p:style>
+          <a:lnRef idx="2">
+            <a:schemeClr val="accent1">
+              <a:shade val="50000"/>
+            </a:schemeClr>
+          </a:lnRef>
+          <a:fillRef idx="1">
+            <a:schemeClr val="accent1"/>
+          </a:fillRef>
+          <a:effectRef idx="0">
+            <a:schemeClr val="accent1"/>
+          </a:effectRef>
+          <a:fontRef idx="minor">
+            <a:schemeClr val="lt1"/>
+          </a:fontRef>
+        </p:style>
+        <p:txBody>
+          <a:bodyPr rtlCol="0" anchor="ctr"/>
+          <a:lstStyle/>
+          <a:p>
+            <a:pPr algn="ctr"/>
+            <a:endParaRPr lang="zh-TW" altLang="en-US" sz="2000">
+              <a:solidFill>
+                <a:schemeClr val="bg1"/>
+              </a:solidFill>
+              <a:latin typeface="+mj-ea"/>
+              <a:ea typeface="+mj-ea"/>
+            </a:endParaRPr>
+          </a:p>
+        </p:txBody>
+      </p:sp>
+      <p:sp>
+        <p:nvSpPr>
+          <p:cNvPr id="33" name="圓角矩形 32"/>
+          <p:cNvSpPr/>
+          <p:nvPr/>
+        </p:nvSpPr>
+        <p:spPr>
+          <a:xfrm>
+            <a:off x="3286116" y="3071816"/>
+            <a:ext cx="407949" cy="357190"/>
+          </a:xfrm>
+          <a:prstGeom prst="roundRect">
+            <a:avLst/>
+          </a:prstGeom>
+          <a:solidFill>
+            <a:srgbClr val="00B050"/>
+          </a:solidFill>
+          <a:ln>
+            <a:noFill/>
+          </a:ln>
+        </p:spPr>
+        <p:style>
+          <a:lnRef idx="2">
+            <a:schemeClr val="accent1">
+              <a:shade val="50000"/>
+            </a:schemeClr>
+          </a:lnRef>
+          <a:fillRef idx="1">
+            <a:schemeClr val="accent1"/>
+          </a:fillRef>
+          <a:effectRef idx="0">
+            <a:schemeClr val="accent1"/>
+          </a:effectRef>
+          <a:fontRef idx="minor">
+            <a:schemeClr val="lt1"/>
+          </a:fontRef>
+        </p:style>
+        <p:txBody>
+          <a:bodyPr rtlCol="0" anchor="ctr"/>
+          <a:lstStyle/>
+          <a:p>
+            <a:pPr algn="ctr"/>
+            <a:endParaRPr lang="zh-TW" altLang="en-US" sz="2000">
+              <a:solidFill>
+                <a:schemeClr val="bg1"/>
+              </a:solidFill>
+              <a:latin typeface="+mj-ea"/>
+              <a:ea typeface="+mj-ea"/>
+            </a:endParaRPr>
+          </a:p>
+        </p:txBody>
+      </p:sp>
+      <p:pic>
+        <p:nvPicPr>
+          <p:cNvPr id="34" name="Picture 3"/>
+          <p:cNvPicPr>
+            <a:picLocks noChangeAspect="1" noChangeArrowheads="1"/>
+          </p:cNvPicPr>
+          <p:nvPr/>
+        </p:nvPicPr>
+        <p:blipFill>
+          <a:blip r:embed="rId4"/>
+          <a:srcRect/>
+          <a:stretch>
+            <a:fillRect/>
+          </a:stretch>
+        </p:blipFill>
+        <p:spPr bwMode="auto">
+          <a:xfrm>
+            <a:off x="5500694" y="2214560"/>
+            <a:ext cx="442023" cy="388444"/>
+          </a:xfrm>
+          <a:prstGeom prst="rect">
+            <a:avLst/>
+          </a:prstGeom>
+          <a:noFill/>
+          <a:ln w="9525">
+            <a:noFill/>
+            <a:miter lim="800000"/>
+            <a:headEnd/>
+            <a:tailEnd/>
+          </a:ln>
+          <a:effectLst/>
+        </p:spPr>
+      </p:pic>
+      <p:pic>
+        <p:nvPicPr>
+          <p:cNvPr id="35" name="Picture 5"/>
+          <p:cNvPicPr>
+            <a:picLocks noChangeAspect="1" noChangeArrowheads="1"/>
+          </p:cNvPicPr>
+          <p:nvPr/>
+        </p:nvPicPr>
+        <p:blipFill>
+          <a:blip r:embed="rId5"/>
+          <a:srcRect l="8335"/>
+          <a:stretch>
+            <a:fillRect/>
+          </a:stretch>
+        </p:blipFill>
+        <p:spPr bwMode="auto">
+          <a:xfrm>
+            <a:off x="5511863" y="3000378"/>
+            <a:ext cx="417459" cy="428629"/>
+          </a:xfrm>
+          <a:prstGeom prst="rect">
+            <a:avLst/>
+          </a:prstGeom>
+          <a:noFill/>
+          <a:ln w="9525">
+            <a:noFill/>
+            <a:miter lim="800000"/>
+            <a:headEnd/>
+            <a:tailEnd/>
+          </a:ln>
+          <a:effectLst/>
+        </p:spPr>
+      </p:pic>
+      <p:sp>
+        <p:nvSpPr>
+          <p:cNvPr id="36" name="矩形 35"/>
+          <p:cNvSpPr/>
+          <p:nvPr/>
+        </p:nvSpPr>
+        <p:spPr>
+          <a:xfrm>
+            <a:off x="3286116" y="2214560"/>
+            <a:ext cx="2214578" cy="400110"/>
+          </a:xfrm>
+          <a:prstGeom prst="rect">
+            <a:avLst/>
+          </a:prstGeom>
+        </p:spPr>
+        <p:txBody>
+          <a:bodyPr wrap="square">
+            <a:spAutoFit/>
+          </a:bodyPr>
+          <a:lstStyle/>
+          <a:p>
+            <a:pPr algn="ctr">
+              <a:defRPr/>
+            </a:pPr>
+            <a:r>
+              <a:rPr lang="en-US" altLang="zh-TW" sz="2000" b="1" dirty="0" smtClean="0">
+                <a:solidFill>
+                  <a:schemeClr val="bg1"/>
+                </a:solidFill>
+                <a:latin typeface="+mj-ea"/>
+                <a:ea typeface="+mj-ea"/>
+              </a:rPr>
+              <a:t>550 / 750</a:t>
+            </a:r>
+            <a:endParaRPr lang="zh-TW" altLang="en-US" sz="2000" b="1" dirty="0">
+              <a:solidFill>
+                <a:schemeClr val="bg1"/>
+              </a:solidFill>
+              <a:latin typeface="+mj-ea"/>
+              <a:ea typeface="+mj-ea"/>
+            </a:endParaRPr>
+          </a:p>
+        </p:txBody>
+      </p:sp>
+      <p:sp>
+        <p:nvSpPr>
+          <p:cNvPr id="37" name="矩形 36"/>
+          <p:cNvSpPr/>
+          <p:nvPr/>
+        </p:nvSpPr>
+        <p:spPr>
+          <a:xfrm>
+            <a:off x="3286116" y="2643188"/>
+            <a:ext cx="2237137" cy="400110"/>
+          </a:xfrm>
+          <a:prstGeom prst="rect">
+            <a:avLst/>
+          </a:prstGeom>
+        </p:spPr>
+        <p:txBody>
+          <a:bodyPr wrap="square">
+            <a:spAutoFit/>
+          </a:bodyPr>
+          <a:lstStyle/>
+          <a:p>
+            <a:pPr algn="ctr">
+              <a:defRPr/>
+            </a:pPr>
+            <a:r>
+              <a:rPr lang="en-US" altLang="zh-TW" sz="2000" b="1" dirty="0" smtClean="0">
+                <a:solidFill>
+                  <a:schemeClr val="bg1"/>
+                </a:solidFill>
+                <a:latin typeface="+mj-ea"/>
+                <a:ea typeface="+mj-ea"/>
+              </a:rPr>
+              <a:t>300 / 330</a:t>
+            </a:r>
+            <a:endParaRPr lang="zh-TW" altLang="en-US" sz="2000" b="1" dirty="0">
+              <a:solidFill>
+                <a:schemeClr val="bg1"/>
+              </a:solidFill>
+              <a:latin typeface="+mj-ea"/>
+              <a:ea typeface="+mj-ea"/>
+            </a:endParaRPr>
+          </a:p>
+        </p:txBody>
+      </p:sp>
+      <p:sp>
+        <p:nvSpPr>
+          <p:cNvPr id="38" name="矩形 37"/>
+          <p:cNvSpPr/>
+          <p:nvPr/>
+        </p:nvSpPr>
+        <p:spPr>
+          <a:xfrm>
+            <a:off x="3286116" y="3071816"/>
+            <a:ext cx="2214578" cy="400110"/>
+          </a:xfrm>
+          <a:prstGeom prst="rect">
+            <a:avLst/>
+          </a:prstGeom>
+        </p:spPr>
+        <p:txBody>
+          <a:bodyPr wrap="square">
+            <a:spAutoFit/>
+          </a:bodyPr>
+          <a:lstStyle/>
+          <a:p>
+            <a:pPr algn="ctr">
+              <a:defRPr/>
+            </a:pPr>
+            <a:r>
+              <a:rPr lang="en-US" altLang="zh-TW" sz="2000" b="1" dirty="0" smtClean="0">
+                <a:solidFill>
+                  <a:schemeClr val="bg1"/>
+                </a:solidFill>
+                <a:latin typeface="+mj-ea"/>
+                <a:ea typeface="+mj-ea"/>
+              </a:rPr>
+              <a:t>  20 / 128</a:t>
+            </a:r>
+            <a:endParaRPr lang="zh-TW" altLang="en-US" sz="2000" b="1" dirty="0">
+              <a:solidFill>
+                <a:schemeClr val="bg1"/>
+              </a:solidFill>
+              <a:latin typeface="+mj-ea"/>
+              <a:ea typeface="+mj-ea"/>
+            </a:endParaRPr>
+          </a:p>
+        </p:txBody>
+      </p:sp>
+      <p:grpSp>
+        <p:nvGrpSpPr>
+          <p:cNvPr id="39" name="群組 38"/>
+          <p:cNvGrpSpPr/>
+          <p:nvPr/>
+        </p:nvGrpSpPr>
+        <p:grpSpPr>
+          <a:xfrm>
+            <a:off x="5966220" y="2643188"/>
+            <a:ext cx="1606176" cy="357190"/>
+            <a:chOff x="785794" y="6167446"/>
+            <a:chExt cx="1609736" cy="357190"/>
+          </a:xfrm>
+        </p:grpSpPr>
+        <p:sp>
+          <p:nvSpPr>
+            <p:cNvPr id="40" name="圓角矩形 39"/>
+            <p:cNvSpPr/>
+            <p:nvPr/>
+          </p:nvSpPr>
+          <p:spPr>
+            <a:xfrm>
+              <a:off x="785794" y="6167446"/>
+              <a:ext cx="1500198" cy="357190"/>
+            </a:xfrm>
+            <a:prstGeom prst="roundRect">
+              <a:avLst/>
+            </a:prstGeom>
+            <a:solidFill>
+              <a:schemeClr val="bg1"/>
+            </a:solidFill>
+            <a:ln>
+              <a:noFill/>
+            </a:ln>
+          </p:spPr>
+          <p:style>
+            <a:lnRef idx="2">
+              <a:schemeClr val="accent1">
+                <a:shade val="50000"/>
+              </a:schemeClr>
+            </a:lnRef>
+            <a:fillRef idx="1">
+              <a:schemeClr val="accent1"/>
+            </a:fillRef>
+            <a:effectRef idx="0">
+              <a:schemeClr val="accent1"/>
+            </a:effectRef>
+            <a:fontRef idx="minor">
+              <a:schemeClr val="lt1"/>
+            </a:fontRef>
+          </p:style>
+          <p:txBody>
+            <a:bodyPr rtlCol="0" anchor="ctr"/>
+            <a:lstStyle/>
+            <a:p>
+              <a:endParaRPr lang="zh-TW" altLang="en-US" sz="2000">
+                <a:latin typeface="+mj-ea"/>
+                <a:ea typeface="+mj-ea"/>
+              </a:endParaRPr>
+            </a:p>
+          </p:txBody>
+        </p:sp>
+        <p:sp>
+          <p:nvSpPr>
+            <p:cNvPr id="41" name="矩形 40"/>
+            <p:cNvSpPr/>
+            <p:nvPr/>
+          </p:nvSpPr>
+          <p:spPr>
+            <a:xfrm>
+              <a:off x="870524" y="6167446"/>
+              <a:ext cx="1525006" cy="294829"/>
+            </a:xfrm>
+            <a:prstGeom prst="rect">
+              <a:avLst/>
+            </a:prstGeom>
+          </p:spPr>
+          <p:txBody>
+            <a:bodyPr wrap="square">
+              <a:spAutoFit/>
+            </a:bodyPr>
+            <a:lstStyle/>
+            <a:p>
+              <a:pPr>
+                <a:defRPr/>
+              </a:pPr>
+              <a:r>
+                <a:rPr lang="zh-TW" altLang="en-US" sz="2000" b="1" dirty="0" smtClean="0">
+                  <a:latin typeface="+mj-ea"/>
+                  <a:ea typeface="+mj-ea"/>
+                </a:rPr>
+                <a:t>雙手巨斧</a:t>
+              </a:r>
+              <a:endParaRPr lang="zh-TW" altLang="en-US" sz="2000" b="1" dirty="0">
+                <a:latin typeface="+mj-ea"/>
+                <a:ea typeface="+mj-ea"/>
+              </a:endParaRPr>
+            </a:p>
+          </p:txBody>
+        </p:sp>
+      </p:grpSp>
+      <p:grpSp>
+        <p:nvGrpSpPr>
+          <p:cNvPr id="42" name="群組 41"/>
+          <p:cNvGrpSpPr/>
+          <p:nvPr/>
+        </p:nvGrpSpPr>
+        <p:grpSpPr>
+          <a:xfrm>
+            <a:off x="5966220" y="2245814"/>
+            <a:ext cx="1606176" cy="357190"/>
+            <a:chOff x="785794" y="6167446"/>
+            <a:chExt cx="1609736" cy="357190"/>
+          </a:xfrm>
+        </p:grpSpPr>
+        <p:sp>
+          <p:nvSpPr>
+            <p:cNvPr id="43" name="圓角矩形 42"/>
+            <p:cNvSpPr/>
+            <p:nvPr/>
+          </p:nvSpPr>
+          <p:spPr>
+            <a:xfrm>
+              <a:off x="785794" y="6167446"/>
+              <a:ext cx="1500198" cy="357190"/>
+            </a:xfrm>
+            <a:prstGeom prst="roundRect">
+              <a:avLst/>
+            </a:prstGeom>
+            <a:solidFill>
+              <a:schemeClr val="bg1"/>
+            </a:solidFill>
+            <a:ln>
+              <a:noFill/>
+            </a:ln>
+          </p:spPr>
+          <p:style>
+            <a:lnRef idx="2">
+              <a:schemeClr val="accent1">
+                <a:shade val="50000"/>
+              </a:schemeClr>
+            </a:lnRef>
+            <a:fillRef idx="1">
+              <a:schemeClr val="accent1"/>
+            </a:fillRef>
+            <a:effectRef idx="0">
+              <a:schemeClr val="accent1"/>
+            </a:effectRef>
+            <a:fontRef idx="minor">
+              <a:schemeClr val="lt1"/>
+            </a:fontRef>
+          </p:style>
+          <p:txBody>
+            <a:bodyPr rtlCol="0" anchor="ctr"/>
+            <a:lstStyle/>
+            <a:p>
+              <a:endParaRPr lang="zh-TW" altLang="en-US" sz="2000">
+                <a:latin typeface="+mj-ea"/>
+                <a:ea typeface="+mj-ea"/>
+              </a:endParaRPr>
+            </a:p>
+          </p:txBody>
+        </p:sp>
+        <p:sp>
+          <p:nvSpPr>
+            <p:cNvPr id="44" name="矩形 43"/>
+            <p:cNvSpPr/>
+            <p:nvPr/>
+          </p:nvSpPr>
+          <p:spPr>
+            <a:xfrm>
+              <a:off x="870524" y="6167446"/>
+              <a:ext cx="1525006" cy="294829"/>
+            </a:xfrm>
+            <a:prstGeom prst="rect">
+              <a:avLst/>
+            </a:prstGeom>
+          </p:spPr>
+          <p:txBody>
+            <a:bodyPr wrap="square">
+              <a:spAutoFit/>
+            </a:bodyPr>
+            <a:lstStyle/>
+            <a:p>
+              <a:pPr>
+                <a:defRPr/>
+              </a:pPr>
+              <a:r>
+                <a:rPr lang="zh-TW" altLang="en-US" sz="2000" b="1" dirty="0" smtClean="0">
+                  <a:latin typeface="+mj-ea"/>
+                  <a:ea typeface="+mj-ea"/>
+                </a:rPr>
+                <a:t>鎖子甲</a:t>
+              </a:r>
+              <a:endParaRPr lang="zh-TW" altLang="en-US" sz="2000" b="1" dirty="0">
+                <a:latin typeface="+mj-ea"/>
+                <a:ea typeface="+mj-ea"/>
+              </a:endParaRPr>
+            </a:p>
+          </p:txBody>
+        </p:sp>
+      </p:grpSp>
+      <p:grpSp>
+        <p:nvGrpSpPr>
+          <p:cNvPr id="45" name="群組 44"/>
+          <p:cNvGrpSpPr/>
+          <p:nvPr/>
+        </p:nvGrpSpPr>
+        <p:grpSpPr>
+          <a:xfrm>
+            <a:off x="5966220" y="3071816"/>
+            <a:ext cx="1606176" cy="357190"/>
+            <a:chOff x="785794" y="6167446"/>
+            <a:chExt cx="1609736" cy="357190"/>
+          </a:xfrm>
+        </p:grpSpPr>
+        <p:sp>
+          <p:nvSpPr>
+            <p:cNvPr id="46" name="圓角矩形 45"/>
+            <p:cNvSpPr/>
+            <p:nvPr/>
+          </p:nvSpPr>
+          <p:spPr>
+            <a:xfrm>
+              <a:off x="785794" y="6167446"/>
+              <a:ext cx="1500198" cy="357190"/>
+            </a:xfrm>
+            <a:prstGeom prst="roundRect">
+              <a:avLst/>
+            </a:prstGeom>
+            <a:solidFill>
+              <a:schemeClr val="bg1"/>
+            </a:solidFill>
+            <a:ln>
+              <a:noFill/>
+            </a:ln>
+          </p:spPr>
+          <p:style>
+            <a:lnRef idx="2">
+              <a:schemeClr val="accent1">
+                <a:shade val="50000"/>
+              </a:schemeClr>
+            </a:lnRef>
+            <a:fillRef idx="1">
+              <a:schemeClr val="accent1"/>
+            </a:fillRef>
+            <a:effectRef idx="0">
+              <a:schemeClr val="accent1"/>
+            </a:effectRef>
+            <a:fontRef idx="minor">
+              <a:schemeClr val="lt1"/>
+            </a:fontRef>
+          </p:style>
+          <p:txBody>
+            <a:bodyPr rtlCol="0" anchor="ctr"/>
+            <a:lstStyle/>
+            <a:p>
+              <a:endParaRPr lang="zh-TW" altLang="en-US" sz="2000">
+                <a:latin typeface="+mj-ea"/>
+                <a:ea typeface="+mj-ea"/>
+              </a:endParaRPr>
+            </a:p>
+          </p:txBody>
+        </p:sp>
+        <p:sp>
+          <p:nvSpPr>
+            <p:cNvPr id="47" name="矩形 46"/>
+            <p:cNvSpPr/>
+            <p:nvPr/>
+          </p:nvSpPr>
+          <p:spPr>
+            <a:xfrm>
+              <a:off x="879483" y="6167446"/>
+              <a:ext cx="1516047" cy="294829"/>
+            </a:xfrm>
+            <a:prstGeom prst="rect">
+              <a:avLst/>
+            </a:prstGeom>
+          </p:spPr>
+          <p:txBody>
+            <a:bodyPr wrap="square">
+              <a:spAutoFit/>
+            </a:bodyPr>
+            <a:lstStyle/>
+            <a:p>
+              <a:pPr>
+                <a:defRPr/>
+              </a:pPr>
+              <a:r>
+                <a:rPr lang="zh-TW" altLang="en-US" sz="2000" b="1" dirty="0" smtClean="0">
+                  <a:latin typeface="+mj-ea"/>
+                  <a:ea typeface="+mj-ea"/>
+                </a:rPr>
+                <a:t>傳送戒指</a:t>
+              </a:r>
+              <a:endParaRPr lang="zh-TW" altLang="en-US" sz="2000" b="1" dirty="0">
+                <a:latin typeface="+mj-ea"/>
+                <a:ea typeface="+mj-ea"/>
+              </a:endParaRPr>
+            </a:p>
+          </p:txBody>
+        </p:sp>
+      </p:grpSp>
+      <p:graphicFrame>
+        <p:nvGraphicFramePr>
+          <p:cNvPr id="48" name="表格 47"/>
+          <p:cNvGraphicFramePr>
+            <a:graphicFrameLocks noGrp="1"/>
+          </p:cNvGraphicFramePr>
+          <p:nvPr/>
+        </p:nvGraphicFramePr>
+        <p:xfrm>
+          <a:off x="3286150" y="1785932"/>
+          <a:ext cx="4143370" cy="396240"/>
+        </p:xfrm>
+        <a:graphic>
+          <a:graphicData uri="http://schemas.openxmlformats.org/drawingml/2006/table">
+            <a:tbl>
+              <a:tblPr firstRow="1" bandRow="1">
+                <a:tableStyleId>{5C22544A-7EE6-4342-B048-85BDC9FD1C3A}</a:tableStyleId>
+              </a:tblPr>
+              <a:tblGrid>
+                <a:gridCol w="1775710"/>
+                <a:gridCol w="986537"/>
+                <a:gridCol w="1381123"/>
+              </a:tblGrid>
+              <a:tr h="370840">
+                <a:tc>
+                  <a:txBody>
+                    <a:bodyPr/>
+                    <a:lstStyle/>
+                    <a:p>
+                      <a:pPr algn="ctr"/>
+                      <a:r>
+                        <a:rPr lang="zh-TW" altLang="en-US" sz="2000" b="1" dirty="0" smtClean="0">
+                          <a:latin typeface="+mj-ea"/>
+                          <a:ea typeface="+mj-ea"/>
+                        </a:rPr>
+                        <a:t>凱伊姆</a:t>
+                      </a:r>
+                      <a:r>
+                        <a:rPr lang="en-US" altLang="zh-TW" sz="2000" b="1" dirty="0" smtClean="0">
+                          <a:latin typeface="+mj-ea"/>
+                          <a:ea typeface="+mj-ea"/>
+                        </a:rPr>
+                        <a:t>‧</a:t>
+                      </a:r>
+                      <a:r>
+                        <a:rPr lang="zh-TW" altLang="en-US" sz="2000" b="1" dirty="0" smtClean="0">
+                          <a:latin typeface="+mj-ea"/>
+                          <a:ea typeface="+mj-ea"/>
+                        </a:rPr>
+                        <a:t>恩拉 </a:t>
+                      </a:r>
+                      <a:endParaRPr lang="zh-TW" altLang="en-US" sz="2000" dirty="0">
+                        <a:latin typeface="+mj-ea"/>
+                        <a:ea typeface="+mj-ea"/>
+                      </a:endParaRPr>
+                    </a:p>
+                  </a:txBody>
+                  <a:tcPr>
+                    <a:lnL w="12700" cmpd="sng">
+                      <a:noFill/>
+                    </a:lnL>
+                    <a:lnR w="12700" cmpd="sng">
+                      <a:noFill/>
+                    </a:lnR>
+                    <a:lnT w="12700" cmpd="sng">
+                      <a:noFill/>
+                    </a:lnT>
+                    <a:lnB w="38100" cmpd="sng">
+                      <a:noFill/>
+                    </a:lnB>
+                    <a:lnTlToBr w="12700" cmpd="sng">
+                      <a:noFill/>
+                      <a:prstDash val="solid"/>
+                    </a:lnTlToBr>
+                    <a:lnBlToTr w="12700" cmpd="sng">
+                      <a:noFill/>
+                      <a:prstDash val="solid"/>
+                    </a:lnBlToTr>
+                    <a:solidFill>
+                      <a:schemeClr val="bg1"/>
+                    </a:solidFill>
+                  </a:tcPr>
+                </a:tc>
+                <a:tc>
+                  <a:txBody>
+                    <a:bodyPr/>
+                    <a:lstStyle/>
+                    <a:p>
+                      <a:pPr marL="0" marR="0" indent="0" algn="ctr" defTabSz="914400" rtl="0" eaLnBrk="1" fontAlgn="auto" latinLnBrk="0" hangingPunct="1">
+                        <a:lnSpc>
+                          <a:spcPct val="100000"/>
+                        </a:lnSpc>
+                        <a:spcBef>
+                          <a:spcPts val="0"/>
+                        </a:spcBef>
+                        <a:spcAft>
+                          <a:spcPts val="0"/>
+                        </a:spcAft>
+                        <a:buClrTx/>
+                        <a:buSzTx/>
+                        <a:buFontTx/>
+                        <a:buNone/>
+                        <a:tabLst/>
+                        <a:defRPr/>
+                      </a:pPr>
+                      <a:r>
+                        <a:rPr kumimoji="0" lang="en-US" altLang="zh-TW" sz="2000" b="1" kern="1200" dirty="0" smtClean="0">
+                          <a:solidFill>
+                            <a:srgbClr val="FFFF00"/>
+                          </a:solidFill>
+                          <a:latin typeface="+mj-ea"/>
+                          <a:ea typeface="+mn-ea"/>
+                          <a:cs typeface="+mn-cs"/>
+                        </a:rPr>
+                        <a:t>Lv. 43</a:t>
+                      </a:r>
+                      <a:endParaRPr kumimoji="0" lang="zh-TW" altLang="en-US" sz="2000" b="1" kern="1200" dirty="0" smtClean="0">
+                        <a:solidFill>
+                          <a:srgbClr val="FFFF00"/>
+                        </a:solidFill>
+                        <a:latin typeface="+mj-ea"/>
+                        <a:ea typeface="+mn-ea"/>
+                        <a:cs typeface="+mn-cs"/>
+                      </a:endParaRPr>
+                    </a:p>
+                  </a:txBody>
+                  <a:tcPr>
+                    <a:lnL w="12700" cmpd="sng">
+                      <a:noFill/>
+                    </a:lnL>
+                    <a:lnR w="12700" cmpd="sng">
+                      <a:noFill/>
+                    </a:lnR>
+                    <a:lnT w="12700" cmpd="sng">
+                      <a:noFill/>
+                    </a:lnT>
+                    <a:lnB w="38100" cmpd="sng">
+                      <a:noFill/>
+                    </a:lnB>
+                    <a:lnTlToBr w="12700" cmpd="sng">
+                      <a:noFill/>
+                      <a:prstDash val="solid"/>
+                    </a:lnTlToBr>
+                    <a:lnBlToTr w="12700" cmpd="sng">
+                      <a:noFill/>
+                      <a:prstDash val="solid"/>
+                    </a:lnBlToTr>
+                    <a:solidFill>
+                      <a:schemeClr val="bg1"/>
+                    </a:solidFill>
+                  </a:tcPr>
+                </a:tc>
+                <a:tc>
+                  <a:txBody>
+                    <a:bodyPr/>
+                    <a:lstStyle/>
+                    <a:p>
+                      <a:pPr marL="0" marR="0" indent="0" algn="ctr" defTabSz="914400" rtl="0" eaLnBrk="1" fontAlgn="auto" latinLnBrk="0" hangingPunct="1">
+                        <a:lnSpc>
+                          <a:spcPct val="100000"/>
+                        </a:lnSpc>
+                        <a:spcBef>
+                          <a:spcPts val="0"/>
+                        </a:spcBef>
+                        <a:spcAft>
+                          <a:spcPts val="0"/>
+                        </a:spcAft>
+                        <a:buClrTx/>
+                        <a:buSzTx/>
+                        <a:buFontTx/>
+                        <a:buNone/>
+                        <a:tabLst/>
+                        <a:defRPr/>
+                      </a:pPr>
+                      <a:r>
+                        <a:rPr kumimoji="0" lang="zh-TW" altLang="en-US" sz="2000" b="1" kern="1200" dirty="0" smtClean="0">
+                          <a:solidFill>
+                            <a:srgbClr val="FF0000"/>
+                          </a:solidFill>
+                          <a:latin typeface="+mj-ea"/>
+                          <a:ea typeface="+mn-ea"/>
+                          <a:cs typeface="+mn-cs"/>
+                        </a:rPr>
+                        <a:t>矮人</a:t>
+                      </a:r>
+                      <a:endParaRPr lang="zh-TW" altLang="en-US" sz="2000" dirty="0">
+                        <a:solidFill>
+                          <a:srgbClr val="FFFF00"/>
+                        </a:solidFill>
+                        <a:latin typeface="+mj-ea"/>
+                        <a:ea typeface="+mj-ea"/>
+                      </a:endParaRPr>
+                    </a:p>
+                  </a:txBody>
+                  <a:tcPr>
+                    <a:lnL w="12700" cmpd="sng">
+                      <a:noFill/>
+                    </a:lnL>
+                    <a:lnR w="12700" cmpd="sng">
+                      <a:noFill/>
+                    </a:lnR>
+                    <a:lnT w="12700" cmpd="sng">
+                      <a:noFill/>
+                    </a:lnT>
+                    <a:lnB w="38100" cmpd="sng">
+                      <a:noFill/>
+                    </a:lnB>
+                    <a:lnTlToBr w="12700" cmpd="sng">
+                      <a:noFill/>
+                      <a:prstDash val="solid"/>
+                    </a:lnTlToBr>
+                    <a:lnBlToTr w="12700" cmpd="sng">
+                      <a:noFill/>
+                      <a:prstDash val="solid"/>
+                    </a:lnBlToTr>
+                    <a:solidFill>
+                      <a:schemeClr val="bg1"/>
+                    </a:solidFill>
+                  </a:tcPr>
+                </a:tc>
+              </a:tr>
+            </a:tbl>
+          </a:graphicData>
+        </a:graphic>
+      </p:graphicFrame>
+      <p:pic>
+        <p:nvPicPr>
+          <p:cNvPr id="49" name="Picture 9"/>
+          <p:cNvPicPr>
+            <a:picLocks noChangeAspect="1" noChangeArrowheads="1"/>
+          </p:cNvPicPr>
+          <p:nvPr/>
+        </p:nvPicPr>
+        <p:blipFill>
+          <a:blip r:embed="rId6"/>
+          <a:srcRect/>
+          <a:stretch>
+            <a:fillRect/>
+          </a:stretch>
+        </p:blipFill>
+        <p:spPr bwMode="auto">
+          <a:xfrm>
+            <a:off x="5500694" y="2571750"/>
+            <a:ext cx="442023" cy="428628"/>
+          </a:xfrm>
+          <a:prstGeom prst="rect">
+            <a:avLst/>
+          </a:prstGeom>
+          <a:noFill/>
+          <a:ln w="9525">
+            <a:noFill/>
+            <a:miter lim="800000"/>
+            <a:headEnd/>
+            <a:tailEnd/>
+          </a:ln>
+          <a:effectLst/>
+        </p:spPr>
+      </p:pic>
     </p:spTree>
   </p:cSld>
   <p:clrMapOvr>

--- a/MyGame/企劃.pptx
+++ b/MyGame/企劃.pptx
@@ -5,7 +5,7 @@
     <p:sldMasterId id="2147483924" r:id="rId1"/>
   </p:sldMasterIdLst>
   <p:handoutMasterIdLst>
-    <p:handoutMasterId r:id="rId25"/>
+    <p:handoutMasterId r:id="rId26"/>
   </p:handoutMasterIdLst>
   <p:sldIdLst>
     <p:sldId id="256" r:id="rId2"/>
@@ -31,6 +31,7 @@
     <p:sldId id="298" r:id="rId22"/>
     <p:sldId id="293" r:id="rId23"/>
     <p:sldId id="297" r:id="rId24"/>
+    <p:sldId id="305" r:id="rId25"/>
   </p:sldIdLst>
   <p:sldSz cx="9144000" cy="5143500" type="screen16x9"/>
   <p:notesSz cx="6858000" cy="9144000"/>
@@ -215,7 +216,7 @@
             <a:fld id="{964AF926-E4AC-43CA-B9BE-670C0BF09E4F}" type="datetimeFigureOut">
               <a:rPr lang="zh-TW" altLang="en-US" smtClean="0"/>
               <a:pPr/>
-              <a:t>2021/7/6</a:t>
+              <a:t>2021/7/8</a:t>
             </a:fld>
             <a:endParaRPr lang="zh-TW" altLang="en-US"/>
           </a:p>
@@ -406,7 +407,7 @@
             <a:fld id="{24D5CE51-E220-4B8E-8EBE-02A5839CD322}" type="datetimeFigureOut">
               <a:rPr lang="zh-TW" altLang="en-US" smtClean="0"/>
               <a:pPr/>
-              <a:t>2021/7/6</a:t>
+              <a:t>2021/7/8</a:t>
             </a:fld>
             <a:endParaRPr lang="zh-TW" altLang="en-US" dirty="0"/>
           </a:p>
@@ -705,7 +706,7 @@
             <a:fld id="{24D5CE51-E220-4B8E-8EBE-02A5839CD322}" type="datetimeFigureOut">
               <a:rPr lang="zh-TW" altLang="en-US" smtClean="0"/>
               <a:pPr/>
-              <a:t>2021/7/6</a:t>
+              <a:t>2021/7/8</a:t>
             </a:fld>
             <a:endParaRPr lang="zh-TW" altLang="en-US"/>
           </a:p>
@@ -882,7 +883,7 @@
             <a:fld id="{24D5CE51-E220-4B8E-8EBE-02A5839CD322}" type="datetimeFigureOut">
               <a:rPr lang="zh-TW" altLang="en-US" smtClean="0"/>
               <a:pPr/>
-              <a:t>2021/7/6</a:t>
+              <a:t>2021/7/8</a:t>
             </a:fld>
             <a:endParaRPr lang="zh-TW" altLang="en-US"/>
           </a:p>
@@ -1379,7 +1380,7 @@
             <a:fld id="{24D5CE51-E220-4B8E-8EBE-02A5839CD322}" type="datetimeFigureOut">
               <a:rPr lang="zh-TW" altLang="en-US" smtClean="0"/>
               <a:pPr/>
-              <a:t>2021/7/6</a:t>
+              <a:t>2021/7/8</a:t>
             </a:fld>
             <a:endParaRPr lang="zh-TW" altLang="en-US"/>
           </a:p>
@@ -1645,7 +1646,7 @@
             <a:fld id="{24D5CE51-E220-4B8E-8EBE-02A5839CD322}" type="datetimeFigureOut">
               <a:rPr lang="zh-TW" altLang="en-US" smtClean="0"/>
               <a:pPr/>
-              <a:t>2021/7/6</a:t>
+              <a:t>2021/7/8</a:t>
             </a:fld>
             <a:endParaRPr lang="zh-TW" altLang="en-US"/>
           </a:p>
@@ -2021,7 +2022,7 @@
             <a:fld id="{24D5CE51-E220-4B8E-8EBE-02A5839CD322}" type="datetimeFigureOut">
               <a:rPr lang="zh-TW" altLang="en-US" smtClean="0"/>
               <a:pPr/>
-              <a:t>2021/7/6</a:t>
+              <a:t>2021/7/8</a:t>
             </a:fld>
             <a:endParaRPr lang="zh-TW" altLang="en-US"/>
           </a:p>
@@ -2136,7 +2137,7 @@
             <a:fld id="{24D5CE51-E220-4B8E-8EBE-02A5839CD322}" type="datetimeFigureOut">
               <a:rPr lang="zh-TW" altLang="en-US" smtClean="0"/>
               <a:pPr/>
-              <a:t>2021/7/6</a:t>
+              <a:t>2021/7/8</a:t>
             </a:fld>
             <a:endParaRPr lang="zh-TW" altLang="en-US"/>
           </a:p>
@@ -2228,7 +2229,7 @@
             <a:fld id="{24D5CE51-E220-4B8E-8EBE-02A5839CD322}" type="datetimeFigureOut">
               <a:rPr lang="zh-TW" altLang="en-US" smtClean="0"/>
               <a:pPr/>
-              <a:t>2021/7/6</a:t>
+              <a:t>2021/7/8</a:t>
             </a:fld>
             <a:endParaRPr lang="zh-TW" altLang="en-US"/>
           </a:p>
@@ -2488,7 +2489,7 @@
             <a:fld id="{24D5CE51-E220-4B8E-8EBE-02A5839CD322}" type="datetimeFigureOut">
               <a:rPr lang="zh-TW" altLang="en-US" smtClean="0"/>
               <a:pPr/>
-              <a:t>2021/7/6</a:t>
+              <a:t>2021/7/8</a:t>
             </a:fld>
             <a:endParaRPr lang="zh-TW" altLang="en-US"/>
           </a:p>
@@ -2754,7 +2755,7 @@
             <a:fld id="{24D5CE51-E220-4B8E-8EBE-02A5839CD322}" type="datetimeFigureOut">
               <a:rPr lang="zh-TW" altLang="en-US" smtClean="0"/>
               <a:pPr/>
-              <a:t>2021/7/6</a:t>
+              <a:t>2021/7/8</a:t>
             </a:fld>
             <a:endParaRPr lang="zh-TW" altLang="en-US"/>
           </a:p>
@@ -2973,7 +2974,7 @@
             <a:fld id="{24D5CE51-E220-4B8E-8EBE-02A5839CD322}" type="datetimeFigureOut">
               <a:rPr lang="zh-TW" altLang="en-US" smtClean="0"/>
               <a:pPr/>
-              <a:t>2021/7/6</a:t>
+              <a:t>2021/7/8</a:t>
             </a:fld>
             <a:endParaRPr lang="zh-TW" altLang="en-US"/>
           </a:p>
@@ -4840,14 +4841,14 @@
       </p:sp>
       <p:sp>
         <p:nvSpPr>
-          <p:cNvPr id="40" name="圓角矩形 39"/>
+          <p:cNvPr id="16" name="圓角矩形 15"/>
           <p:cNvSpPr/>
           <p:nvPr/>
         </p:nvSpPr>
         <p:spPr>
           <a:xfrm>
-            <a:off x="1428728" y="1643056"/>
-            <a:ext cx="4643470" cy="1857388"/>
+            <a:off x="1404205" y="1643056"/>
+            <a:ext cx="4596555" cy="1857388"/>
           </a:xfrm>
           <a:prstGeom prst="roundRect">
             <a:avLst>
@@ -4891,7 +4892,7 @@
       </p:sp>
       <p:pic>
         <p:nvPicPr>
-          <p:cNvPr id="41" name="Picture 2"/>
+          <p:cNvPr id="17" name="Picture 2"/>
           <p:cNvPicPr>
             <a:picLocks noChangeAspect="1" noChangeArrowheads="1"/>
           </p:cNvPicPr>
@@ -4926,14 +4927,14 @@
       </p:pic>
       <p:sp>
         <p:nvSpPr>
-          <p:cNvPr id="42" name="圓角矩形 41"/>
+          <p:cNvPr id="18" name="圓角矩形 17"/>
           <p:cNvSpPr/>
           <p:nvPr/>
         </p:nvSpPr>
         <p:spPr>
           <a:xfrm>
             <a:off x="3286116" y="3071816"/>
-            <a:ext cx="2643206" cy="357190"/>
+            <a:ext cx="2214578" cy="357190"/>
           </a:xfrm>
           <a:prstGeom prst="roundRect">
             <a:avLst/>
@@ -4978,14 +4979,14 @@
       </p:sp>
       <p:sp>
         <p:nvSpPr>
-          <p:cNvPr id="43" name="圓角矩形 42"/>
+          <p:cNvPr id="19" name="圓角矩形 18"/>
           <p:cNvSpPr/>
           <p:nvPr/>
         </p:nvSpPr>
         <p:spPr>
           <a:xfrm>
             <a:off x="3286116" y="2214560"/>
-            <a:ext cx="2643206" cy="357190"/>
+            <a:ext cx="2214578" cy="357190"/>
           </a:xfrm>
           <a:prstGeom prst="roundRect">
             <a:avLst/>
@@ -5030,14 +5031,14 @@
       </p:sp>
       <p:sp>
         <p:nvSpPr>
-          <p:cNvPr id="44" name="圓角矩形 43"/>
+          <p:cNvPr id="20" name="圓角矩形 19"/>
           <p:cNvSpPr/>
           <p:nvPr/>
         </p:nvSpPr>
         <p:spPr>
           <a:xfrm>
             <a:off x="3286116" y="2643188"/>
-            <a:ext cx="2643206" cy="357190"/>
+            <a:ext cx="2214578" cy="357190"/>
           </a:xfrm>
           <a:prstGeom prst="roundRect">
             <a:avLst/>
@@ -5082,14 +5083,14 @@
       </p:sp>
       <p:sp>
         <p:nvSpPr>
-          <p:cNvPr id="45" name="圓角矩形 44"/>
+          <p:cNvPr id="21" name="圓角矩形 20"/>
           <p:cNvSpPr/>
           <p:nvPr/>
         </p:nvSpPr>
         <p:spPr>
           <a:xfrm>
             <a:off x="3286116" y="2214560"/>
-            <a:ext cx="1738951" cy="357190"/>
+            <a:ext cx="1456959" cy="357190"/>
           </a:xfrm>
           <a:prstGeom prst="roundRect">
             <a:avLst/>
@@ -5134,14 +5135,14 @@
       </p:sp>
       <p:sp>
         <p:nvSpPr>
-          <p:cNvPr id="46" name="圓角矩形 45"/>
+          <p:cNvPr id="22" name="圓角矩形 21"/>
           <p:cNvSpPr/>
           <p:nvPr/>
         </p:nvSpPr>
         <p:spPr>
           <a:xfrm>
-            <a:off x="3286115" y="2643188"/>
-            <a:ext cx="2046353" cy="357190"/>
+            <a:off x="3286116" y="2643188"/>
+            <a:ext cx="1714512" cy="357190"/>
           </a:xfrm>
           <a:prstGeom prst="roundRect">
             <a:avLst/>
@@ -5186,14 +5187,14 @@
       </p:sp>
       <p:sp>
         <p:nvSpPr>
-          <p:cNvPr id="47" name="圓角矩形 46"/>
+          <p:cNvPr id="23" name="圓角矩形 22"/>
           <p:cNvSpPr/>
           <p:nvPr/>
         </p:nvSpPr>
         <p:spPr>
           <a:xfrm>
             <a:off x="3286116" y="3071816"/>
-            <a:ext cx="486907" cy="357190"/>
+            <a:ext cx="407949" cy="357190"/>
           </a:xfrm>
           <a:prstGeom prst="roundRect">
             <a:avLst/>
@@ -5236,16 +5237,82 @@
           </a:p>
         </p:txBody>
       </p:sp>
-      <p:sp>
-        <p:nvSpPr>
-          <p:cNvPr id="48" name="矩形 47"/>
+      <p:pic>
+        <p:nvPicPr>
+          <p:cNvPr id="24" name="Picture 3"/>
+          <p:cNvPicPr>
+            <a:picLocks noChangeAspect="1" noChangeArrowheads="1"/>
+          </p:cNvPicPr>
+          <p:nvPr/>
+        </p:nvPicPr>
+        <p:blipFill>
+          <a:blip r:embed="rId3"/>
+          <a:srcRect/>
+          <a:stretch>
+            <a:fillRect/>
+          </a:stretch>
+        </p:blipFill>
+        <p:spPr bwMode="auto">
+          <a:xfrm>
+            <a:off x="5500694" y="2214560"/>
+            <a:ext cx="442023" cy="388444"/>
+          </a:xfrm>
+          <a:prstGeom prst="rect">
+            <a:avLst/>
+          </a:prstGeom>
+          <a:noFill/>
+          <a:ln w="9525">
+            <a:noFill/>
+            <a:miter lim="800000"/>
+            <a:headEnd/>
+            <a:tailEnd/>
+          </a:ln>
+          <a:effectLst/>
+        </p:spPr>
+      </p:pic>
+      <p:pic>
+        <p:nvPicPr>
+          <p:cNvPr id="25" name="Picture 5"/>
+          <p:cNvPicPr>
+            <a:picLocks noChangeAspect="1" noChangeArrowheads="1"/>
+          </p:cNvPicPr>
+          <p:nvPr/>
+        </p:nvPicPr>
+        <p:blipFill>
+          <a:blip r:embed="rId4"/>
+          <a:srcRect l="8335"/>
+          <a:stretch>
+            <a:fillRect/>
+          </a:stretch>
+        </p:blipFill>
+        <p:spPr bwMode="auto">
+          <a:xfrm>
+            <a:off x="5511863" y="3000378"/>
+            <a:ext cx="417459" cy="428629"/>
+          </a:xfrm>
+          <a:prstGeom prst="rect">
+            <a:avLst/>
+          </a:prstGeom>
+          <a:noFill/>
+          <a:ln w="9525">
+            <a:noFill/>
+            <a:miter lim="800000"/>
+            <a:headEnd/>
+            <a:tailEnd/>
+          </a:ln>
+          <a:effectLst/>
+        </p:spPr>
+      </p:pic>
+      <p:sp>
+        <p:nvSpPr>
+          <p:cNvPr id="26" name="矩形 25"/>
           <p:cNvSpPr/>
           <p:nvPr/>
         </p:nvSpPr>
         <p:spPr>
           <a:xfrm>
             <a:off x="3286116" y="2214560"/>
-            <a:ext cx="2643206" cy="400110"/>
+            <a:ext cx="2214578" cy="400110"/>
           </a:xfrm>
           <a:prstGeom prst="rect">
             <a:avLst/>
@@ -5282,14 +5349,14 @@
       </p:sp>
       <p:sp>
         <p:nvSpPr>
-          <p:cNvPr id="49" name="矩形 48"/>
+          <p:cNvPr id="27" name="矩形 26"/>
           <p:cNvSpPr/>
           <p:nvPr/>
         </p:nvSpPr>
         <p:spPr>
           <a:xfrm>
             <a:off x="3286116" y="2643188"/>
-            <a:ext cx="2670131" cy="400110"/>
+            <a:ext cx="2237137" cy="400110"/>
           </a:xfrm>
           <a:prstGeom prst="rect">
             <a:avLst/>
@@ -5326,14 +5393,14 @@
       </p:sp>
       <p:sp>
         <p:nvSpPr>
-          <p:cNvPr id="63" name="矩形 62"/>
+          <p:cNvPr id="28" name="矩形 27"/>
           <p:cNvSpPr/>
           <p:nvPr/>
         </p:nvSpPr>
         <p:spPr>
           <a:xfrm>
             <a:off x="3286116" y="3071816"/>
-            <a:ext cx="2643206" cy="400110"/>
+            <a:ext cx="2214578" cy="400110"/>
           </a:xfrm>
           <a:prstGeom prst="rect">
             <a:avLst/>
@@ -5368,17 +5435,50 @@
           </a:p>
         </p:txBody>
       </p:sp>
+      <p:pic>
+        <p:nvPicPr>
+          <p:cNvPr id="39" name="Picture 9"/>
+          <p:cNvPicPr>
+            <a:picLocks noChangeAspect="1" noChangeArrowheads="1"/>
+          </p:cNvPicPr>
+          <p:nvPr/>
+        </p:nvPicPr>
+        <p:blipFill>
+          <a:blip r:embed="rId5"/>
+          <a:srcRect/>
+          <a:stretch>
+            <a:fillRect/>
+          </a:stretch>
+        </p:blipFill>
+        <p:spPr bwMode="auto">
+          <a:xfrm>
+            <a:off x="5500694" y="2571750"/>
+            <a:ext cx="442023" cy="428628"/>
+          </a:xfrm>
+          <a:prstGeom prst="rect">
+            <a:avLst/>
+          </a:prstGeom>
+          <a:noFill/>
+          <a:ln w="9525">
+            <a:noFill/>
+            <a:miter lim="800000"/>
+            <a:headEnd/>
+            <a:tailEnd/>
+          </a:ln>
+          <a:effectLst/>
+        </p:spPr>
+      </p:pic>
       <p:graphicFrame>
         <p:nvGraphicFramePr>
-          <p:cNvPr id="66" name="表格 65"/>
+          <p:cNvPr id="50" name="表格 49"/>
           <p:cNvGraphicFramePr>
             <a:graphicFrameLocks noGrp="1"/>
           </p:cNvGraphicFramePr>
           <p:nvPr/>
         </p:nvGraphicFramePr>
         <p:xfrm>
-          <a:off x="3286151" y="1785932"/>
-          <a:ext cx="2714609" cy="396240"/>
+          <a:off x="3286117" y="1785932"/>
+          <a:ext cx="2643206" cy="396240"/>
         </p:xfrm>
         <a:graphic>
           <a:graphicData uri="http://schemas.openxmlformats.org/drawingml/2006/table">
@@ -5387,10 +5487,10 @@
                 <a:tableStyleId>{5C22544A-7EE6-4342-B048-85BDC9FD1C3A}</a:tableStyleId>
               </a:tblPr>
               <a:tblGrid>
-                <a:gridCol w="1789727"/>
-                <a:gridCol w="924882"/>
+                <a:gridCol w="1699185"/>
+                <a:gridCol w="944021"/>
               </a:tblGrid>
-              <a:tr h="370840">
+              <a:tr h="388926">
                 <a:tc>
                   <a:txBody>
                     <a:bodyPr/>
@@ -11588,6 +11688,142 @@
 </p:sld>
 </file>
 
+<file path=ppt/slides/slide24.xml><?xml version="1.0" encoding="utf-8"?>
+<p:sld xmlns:a="http://schemas.openxmlformats.org/drawingml/2006/main" xmlns:r="http://schemas.openxmlformats.org/officeDocument/2006/relationships" xmlns:p="http://schemas.openxmlformats.org/presentationml/2006/main">
+  <p:cSld>
+    <p:spTree>
+      <p:nvGrpSpPr>
+        <p:cNvPr id="1" name=""/>
+        <p:cNvGrpSpPr/>
+        <p:nvPr/>
+      </p:nvGrpSpPr>
+      <p:grpSpPr>
+        <a:xfrm>
+          <a:off x="0" y="0"/>
+          <a:ext cx="0" cy="0"/>
+          <a:chOff x="0" y="0"/>
+          <a:chExt cx="0" cy="0"/>
+        </a:xfrm>
+      </p:grpSpPr>
+      <p:sp>
+        <p:nvSpPr>
+          <p:cNvPr id="2" name="標題 1"/>
+          <p:cNvSpPr>
+            <a:spLocks noGrp="1"/>
+          </p:cNvSpPr>
+          <p:nvPr>
+            <p:ph type="title"/>
+          </p:nvPr>
+        </p:nvSpPr>
+        <p:spPr/>
+        <p:txBody>
+          <a:bodyPr/>
+          <a:lstStyle/>
+          <a:p>
+            <a:pPr algn="l"/>
+            <a:r>
+              <a:rPr lang="en-US" altLang="zh-TW" dirty="0" smtClean="0"/>
+              <a:t>GAME SYSTEM - </a:t>
+            </a:r>
+            <a:r>
+              <a:rPr lang="en-US" altLang="zh-TW" dirty="0" err="1" smtClean="0"/>
+              <a:t>Roguelite</a:t>
+            </a:r>
+            <a:endParaRPr lang="zh-TW" altLang="en-US" dirty="0"/>
+          </a:p>
+        </p:txBody>
+      </p:sp>
+      <p:sp>
+        <p:nvSpPr>
+          <p:cNvPr id="3" name="內容版面配置區 2"/>
+          <p:cNvSpPr>
+            <a:spLocks noGrp="1"/>
+          </p:cNvSpPr>
+          <p:nvPr>
+            <p:ph idx="1"/>
+          </p:nvPr>
+        </p:nvSpPr>
+        <p:spPr/>
+        <p:txBody>
+          <a:bodyPr/>
+          <a:lstStyle/>
+          <a:p>
+            <a:r>
+              <a:rPr lang="en-US" altLang="zh-TW" dirty="0" err="1" smtClean="0"/>
+              <a:t>Roguelite</a:t>
+            </a:r>
+            <a:r>
+              <a:rPr lang="zh-TW" altLang="en-US" dirty="0" smtClean="0"/>
+              <a:t> 適用於虛空層無上限的樓數</a:t>
+            </a:r>
+            <a:endParaRPr lang="en-US" altLang="zh-TW" dirty="0" smtClean="0"/>
+          </a:p>
+          <a:p>
+            <a:r>
+              <a:rPr lang="zh-TW" altLang="en-US" dirty="0" smtClean="0"/>
+              <a:t>每</a:t>
+            </a:r>
+            <a:r>
+              <a:rPr lang="en-US" altLang="zh-TW" dirty="0" smtClean="0"/>
+              <a:t>0.1</a:t>
+            </a:r>
+            <a:r>
+              <a:rPr lang="zh-TW" altLang="en-US" dirty="0" smtClean="0"/>
+              <a:t>樓怪物強度會增加，可能是種類增加，或者數量增加，或者等級增加</a:t>
+            </a:r>
+            <a:endParaRPr lang="en-US" altLang="zh-TW" dirty="0" smtClean="0"/>
+          </a:p>
+          <a:p>
+            <a:r>
+              <a:rPr lang="zh-TW" altLang="en-US" dirty="0" smtClean="0"/>
+              <a:t>每</a:t>
+            </a:r>
+            <a:r>
+              <a:rPr lang="en-US" altLang="zh-TW" dirty="0" smtClean="0"/>
+              <a:t>0.5</a:t>
+            </a:r>
+            <a:r>
+              <a:rPr lang="zh-TW" altLang="en-US" dirty="0" smtClean="0"/>
+              <a:t>樓會有物質轉換樓，可用於休息、轉換資源、補充資源</a:t>
+            </a:r>
+            <a:endParaRPr lang="en-US" altLang="zh-TW" dirty="0" smtClean="0"/>
+          </a:p>
+          <a:p>
+            <a:r>
+              <a:rPr lang="zh-TW" altLang="en-US" dirty="0" smtClean="0"/>
+              <a:t>每</a:t>
+            </a:r>
+            <a:r>
+              <a:rPr lang="en-US" altLang="zh-TW" dirty="0" smtClean="0"/>
+              <a:t>1</a:t>
+            </a:r>
+            <a:r>
+              <a:rPr lang="zh-TW" altLang="en-US" dirty="0" smtClean="0"/>
+              <a:t>樓會有紀錄點</a:t>
+            </a:r>
+            <a:endParaRPr lang="en-US" altLang="zh-TW" dirty="0" smtClean="0"/>
+          </a:p>
+          <a:p>
+            <a:r>
+              <a:rPr lang="zh-TW" altLang="en-US" dirty="0" smtClean="0"/>
+              <a:t>任何位置</a:t>
+            </a:r>
+            <a:r>
+              <a:rPr lang="zh-TW" altLang="en-US" dirty="0" smtClean="0"/>
+              <a:t>死亡，人物狀態會回到前一次紀錄點</a:t>
+            </a:r>
+            <a:endParaRPr lang="zh-TW" altLang="en-US" dirty="0"/>
+          </a:p>
+        </p:txBody>
+      </p:sp>
+    </p:spTree>
+  </p:cSld>
+  <p:clrMapOvr>
+    <a:masterClrMapping/>
+  </p:clrMapOvr>
+</p:sld>
+</file>
+
 <file path=ppt/slides/slide3.xml><?xml version="1.0" encoding="utf-8"?>
 <p:sld xmlns:a="http://schemas.openxmlformats.org/drawingml/2006/main" xmlns:r="http://schemas.openxmlformats.org/officeDocument/2006/relationships" xmlns:p="http://schemas.openxmlformats.org/presentationml/2006/main">
   <p:cSld>
@@ -11662,7 +11898,7 @@
             </a:r>
             <a:r>
               <a:rPr lang="zh-TW" altLang="en-US" dirty="0" smtClean="0"/>
-              <a:t>的世界觀在多種遊戲類型中，以多週目方式體驗不同角色視角劇情故事</a:t>
+              <a:t>的第二內圍世界觀在多種遊戲類型中，以多週目方式體驗不同角色視角劇情故事</a:t>
             </a:r>
             <a:endParaRPr lang="en-US" altLang="zh-TW" dirty="0" smtClean="0"/>
           </a:p>
@@ -11686,7 +11922,15 @@
             <a:pPr lvl="1"/>
             <a:r>
               <a:rPr lang="zh-TW" altLang="en-US" dirty="0" smtClean="0"/>
-              <a:t>多種遊戲類型皆用同一套美術系統，戰鬥用數值裝備皆沿用在不同章節和戰鬥類型之間。</a:t>
+              <a:t>多種遊戲類型皆用同一套</a:t>
+            </a:r>
+            <a:r>
+              <a:rPr lang="en-US" altLang="zh-TW" dirty="0" smtClean="0"/>
+              <a:t>JRPG</a:t>
+            </a:r>
+            <a:r>
+              <a:rPr lang="zh-TW" altLang="en-US" dirty="0" smtClean="0"/>
+              <a:t>美術系統，戰鬥用數值裝備皆沿用在不同章節和戰鬥類型之間。</a:t>
             </a:r>
             <a:endParaRPr lang="en-US" altLang="zh-TW" dirty="0" smtClean="0"/>
           </a:p>
@@ -11694,7 +11938,7 @@
             <a:pPr lvl="1"/>
             <a:r>
               <a:rPr lang="zh-TW" altLang="en-US" dirty="0" smtClean="0"/>
-              <a:t>一週目的人物會變成二週目的隊友，並且有合成系統，鼓勵把物品留下來之後使用。</a:t>
+              <a:t>一週目的人物可以變成二週目的隊友，並且有合成系統，鼓勵把物品留下來之後使用。</a:t>
             </a:r>
             <a:endParaRPr lang="zh-TW" altLang="en-US" dirty="0"/>
           </a:p>
@@ -19231,12 +19475,12 @@
         </p:nvSpPr>
         <p:spPr>
           <a:xfrm>
-            <a:off x="1357290" y="1643056"/>
-            <a:ext cx="6215106" cy="3071834"/>
+            <a:off x="1428728" y="1643056"/>
+            <a:ext cx="6143668" cy="3071834"/>
           </a:xfrm>
           <a:prstGeom prst="roundRect">
             <a:avLst>
-              <a:gd name="adj" fmla="val 11558"/>
+              <a:gd name="adj" fmla="val 8180"/>
             </a:avLst>
           </a:prstGeom>
           <a:solidFill>
